--- a/Week-5/EnityFramework_Core.pptx
+++ b/Week-5/EnityFramework_Core.pptx
@@ -6,7 +6,7 @@
     <p:sldMasterId id="2147483672" r:id="rId2"/>
   </p:sldMasterIdLst>
   <p:notesMasterIdLst>
-    <p:notesMasterId r:id="rId32"/>
+    <p:notesMasterId r:id="rId39"/>
   </p:notesMasterIdLst>
   <p:sldIdLst>
     <p:sldId id="256" r:id="rId3"/>
@@ -16,28 +16,35 @@
     <p:sldId id="329" r:id="rId7"/>
     <p:sldId id="338" r:id="rId8"/>
     <p:sldId id="339" r:id="rId9"/>
-    <p:sldId id="331" r:id="rId10"/>
-    <p:sldId id="332" r:id="rId11"/>
-    <p:sldId id="333" r:id="rId12"/>
-    <p:sldId id="334" r:id="rId13"/>
-    <p:sldId id="282" r:id="rId14"/>
-    <p:sldId id="264" r:id="rId15"/>
-    <p:sldId id="335" r:id="rId16"/>
-    <p:sldId id="284" r:id="rId17"/>
-    <p:sldId id="285" r:id="rId18"/>
-    <p:sldId id="286" r:id="rId19"/>
-    <p:sldId id="278" r:id="rId20"/>
-    <p:sldId id="279" r:id="rId21"/>
-    <p:sldId id="268" r:id="rId22"/>
-    <p:sldId id="287" r:id="rId23"/>
-    <p:sldId id="269" r:id="rId24"/>
-    <p:sldId id="270" r:id="rId25"/>
-    <p:sldId id="271" r:id="rId26"/>
-    <p:sldId id="272" r:id="rId27"/>
-    <p:sldId id="273" r:id="rId28"/>
-    <p:sldId id="274" r:id="rId29"/>
-    <p:sldId id="336" r:id="rId30"/>
-    <p:sldId id="337" r:id="rId31"/>
+    <p:sldId id="340" r:id="rId10"/>
+    <p:sldId id="331" r:id="rId11"/>
+    <p:sldId id="332" r:id="rId12"/>
+    <p:sldId id="341" r:id="rId13"/>
+    <p:sldId id="333" r:id="rId14"/>
+    <p:sldId id="334" r:id="rId15"/>
+    <p:sldId id="342" r:id="rId16"/>
+    <p:sldId id="282" r:id="rId17"/>
+    <p:sldId id="264" r:id="rId18"/>
+    <p:sldId id="335" r:id="rId19"/>
+    <p:sldId id="343" r:id="rId20"/>
+    <p:sldId id="345" r:id="rId21"/>
+    <p:sldId id="344" r:id="rId22"/>
+    <p:sldId id="284" r:id="rId23"/>
+    <p:sldId id="285" r:id="rId24"/>
+    <p:sldId id="286" r:id="rId25"/>
+    <p:sldId id="278" r:id="rId26"/>
+    <p:sldId id="279" r:id="rId27"/>
+    <p:sldId id="268" r:id="rId28"/>
+    <p:sldId id="287" r:id="rId29"/>
+    <p:sldId id="269" r:id="rId30"/>
+    <p:sldId id="270" r:id="rId31"/>
+    <p:sldId id="271" r:id="rId32"/>
+    <p:sldId id="272" r:id="rId33"/>
+    <p:sldId id="273" r:id="rId34"/>
+    <p:sldId id="274" r:id="rId35"/>
+    <p:sldId id="336" r:id="rId36"/>
+    <p:sldId id="337" r:id="rId37"/>
+    <p:sldId id="346" r:id="rId38"/>
   </p:sldIdLst>
   <p:sldSz cx="9144000" cy="6858000" type="screen4x3"/>
   <p:notesSz cx="6858000" cy="9144000"/>
@@ -238,7 +245,7 @@
             <a:fld id="{FD6E9330-9392-43C4-950A-D5CED98CCE45}" type="datetimeFigureOut">
               <a:rPr lang="en-US" smtClean="0"/>
               <a:pPr/>
-              <a:t>8/9/2023</a:t>
+              <a:t>2/24/2025</a:t>
             </a:fld>
             <a:endParaRPr lang="en-US"/>
           </a:p>
@@ -703,7 +710,7 @@
             <a:fld id="{EB680A37-438E-4024-AA4D-C37C88ABBE58}" type="slidenum">
               <a:rPr lang="en-US" smtClean="0"/>
               <a:pPr/>
-              <a:t>27</a:t>
+              <a:t>33</a:t>
             </a:fld>
             <a:endParaRPr lang="en-US"/>
           </a:p>
@@ -911,7 +918,7 @@
             <a:fld id="{EB680A37-438E-4024-AA4D-C37C88ABBE58}" type="slidenum">
               <a:rPr lang="en-US" smtClean="0"/>
               <a:pPr/>
-              <a:t>20</a:t>
+              <a:t>26</a:t>
             </a:fld>
             <a:endParaRPr lang="en-US"/>
           </a:p>
@@ -1015,7 +1022,7 @@
             <a:fld id="{EB680A37-438E-4024-AA4D-C37C88ABBE58}" type="slidenum">
               <a:rPr lang="en-US" smtClean="0"/>
               <a:pPr/>
-              <a:t>21</a:t>
+              <a:t>27</a:t>
             </a:fld>
             <a:endParaRPr lang="en-US"/>
           </a:p>
@@ -1119,7 +1126,7 @@
             <a:fld id="{EB680A37-438E-4024-AA4D-C37C88ABBE58}" type="slidenum">
               <a:rPr lang="en-US" smtClean="0"/>
               <a:pPr/>
-              <a:t>22</a:t>
+              <a:t>28</a:t>
             </a:fld>
             <a:endParaRPr lang="en-US"/>
           </a:p>
@@ -1223,7 +1230,7 @@
             <a:fld id="{EB680A37-438E-4024-AA4D-C37C88ABBE58}" type="slidenum">
               <a:rPr lang="en-US" smtClean="0"/>
               <a:pPr/>
-              <a:t>23</a:t>
+              <a:t>29</a:t>
             </a:fld>
             <a:endParaRPr lang="en-US"/>
           </a:p>
@@ -1327,7 +1334,7 @@
             <a:fld id="{EB680A37-438E-4024-AA4D-C37C88ABBE58}" type="slidenum">
               <a:rPr lang="en-US" smtClean="0"/>
               <a:pPr/>
-              <a:t>24</a:t>
+              <a:t>30</a:t>
             </a:fld>
             <a:endParaRPr lang="en-US"/>
           </a:p>
@@ -1431,7 +1438,7 @@
             <a:fld id="{EB680A37-438E-4024-AA4D-C37C88ABBE58}" type="slidenum">
               <a:rPr lang="en-US" smtClean="0"/>
               <a:pPr/>
-              <a:t>25</a:t>
+              <a:t>31</a:t>
             </a:fld>
             <a:endParaRPr lang="en-US"/>
           </a:p>
@@ -1535,7 +1542,7 @@
             <a:fld id="{EB680A37-438E-4024-AA4D-C37C88ABBE58}" type="slidenum">
               <a:rPr lang="en-US" smtClean="0"/>
               <a:pPr/>
-              <a:t>26</a:t>
+              <a:t>32</a:t>
             </a:fld>
             <a:endParaRPr lang="en-US"/>
           </a:p>
@@ -1839,7 +1846,7 @@
             <a:fld id="{1D8BD707-D9CF-40AE-B4C6-C98DA3205C09}" type="datetimeFigureOut">
               <a:rPr lang="en-US" smtClean="0"/>
               <a:pPr/>
-              <a:t>8/9/2023</a:t>
+              <a:t>2/24/2025</a:t>
             </a:fld>
             <a:endParaRPr lang="en-US"/>
           </a:p>
@@ -2031,7 +2038,7 @@
             <a:fld id="{1D8BD707-D9CF-40AE-B4C6-C98DA3205C09}" type="datetimeFigureOut">
               <a:rPr lang="en-US" smtClean="0"/>
               <a:pPr/>
-              <a:t>8/9/2023</a:t>
+              <a:t>2/24/2025</a:t>
             </a:fld>
             <a:endParaRPr lang="en-US"/>
           </a:p>
@@ -2217,7 +2224,7 @@
             <a:fld id="{1D8BD707-D9CF-40AE-B4C6-C98DA3205C09}" type="datetimeFigureOut">
               <a:rPr lang="en-US" smtClean="0"/>
               <a:pPr/>
-              <a:t>8/9/2023</a:t>
+              <a:t>2/24/2025</a:t>
             </a:fld>
             <a:endParaRPr lang="en-US"/>
           </a:p>
@@ -3233,7 +3240,7 @@
             <a:fld id="{1D8BD707-D9CF-40AE-B4C6-C98DA3205C09}" type="datetimeFigureOut">
               <a:rPr lang="en-US" smtClean="0"/>
               <a:pPr/>
-              <a:t>8/9/2023</a:t>
+              <a:t>2/24/2025</a:t>
             </a:fld>
             <a:endParaRPr lang="en-US"/>
           </a:p>
@@ -3650,7 +3657,7 @@
             <a:fld id="{1D8BD707-D9CF-40AE-B4C6-C98DA3205C09}" type="datetimeFigureOut">
               <a:rPr lang="en-US" smtClean="0"/>
               <a:pPr/>
-              <a:t>8/9/2023</a:t>
+              <a:t>2/24/2025</a:t>
             </a:fld>
             <a:endParaRPr lang="en-US"/>
           </a:p>
@@ -3893,7 +3900,7 @@
             <a:fld id="{1D8BD707-D9CF-40AE-B4C6-C98DA3205C09}" type="datetimeFigureOut">
               <a:rPr lang="en-US" smtClean="0"/>
               <a:pPr/>
-              <a:t>8/9/2023</a:t>
+              <a:t>2/24/2025</a:t>
             </a:fld>
             <a:endParaRPr lang="en-US"/>
           </a:p>
@@ -4130,7 +4137,7 @@
             <a:fld id="{1D8BD707-D9CF-40AE-B4C6-C98DA3205C09}" type="datetimeFigureOut">
               <a:rPr lang="en-US" smtClean="0"/>
               <a:pPr/>
-              <a:t>8/9/2023</a:t>
+              <a:t>2/24/2025</a:t>
             </a:fld>
             <a:endParaRPr lang="en-US"/>
           </a:p>
@@ -4326,7 +4333,7 @@
             <a:fld id="{1D8BD707-D9CF-40AE-B4C6-C98DA3205C09}" type="datetimeFigureOut">
               <a:rPr lang="en-US" smtClean="0"/>
               <a:pPr/>
-              <a:t>8/9/2023</a:t>
+              <a:t>2/24/2025</a:t>
             </a:fld>
             <a:endParaRPr lang="en-US"/>
           </a:p>
@@ -4426,7 +4433,7 @@
             <a:fld id="{1D8BD707-D9CF-40AE-B4C6-C98DA3205C09}" type="datetimeFigureOut">
               <a:rPr lang="en-US" smtClean="0"/>
               <a:pPr/>
-              <a:t>8/9/2023</a:t>
+              <a:t>2/24/2025</a:t>
             </a:fld>
             <a:endParaRPr lang="en-US"/>
           </a:p>
@@ -4563,7 +4570,7 @@
             <a:fld id="{1D8BD707-D9CF-40AE-B4C6-C98DA3205C09}" type="datetimeFigureOut">
               <a:rPr lang="en-US" smtClean="0"/>
               <a:pPr/>
-              <a:t>8/9/2023</a:t>
+              <a:t>2/24/2025</a:t>
             </a:fld>
             <a:endParaRPr lang="en-US"/>
           </a:p>
@@ -5082,7 +5089,7 @@
             <a:fld id="{1D8BD707-D9CF-40AE-B4C6-C98DA3205C09}" type="datetimeFigureOut">
               <a:rPr lang="en-US" smtClean="0"/>
               <a:pPr/>
-              <a:t>8/9/2023</a:t>
+              <a:t>2/24/2025</a:t>
             </a:fld>
             <a:endParaRPr lang="en-US"/>
           </a:p>
@@ -5343,7 +5350,7 @@
             <a:fld id="{1D8BD707-D9CF-40AE-B4C6-C98DA3205C09}" type="datetimeFigureOut">
               <a:rPr lang="en-US" smtClean="0"/>
               <a:pPr/>
-              <a:t>8/9/2023</a:t>
+              <a:t>2/24/2025</a:t>
             </a:fld>
             <a:endParaRPr lang="en-US"/>
           </a:p>
@@ -6653,13 +6660,8 @@
           <a:p>
             <a:r>
               <a:rPr lang="en-US" dirty="0"/>
-              <a:t>Entity Framework Core: </a:t>
-            </a:r>
-            <a:r>
-              <a:rPr lang="en-US" dirty="0" err="1"/>
-              <a:t>DbContext</a:t>
-            </a:r>
-            <a:endParaRPr lang="en-US" dirty="0"/>
+              <a:t>Install Entity Framework Core</a:t>
+            </a:r>
           </a:p>
         </p:txBody>
       </p:sp>
@@ -6676,39 +6678,116 @@
         <p:spPr/>
         <p:txBody>
           <a:bodyPr>
-            <a:noAutofit/>
+            <a:normAutofit/>
           </a:bodyPr>
           <a:lstStyle/>
           <a:p>
             <a:r>
-              <a:rPr lang="en-US" sz="1400" dirty="0"/>
-              <a:t>The </a:t>
+              <a:rPr lang="en-US" sz="1400" dirty="0">
+                <a:solidFill>
+                  <a:srgbClr val="181717"/>
+                </a:solidFill>
+                <a:latin typeface="Verdana"/>
+              </a:rPr>
+              <a:t>Entity Framework Core can be used with .NET Core or .NET 4.6 based applications.</a:t>
+            </a:r>
+          </a:p>
+          <a:p>
+            <a:pPr algn="just"/>
+            <a:r>
+              <a:rPr lang="en-US" sz="1400" dirty="0">
+                <a:solidFill>
+                  <a:srgbClr val="181717"/>
+                </a:solidFill>
+                <a:latin typeface="Verdana"/>
+              </a:rPr>
+              <a:t>EF Core is not a part of .NET Core and standard .NET framework. It is available as a </a:t>
             </a:r>
             <a:r>
               <a:rPr lang="en-US" sz="1400" dirty="0" err="1">
-                <a:hlinkClick r:id="rId2"/>
+                <a:solidFill>
+                  <a:srgbClr val="181717"/>
+                </a:solidFill>
+                <a:latin typeface="Verdana"/>
               </a:rPr>
-              <a:t>DbContext</a:t>
-            </a:r>
-            <a:r>
-              <a:rPr lang="en-US" sz="1400" dirty="0"/>
-              <a:t> class is an integral part of Entity Framework. An instance of </a:t>
-            </a:r>
-            <a:r>
-              <a:rPr lang="en-US" sz="1400" dirty="0" err="1"/>
-              <a:t>DbContext</a:t>
-            </a:r>
-            <a:r>
-              <a:rPr lang="en-US" sz="1400" dirty="0"/>
-              <a:t> represents a session with the database which can be used to query and save instances of your entities to a database. </a:t>
-            </a:r>
-            <a:r>
-              <a:rPr lang="en-US" sz="1400" dirty="0" err="1"/>
-              <a:t>DbContext</a:t>
-            </a:r>
-            <a:r>
-              <a:rPr lang="en-US" sz="1400" dirty="0"/>
-              <a:t> is a combination of the Unit Of Work and Repository patterns.</a:t>
+              <a:t>NuGet</a:t>
+            </a:r>
+            <a:r>
+              <a:rPr lang="en-US" sz="1400" dirty="0">
+                <a:solidFill>
+                  <a:srgbClr val="181717"/>
+                </a:solidFill>
+                <a:latin typeface="Verdana"/>
+              </a:rPr>
+              <a:t> package. You need to install </a:t>
+            </a:r>
+            <a:r>
+              <a:rPr lang="en-US" sz="1400" dirty="0" err="1">
+                <a:solidFill>
+                  <a:srgbClr val="181717"/>
+                </a:solidFill>
+                <a:latin typeface="Verdana"/>
+              </a:rPr>
+              <a:t>NuGet</a:t>
+            </a:r>
+            <a:r>
+              <a:rPr lang="en-US" sz="1400" dirty="0">
+                <a:solidFill>
+                  <a:srgbClr val="181717"/>
+                </a:solidFill>
+                <a:latin typeface="Verdana"/>
+              </a:rPr>
+              <a:t> packages for the following two things to use EF Core in your application:</a:t>
+            </a:r>
+          </a:p>
+          <a:p>
+            <a:pPr algn="just">
+              <a:buFont typeface="+mj-lt"/>
+              <a:buAutoNum type="arabicPeriod"/>
+            </a:pPr>
+            <a:r>
+              <a:rPr lang="en-US" sz="1400" dirty="0">
+                <a:solidFill>
+                  <a:srgbClr val="181717"/>
+                </a:solidFill>
+                <a:latin typeface="Verdana"/>
+              </a:rPr>
+              <a:t>EF Core DB provider</a:t>
+            </a:r>
+          </a:p>
+          <a:p>
+            <a:pPr algn="just">
+              <a:buFont typeface="+mj-lt"/>
+              <a:buAutoNum type="arabicPeriod"/>
+            </a:pPr>
+            <a:r>
+              <a:rPr lang="en-US" sz="1400" dirty="0">
+                <a:solidFill>
+                  <a:srgbClr val="181717"/>
+                </a:solidFill>
+                <a:latin typeface="Verdana"/>
+              </a:rPr>
+              <a:t>EF Core tools</a:t>
+            </a:r>
+          </a:p>
+          <a:p>
+            <a:r>
+              <a:rPr lang="en-US" sz="1400" dirty="0">
+                <a:solidFill>
+                  <a:srgbClr val="181717"/>
+                </a:solidFill>
+                <a:latin typeface="Verdana"/>
+              </a:rPr>
+              <a:t>PM&gt; Install-Package </a:t>
+            </a:r>
+            <a:r>
+              <a:rPr lang="en-US" sz="1400" dirty="0" err="1">
+                <a:solidFill>
+                  <a:srgbClr val="181717"/>
+                </a:solidFill>
+                <a:latin typeface="Verdana"/>
+              </a:rPr>
+              <a:t>Microsoft.EntityFrameworkCore.SqlServer</a:t>
             </a:r>
             <a:endParaRPr lang="en-US" sz="1400" dirty="0">
               <a:solidFill>
@@ -6719,142 +6798,85 @@
           </a:p>
           <a:p>
             <a:r>
-              <a:rPr lang="en-US" sz="1400" dirty="0" err="1"/>
-              <a:t>DbContext</a:t>
-            </a:r>
-            <a:r>
-              <a:rPr lang="en-US" sz="1400" dirty="0"/>
-              <a:t> in EF Core allows us to perform following tasks:</a:t>
-            </a:r>
-          </a:p>
-          <a:p>
-            <a:pPr lvl="1"/>
-            <a:r>
-              <a:rPr lang="en-US" sz="1400" dirty="0"/>
-              <a:t>Manage database connection</a:t>
-            </a:r>
-          </a:p>
-          <a:p>
-            <a:pPr lvl="1"/>
-            <a:r>
-              <a:rPr lang="en-US" sz="1400" dirty="0"/>
-              <a:t>Configure model &amp; relationship</a:t>
-            </a:r>
-          </a:p>
-          <a:p>
-            <a:pPr lvl="1"/>
-            <a:r>
-              <a:rPr lang="en-US" sz="1400" dirty="0"/>
-              <a:t>Querying database</a:t>
-            </a:r>
-          </a:p>
-          <a:p>
-            <a:pPr lvl="1"/>
-            <a:r>
-              <a:rPr lang="en-US" sz="1400" dirty="0"/>
-              <a:t>Saving data to the database</a:t>
-            </a:r>
-          </a:p>
-          <a:p>
-            <a:pPr lvl="1"/>
-            <a:r>
-              <a:rPr lang="en-US" sz="1400" dirty="0"/>
-              <a:t>Caching</a:t>
-            </a:r>
-          </a:p>
-          <a:p>
-            <a:pPr lvl="1"/>
-            <a:r>
-              <a:rPr lang="en-US" sz="1400" dirty="0"/>
-              <a:t>Transaction management</a:t>
-            </a:r>
-          </a:p>
-          <a:p>
-            <a:r>
-              <a:rPr lang="en-US" sz="1400" dirty="0"/>
-              <a:t>To use </a:t>
-            </a:r>
-            <a:r>
-              <a:rPr lang="en-US" sz="1400" dirty="0" err="1"/>
-              <a:t>DbContext</a:t>
-            </a:r>
-            <a:r>
-              <a:rPr lang="en-US" sz="1400" dirty="0"/>
-              <a:t> in our application, we need to create the class that derives from </a:t>
-            </a:r>
-            <a:r>
-              <a:rPr lang="en-US" sz="1400" dirty="0" err="1"/>
-              <a:t>DbContext</a:t>
-            </a:r>
-            <a:r>
-              <a:rPr lang="en-US" sz="1400" dirty="0"/>
-              <a:t>, also known as context class. This context class typically includes </a:t>
+              <a:rPr lang="en-US" sz="1400" dirty="0">
+                <a:solidFill>
+                  <a:srgbClr val="181717"/>
+                </a:solidFill>
+                <a:latin typeface="Verdana"/>
+              </a:rPr>
+              <a:t>PM&gt; Install-Package </a:t>
             </a:r>
             <a:r>
               <a:rPr lang="en-US" sz="1400" dirty="0" err="1">
-                <a:hlinkClick r:id="rId3"/>
+                <a:solidFill>
+                  <a:srgbClr val="000000"/>
+                </a:solidFill>
+                <a:latin typeface="SFMono-Regular"/>
               </a:rPr>
-              <a:t>DbSet</a:t>
-            </a:r>
+              <a:t>Microsoft.EntityFrameworkCore.Tools</a:t>
+            </a:r>
+            <a:endParaRPr lang="en-US" sz="1400" dirty="0">
+              <a:solidFill>
+                <a:srgbClr val="181717"/>
+              </a:solidFill>
+              <a:latin typeface="Verdana"/>
+            </a:endParaRPr>
+          </a:p>
+          <a:p>
             <a:r>
               <a:rPr lang="en-US" sz="1400" dirty="0">
-                <a:hlinkClick r:id="rId3"/>
+                <a:solidFill>
+                  <a:srgbClr val="181717"/>
+                </a:solidFill>
+                <a:latin typeface="Verdana"/>
               </a:rPr>
-              <a:t>&lt;</a:t>
+              <a:t>Install-Package </a:t>
             </a:r>
             <a:r>
               <a:rPr lang="en-US" sz="1400" dirty="0" err="1">
-                <a:hlinkClick r:id="rId3"/>
+                <a:solidFill>
+                  <a:srgbClr val="181717"/>
+                </a:solidFill>
+                <a:latin typeface="Verdana"/>
               </a:rPr>
-              <a:t>TEntity</a:t>
+              <a:t>Microsoft.EntityFrameworkCore.SqlServer</a:t>
             </a:r>
             <a:r>
               <a:rPr lang="en-US" sz="1400" dirty="0">
-                <a:hlinkClick r:id="rId3"/>
+                <a:solidFill>
+                  <a:srgbClr val="181717"/>
+                </a:solidFill>
+                <a:latin typeface="Verdana"/>
               </a:rPr>
-              <a:t>&gt;</a:t>
-            </a:r>
-            <a:r>
-              <a:rPr lang="en-US" sz="1400" dirty="0"/>
-              <a:t> properties for each entity in the model. </a:t>
-            </a:r>
-          </a:p>
-          <a:p>
-            <a:r>
-              <a:rPr lang="en-US" sz="1400" dirty="0"/>
-              <a:t>entities </a:t>
-            </a:r>
-          </a:p>
-          <a:p>
-            <a:r>
-              <a:rPr lang="en-US" sz="1400" dirty="0"/>
-              <a:t>public </a:t>
-            </a:r>
-            <a:r>
-              <a:rPr lang="en-US" sz="1400" dirty="0" err="1"/>
-              <a:t>DbSet</a:t>
-            </a:r>
-            <a:r>
-              <a:rPr lang="en-US" sz="1400" dirty="0"/>
-              <a:t>&lt;Student&gt; Students { get; set; }</a:t>
-            </a:r>
-          </a:p>
-          <a:p>
-            <a:r>
-              <a:rPr lang="en-US" sz="1400" dirty="0"/>
-              <a:t> public </a:t>
-            </a:r>
-            <a:r>
-              <a:rPr lang="en-US" sz="1400" dirty="0" err="1"/>
-              <a:t>DbSet</a:t>
-            </a:r>
-            <a:r>
-              <a:rPr lang="en-US" sz="1400" dirty="0"/>
-              <a:t>&lt;Course&gt; Courses { get; set; } } </a:t>
+              <a:t> -Version 7.0.11</a:t>
+            </a:r>
+          </a:p>
+          <a:p>
+            <a:r>
+              <a:rPr lang="en-US" sz="1400" dirty="0">
+                <a:solidFill>
+                  <a:srgbClr val="181717"/>
+                </a:solidFill>
+                <a:latin typeface="Verdana"/>
+              </a:rPr>
+              <a:t>Install EF Core Using .NET CLI(Command Line)</a:t>
+            </a:r>
+          </a:p>
+          <a:p>
+            <a:r>
+              <a:rPr lang="nn-NO" sz="1400" dirty="0">
+                <a:solidFill>
+                  <a:srgbClr val="181717"/>
+                </a:solidFill>
+                <a:latin typeface="Verdana"/>
+              </a:rPr>
+              <a:t>dotnet add package Microsoft.EntityFrameworkCore.SqlServer --version 7.0.11</a:t>
             </a:r>
             <a:endParaRPr lang="en-US" sz="1400" dirty="0">
-              <a:latin typeface="Calibri" pitchFamily="34" charset="0"/>
-              <a:cs typeface="Calibri" pitchFamily="34" charset="0"/>
+              <a:solidFill>
+                <a:srgbClr val="181717"/>
+              </a:solidFill>
+              <a:latin typeface="Verdana"/>
             </a:endParaRPr>
           </a:p>
         </p:txBody>
@@ -6868,6 +6890,151 @@
 </file>
 
 <file path=ppt/slides/slide11.xml><?xml version="1.0" encoding="utf-8"?>
+<p:sld xmlns:a="http://schemas.openxmlformats.org/drawingml/2006/main" xmlns:r="http://schemas.openxmlformats.org/officeDocument/2006/relationships" xmlns:p="http://schemas.openxmlformats.org/presentationml/2006/main">
+  <p:cSld>
+    <p:spTree>
+      <p:nvGrpSpPr>
+        <p:cNvPr id="1" name="">
+          <a:extLst>
+            <a:ext uri="{FF2B5EF4-FFF2-40B4-BE49-F238E27FC236}">
+              <a16:creationId xmlns:a16="http://schemas.microsoft.com/office/drawing/2014/main" id="{CC62EC12-FD9F-B9CA-8EB4-74FC16969A4D}"/>
+            </a:ext>
+          </a:extLst>
+        </p:cNvPr>
+        <p:cNvGrpSpPr/>
+        <p:nvPr/>
+      </p:nvGrpSpPr>
+      <p:grpSpPr>
+        <a:xfrm>
+          <a:off x="0" y="0"/>
+          <a:ext cx="0" cy="0"/>
+          <a:chOff x="0" y="0"/>
+          <a:chExt cx="0" cy="0"/>
+        </a:xfrm>
+      </p:grpSpPr>
+      <p:sp>
+        <p:nvSpPr>
+          <p:cNvPr id="4" name="Title 3">
+            <a:extLst>
+              <a:ext uri="{FF2B5EF4-FFF2-40B4-BE49-F238E27FC236}">
+                <a16:creationId xmlns:a16="http://schemas.microsoft.com/office/drawing/2014/main" id="{4F73C78F-E04C-682E-6751-D4CD4A0E8CA6}"/>
+              </a:ext>
+            </a:extLst>
+          </p:cNvPr>
+          <p:cNvSpPr>
+            <a:spLocks noGrp="1"/>
+          </p:cNvSpPr>
+          <p:nvPr>
+            <p:ph type="title"/>
+          </p:nvPr>
+        </p:nvSpPr>
+        <p:spPr/>
+        <p:txBody>
+          <a:bodyPr/>
+          <a:lstStyle/>
+          <a:p>
+            <a:r>
+              <a:rPr lang="en-US" dirty="0"/>
+              <a:t>Entity Framework Core: </a:t>
+            </a:r>
+            <a:r>
+              <a:rPr lang="en-US" dirty="0" err="1"/>
+              <a:t>DbContext</a:t>
+            </a:r>
+            <a:endParaRPr lang="en-US" dirty="0"/>
+          </a:p>
+        </p:txBody>
+      </p:sp>
+      <p:sp>
+        <p:nvSpPr>
+          <p:cNvPr id="6" name="Content Placeholder 5">
+            <a:extLst>
+              <a:ext uri="{FF2B5EF4-FFF2-40B4-BE49-F238E27FC236}">
+                <a16:creationId xmlns:a16="http://schemas.microsoft.com/office/drawing/2014/main" id="{33ED9D5B-BE10-8474-31AF-D733F2057B62}"/>
+              </a:ext>
+            </a:extLst>
+          </p:cNvPr>
+          <p:cNvSpPr>
+            <a:spLocks noGrp="1"/>
+          </p:cNvSpPr>
+          <p:nvPr>
+            <p:ph sz="quarter" idx="1"/>
+          </p:nvPr>
+        </p:nvSpPr>
+        <p:spPr/>
+        <p:txBody>
+          <a:bodyPr>
+            <a:noAutofit/>
+          </a:bodyPr>
+          <a:lstStyle/>
+          <a:p>
+            <a:r>
+              <a:rPr lang="en-US" sz="1400" dirty="0"/>
+              <a:t>The </a:t>
+            </a:r>
+            <a:r>
+              <a:rPr lang="en-US" sz="1400" dirty="0" err="1">
+                <a:hlinkClick r:id="rId2"/>
+              </a:rPr>
+              <a:t>DbContext</a:t>
+            </a:r>
+            <a:r>
+              <a:rPr lang="en-US" sz="1400" dirty="0"/>
+              <a:t> class is an integral part of Entity Framework. </a:t>
+            </a:r>
+          </a:p>
+          <a:p>
+            <a:r>
+              <a:rPr lang="en-US" sz="1400" dirty="0"/>
+              <a:t>An instance of </a:t>
+            </a:r>
+            <a:r>
+              <a:rPr lang="en-US" sz="1400" dirty="0" err="1"/>
+              <a:t>DbContext</a:t>
+            </a:r>
+            <a:r>
+              <a:rPr lang="en-US" sz="1400" dirty="0"/>
+              <a:t> represents a session with the database which can be used to query and save instances of your entities to a database. </a:t>
+            </a:r>
+          </a:p>
+          <a:p>
+            <a:r>
+              <a:rPr lang="en-US" sz="1400" dirty="0" err="1"/>
+              <a:t>DbContext</a:t>
+            </a:r>
+            <a:r>
+              <a:rPr lang="en-US" sz="1400" dirty="0"/>
+              <a:t> is a combination of the Unit Of Work and Repository patterns.</a:t>
+            </a:r>
+          </a:p>
+          <a:p>
+            <a:r>
+              <a:rPr lang="en-US" sz="1400" dirty="0"/>
+              <a:t>The Unit of Work and Repository patterns are architectural patterns commonly used in software development, particularly in applications that interact with databases. They help manage data access, maintain clean separation of concerns, and make the code easier to test and maintain.</a:t>
+            </a:r>
+          </a:p>
+          <a:p>
+            <a:endParaRPr lang="en-US" sz="1400" dirty="0">
+              <a:latin typeface="Calibri" pitchFamily="34" charset="0"/>
+              <a:cs typeface="Calibri" pitchFamily="34" charset="0"/>
+            </a:endParaRPr>
+          </a:p>
+        </p:txBody>
+      </p:sp>
+    </p:spTree>
+    <p:extLst>
+      <p:ext uri="{BB962C8B-B14F-4D97-AF65-F5344CB8AC3E}">
+        <p14:creationId xmlns:p14="http://schemas.microsoft.com/office/powerpoint/2010/main" val="2223359216"/>
+      </p:ext>
+    </p:extLst>
+  </p:cSld>
+  <p:clrMapOvr>
+    <a:masterClrMapping/>
+  </p:clrMapOvr>
+</p:sld>
+</file>
+
+<file path=ppt/slides/slide12.xml><?xml version="1.0" encoding="utf-8"?>
 <p:sld xmlns:a="http://schemas.openxmlformats.org/drawingml/2006/main" xmlns:r="http://schemas.openxmlformats.org/officeDocument/2006/relationships" xmlns:p="http://schemas.openxmlformats.org/presentationml/2006/main">
   <p:cSld>
     <p:spTree>
@@ -6928,6 +7095,321 @@
           </a:bodyPr>
           <a:lstStyle/>
           <a:p>
+            <a:r>
+              <a:rPr lang="en-US" sz="1100" dirty="0" err="1"/>
+              <a:t>DbContext</a:t>
+            </a:r>
+            <a:r>
+              <a:rPr lang="en-US" sz="1100" dirty="0"/>
+              <a:t> in EF Core allows us to perform following tasks:</a:t>
+            </a:r>
+          </a:p>
+          <a:p>
+            <a:pPr lvl="1"/>
+            <a:r>
+              <a:rPr lang="en-US" sz="1100" dirty="0"/>
+              <a:t>Manage database connection</a:t>
+            </a:r>
+          </a:p>
+          <a:p>
+            <a:pPr lvl="1"/>
+            <a:r>
+              <a:rPr lang="en-US" sz="1100" dirty="0"/>
+              <a:t>Configure model &amp; relationship</a:t>
+            </a:r>
+          </a:p>
+          <a:p>
+            <a:pPr lvl="1"/>
+            <a:r>
+              <a:rPr lang="en-US" sz="1100" dirty="0"/>
+              <a:t>Querying database</a:t>
+            </a:r>
+          </a:p>
+          <a:p>
+            <a:pPr lvl="1"/>
+            <a:r>
+              <a:rPr lang="en-US" sz="1100" dirty="0"/>
+              <a:t>Saving data to the database</a:t>
+            </a:r>
+          </a:p>
+          <a:p>
+            <a:pPr lvl="1"/>
+            <a:r>
+              <a:rPr lang="en-US" sz="1100" dirty="0"/>
+              <a:t>Caching</a:t>
+            </a:r>
+          </a:p>
+          <a:p>
+            <a:pPr lvl="1"/>
+            <a:r>
+              <a:rPr lang="en-US" sz="1100" dirty="0"/>
+              <a:t>Transaction management</a:t>
+            </a:r>
+          </a:p>
+          <a:p>
+            <a:r>
+              <a:rPr lang="en-US" sz="1100" dirty="0"/>
+              <a:t>To use </a:t>
+            </a:r>
+            <a:r>
+              <a:rPr lang="en-US" sz="1100" dirty="0" err="1"/>
+              <a:t>DbContext</a:t>
+            </a:r>
+            <a:r>
+              <a:rPr lang="en-US" sz="1100" dirty="0"/>
+              <a:t> in our application, we need to create the class that derives from </a:t>
+            </a:r>
+            <a:r>
+              <a:rPr lang="en-US" sz="1100" dirty="0" err="1"/>
+              <a:t>DbContext</a:t>
+            </a:r>
+            <a:endParaRPr lang="en-US" sz="1100" dirty="0"/>
+          </a:p>
+          <a:p>
+            <a:r>
+              <a:rPr lang="en-US" sz="1100" b="1" dirty="0">
+                <a:solidFill>
+                  <a:srgbClr val="00B0F0"/>
+                </a:solidFill>
+              </a:rPr>
+              <a:t>public class </a:t>
+            </a:r>
+            <a:r>
+              <a:rPr lang="en-US" sz="1100" b="1" dirty="0" err="1">
+                <a:solidFill>
+                  <a:srgbClr val="00B0F0"/>
+                </a:solidFill>
+              </a:rPr>
+              <a:t>SchoolContext</a:t>
+            </a:r>
+            <a:r>
+              <a:rPr lang="en-US" sz="1100" b="1" dirty="0">
+                <a:solidFill>
+                  <a:srgbClr val="00B0F0"/>
+                </a:solidFill>
+              </a:rPr>
+              <a:t> : </a:t>
+            </a:r>
+            <a:r>
+              <a:rPr lang="en-US" sz="1100" b="1" dirty="0" err="1">
+                <a:solidFill>
+                  <a:srgbClr val="00B0F0"/>
+                </a:solidFill>
+              </a:rPr>
+              <a:t>DbContext</a:t>
+            </a:r>
+            <a:endParaRPr lang="en-US" sz="1100" b="1" dirty="0">
+              <a:solidFill>
+                <a:srgbClr val="00B0F0"/>
+              </a:solidFill>
+            </a:endParaRPr>
+          </a:p>
+          <a:p>
+            <a:r>
+              <a:rPr lang="en-US" sz="1100" b="1" dirty="0">
+                <a:solidFill>
+                  <a:srgbClr val="00B0F0"/>
+                </a:solidFill>
+              </a:rPr>
+              <a:t>{ </a:t>
+            </a:r>
+          </a:p>
+          <a:p>
+            <a:r>
+              <a:rPr lang="en-US" sz="1100" dirty="0">
+                <a:solidFill>
+                  <a:srgbClr val="00B0F0"/>
+                </a:solidFill>
+              </a:rPr>
+              <a:t>public </a:t>
+            </a:r>
+            <a:r>
+              <a:rPr lang="en-US" sz="1100" dirty="0" err="1">
+                <a:solidFill>
+                  <a:srgbClr val="00B0F0"/>
+                </a:solidFill>
+              </a:rPr>
+              <a:t>DbSet</a:t>
+            </a:r>
+            <a:r>
+              <a:rPr lang="en-US" sz="1100" dirty="0">
+                <a:solidFill>
+                  <a:srgbClr val="00B0F0"/>
+                </a:solidFill>
+              </a:rPr>
+              <a:t>&lt;Student&gt; Students { get; set; }</a:t>
+            </a:r>
+          </a:p>
+          <a:p>
+            <a:r>
+              <a:rPr lang="en-US" sz="1100" dirty="0">
+                <a:solidFill>
+                  <a:srgbClr val="00B0F0"/>
+                </a:solidFill>
+              </a:rPr>
+              <a:t> public </a:t>
+            </a:r>
+            <a:r>
+              <a:rPr lang="en-US" sz="1100" dirty="0" err="1">
+                <a:solidFill>
+                  <a:srgbClr val="00B0F0"/>
+                </a:solidFill>
+              </a:rPr>
+              <a:t>DbSet</a:t>
+            </a:r>
+            <a:r>
+              <a:rPr lang="en-US" sz="1100" dirty="0">
+                <a:solidFill>
+                  <a:srgbClr val="00B0F0"/>
+                </a:solidFill>
+              </a:rPr>
+              <a:t>&lt;Course&gt; Courses { get; set; } } </a:t>
+            </a:r>
+            <a:endParaRPr lang="en-US" sz="1100" b="1" dirty="0">
+              <a:solidFill>
+                <a:srgbClr val="00B0F0"/>
+              </a:solidFill>
+            </a:endParaRPr>
+          </a:p>
+          <a:p>
+            <a:r>
+              <a:rPr lang="en-US" sz="1100" b="1" dirty="0">
+                <a:solidFill>
+                  <a:srgbClr val="00B0F0"/>
+                </a:solidFill>
+              </a:rPr>
+              <a:t>} </a:t>
+            </a:r>
+          </a:p>
+          <a:p>
+            <a:r>
+              <a:rPr lang="en-US" sz="1100" dirty="0"/>
+              <a:t>The </a:t>
+            </a:r>
+            <a:r>
+              <a:rPr lang="en-US" sz="1100" dirty="0" err="1"/>
+              <a:t>DbSet</a:t>
+            </a:r>
+            <a:r>
+              <a:rPr lang="en-US" sz="1100" dirty="0"/>
+              <a:t>&lt;</a:t>
+            </a:r>
+            <a:r>
+              <a:rPr lang="en-US" sz="1100" dirty="0" err="1"/>
+              <a:t>TEntity</a:t>
+            </a:r>
+            <a:r>
+              <a:rPr lang="en-US" sz="1100" dirty="0"/>
+              <a:t>&gt; type allows EF Core to query and save instances of the specified entity to the database. </a:t>
+            </a:r>
+          </a:p>
+          <a:p>
+            <a:r>
+              <a:rPr lang="en-US" sz="1100" dirty="0"/>
+              <a:t>LINQ queries against a </a:t>
+            </a:r>
+            <a:r>
+              <a:rPr lang="en-US" sz="1100" dirty="0" err="1"/>
+              <a:t>DbSet</a:t>
+            </a:r>
+            <a:r>
+              <a:rPr lang="en-US" sz="1100" dirty="0"/>
+              <a:t>&lt;</a:t>
+            </a:r>
+            <a:r>
+              <a:rPr lang="en-US" sz="1100" dirty="0" err="1"/>
+              <a:t>TEntity</a:t>
+            </a:r>
+            <a:r>
+              <a:rPr lang="en-US" sz="1100" dirty="0"/>
+              <a:t>&gt; will be translated into queries against the database.</a:t>
+            </a:r>
+          </a:p>
+          <a:p>
+            <a:r>
+              <a:rPr lang="en-US" sz="1100" dirty="0"/>
+              <a:t>EF Core API will create the Student and Grade table in the underlying SQL Server database where each property of these classes will be a column in the corresponding table.</a:t>
+            </a:r>
+          </a:p>
+        </p:txBody>
+      </p:sp>
+    </p:spTree>
+  </p:cSld>
+  <p:clrMapOvr>
+    <a:masterClrMapping/>
+  </p:clrMapOvr>
+</p:sld>
+</file>
+
+<file path=ppt/slides/slide13.xml><?xml version="1.0" encoding="utf-8"?>
+<p:sld xmlns:a="http://schemas.openxmlformats.org/drawingml/2006/main" xmlns:r="http://schemas.openxmlformats.org/officeDocument/2006/relationships" xmlns:p="http://schemas.openxmlformats.org/presentationml/2006/main">
+  <p:cSld>
+    <p:spTree>
+      <p:nvGrpSpPr>
+        <p:cNvPr id="1" name=""/>
+        <p:cNvGrpSpPr/>
+        <p:nvPr/>
+      </p:nvGrpSpPr>
+      <p:grpSpPr>
+        <a:xfrm>
+          <a:off x="0" y="0"/>
+          <a:ext cx="0" cy="0"/>
+          <a:chOff x="0" y="0"/>
+          <a:chExt cx="0" cy="0"/>
+        </a:xfrm>
+      </p:grpSpPr>
+      <p:sp>
+        <p:nvSpPr>
+          <p:cNvPr id="4" name="Title 3"/>
+          <p:cNvSpPr>
+            <a:spLocks noGrp="1"/>
+          </p:cNvSpPr>
+          <p:nvPr>
+            <p:ph type="title"/>
+          </p:nvPr>
+        </p:nvSpPr>
+        <p:spPr/>
+        <p:txBody>
+          <a:bodyPr/>
+          <a:lstStyle/>
+          <a:p>
+            <a:r>
+              <a:rPr lang="en-US" dirty="0"/>
+              <a:t>Entity Framework Core: </a:t>
+            </a:r>
+            <a:r>
+              <a:rPr lang="en-US" dirty="0" err="1"/>
+              <a:t>DbContext</a:t>
+            </a:r>
+            <a:endParaRPr lang="en-US" dirty="0"/>
+          </a:p>
+        </p:txBody>
+      </p:sp>
+      <p:sp>
+        <p:nvSpPr>
+          <p:cNvPr id="6" name="Content Placeholder 5"/>
+          <p:cNvSpPr>
+            <a:spLocks noGrp="1"/>
+          </p:cNvSpPr>
+          <p:nvPr>
+            <p:ph sz="quarter" idx="1"/>
+          </p:nvPr>
+        </p:nvSpPr>
+        <p:spPr/>
+        <p:txBody>
+          <a:bodyPr>
+            <a:noAutofit/>
+          </a:bodyPr>
+          <a:lstStyle/>
+          <a:p>
+            <a:r>
+              <a:rPr lang="en-US" sz="1400" dirty="0" err="1"/>
+              <a:t>DBSet</a:t>
+            </a:r>
+            <a:r>
+              <a:rPr lang="en-US" sz="1400" dirty="0"/>
+              <a:t> and </a:t>
+            </a:r>
             <a:r>
               <a:rPr lang="en-US" sz="1400" dirty="0" err="1"/>
               <a:t>DbContext</a:t>
@@ -7310,7 +7792,143 @@
 </p:sld>
 </file>
 
-<file path=ppt/slides/slide12.xml><?xml version="1.0" encoding="utf-8"?>
+<file path=ppt/slides/slide14.xml><?xml version="1.0" encoding="utf-8"?>
+<p:sld xmlns:a="http://schemas.openxmlformats.org/drawingml/2006/main" xmlns:r="http://schemas.openxmlformats.org/officeDocument/2006/relationships" xmlns:p="http://schemas.openxmlformats.org/presentationml/2006/main">
+  <p:cSld>
+    <p:spTree>
+      <p:nvGrpSpPr>
+        <p:cNvPr id="1" name="">
+          <a:extLst>
+            <a:ext uri="{FF2B5EF4-FFF2-40B4-BE49-F238E27FC236}">
+              <a16:creationId xmlns:a16="http://schemas.microsoft.com/office/drawing/2014/main" id="{ACEE764E-65EE-D2F3-8941-53F006D841C4}"/>
+            </a:ext>
+          </a:extLst>
+        </p:cNvPr>
+        <p:cNvGrpSpPr/>
+        <p:nvPr/>
+      </p:nvGrpSpPr>
+      <p:grpSpPr>
+        <a:xfrm>
+          <a:off x="0" y="0"/>
+          <a:ext cx="0" cy="0"/>
+          <a:chOff x="0" y="0"/>
+          <a:chExt cx="0" cy="0"/>
+        </a:xfrm>
+      </p:grpSpPr>
+      <p:sp>
+        <p:nvSpPr>
+          <p:cNvPr id="4" name="Title 3">
+            <a:extLst>
+              <a:ext uri="{FF2B5EF4-FFF2-40B4-BE49-F238E27FC236}">
+                <a16:creationId xmlns:a16="http://schemas.microsoft.com/office/drawing/2014/main" id="{12A61BD5-96CA-FEAB-B114-55953DF14F6A}"/>
+              </a:ext>
+            </a:extLst>
+          </p:cNvPr>
+          <p:cNvSpPr>
+            <a:spLocks noGrp="1"/>
+          </p:cNvSpPr>
+          <p:nvPr>
+            <p:ph type="title"/>
+          </p:nvPr>
+        </p:nvSpPr>
+        <p:spPr/>
+        <p:txBody>
+          <a:bodyPr/>
+          <a:lstStyle/>
+          <a:p>
+            <a:r>
+              <a:rPr lang="en-US" dirty="0"/>
+              <a:t>Configure Database Connection</a:t>
+            </a:r>
+          </a:p>
+        </p:txBody>
+      </p:sp>
+      <p:pic>
+        <p:nvPicPr>
+          <p:cNvPr id="3" name="Content Placeholder 2">
+            <a:extLst>
+              <a:ext uri="{FF2B5EF4-FFF2-40B4-BE49-F238E27FC236}">
+                <a16:creationId xmlns:a16="http://schemas.microsoft.com/office/drawing/2014/main" id="{DB61C0C1-025B-F243-70FA-A173DB5215FD}"/>
+              </a:ext>
+            </a:extLst>
+          </p:cNvPr>
+          <p:cNvPicPr>
+            <a:picLocks noGrp="1" noChangeAspect="1"/>
+          </p:cNvPicPr>
+          <p:nvPr>
+            <p:ph sz="quarter" idx="1"/>
+          </p:nvPr>
+        </p:nvPicPr>
+        <p:blipFill>
+          <a:blip r:embed="rId2"/>
+          <a:stretch>
+            <a:fillRect/>
+          </a:stretch>
+        </p:blipFill>
+        <p:spPr>
+          <a:xfrm>
+            <a:off x="914400" y="1828800"/>
+            <a:ext cx="7161975" cy="2743200"/>
+          </a:xfrm>
+        </p:spPr>
+      </p:pic>
+      <p:sp>
+        <p:nvSpPr>
+          <p:cNvPr id="10" name="TextBox 9">
+            <a:extLst>
+              <a:ext uri="{FF2B5EF4-FFF2-40B4-BE49-F238E27FC236}">
+                <a16:creationId xmlns:a16="http://schemas.microsoft.com/office/drawing/2014/main" id="{626E3B76-8820-66EB-88F3-A64557797DF7}"/>
+              </a:ext>
+            </a:extLst>
+          </p:cNvPr>
+          <p:cNvSpPr txBox="1"/>
+          <p:nvPr/>
+        </p:nvSpPr>
+        <p:spPr>
+          <a:xfrm>
+            <a:off x="1143000" y="4724400"/>
+            <a:ext cx="7696200" cy="923330"/>
+          </a:xfrm>
+          <a:prstGeom prst="rect">
+            <a:avLst/>
+          </a:prstGeom>
+          <a:noFill/>
+        </p:spPr>
+        <p:txBody>
+          <a:bodyPr wrap="square">
+            <a:spAutoFit/>
+          </a:bodyPr>
+          <a:lstStyle/>
+          <a:p>
+            <a:r>
+              <a:rPr lang="en-US" dirty="0"/>
+              <a:t>In the above code, the </a:t>
+            </a:r>
+            <a:r>
+              <a:rPr lang="en-US" dirty="0" err="1"/>
+              <a:t>optionsBuilder.UseSqlServer</a:t>
+            </a:r>
+            <a:r>
+              <a:rPr lang="en-US" dirty="0"/>
+              <a:t>() is an extension method used to configure EF to use SQL Server as the database provider by specifying a database connection string.</a:t>
+            </a:r>
+          </a:p>
+        </p:txBody>
+      </p:sp>
+    </p:spTree>
+    <p:extLst>
+      <p:ext uri="{BB962C8B-B14F-4D97-AF65-F5344CB8AC3E}">
+        <p14:creationId xmlns:p14="http://schemas.microsoft.com/office/powerpoint/2010/main" val="1690845771"/>
+      </p:ext>
+    </p:extLst>
+  </p:cSld>
+  <p:clrMapOvr>
+    <a:masterClrMapping/>
+  </p:clrMapOvr>
+</p:sld>
+</file>
+
+<file path=ppt/slides/slide15.xml><?xml version="1.0" encoding="utf-8"?>
 <p:sld xmlns:a="http://schemas.openxmlformats.org/drawingml/2006/main" xmlns:r="http://schemas.openxmlformats.org/officeDocument/2006/relationships" xmlns:p="http://schemas.openxmlformats.org/presentationml/2006/main">
   <p:cSld>
     <p:spTree>
@@ -7383,7 +8001,7 @@
 </p:sld>
 </file>
 
-<file path=ppt/slides/slide13.xml><?xml version="1.0" encoding="utf-8"?>
+<file path=ppt/slides/slide16.xml><?xml version="1.0" encoding="utf-8"?>
 <p:sld xmlns:a="http://schemas.openxmlformats.org/drawingml/2006/main" xmlns:r="http://schemas.openxmlformats.org/officeDocument/2006/relationships" xmlns:p="http://schemas.openxmlformats.org/presentationml/2006/main">
   <p:cSld>
     <p:spTree>
@@ -7497,7 +8115,7 @@
 </p:sld>
 </file>
 
-<file path=ppt/slides/slide14.xml><?xml version="1.0" encoding="utf-8"?>
+<file path=ppt/slides/slide17.xml><?xml version="1.0" encoding="utf-8"?>
 <p:sld xmlns:a="http://schemas.openxmlformats.org/drawingml/2006/main" xmlns:r="http://schemas.openxmlformats.org/officeDocument/2006/relationships" xmlns:p="http://schemas.openxmlformats.org/presentationml/2006/main">
   <p:cSld>
     <p:spTree>
@@ -7526,12 +8144,14 @@
         </p:nvSpPr>
         <p:spPr/>
         <p:txBody>
-          <a:bodyPr/>
+          <a:bodyPr>
+            <a:normAutofit fontScale="90000"/>
+          </a:bodyPr>
           <a:lstStyle/>
           <a:p>
             <a:r>
               <a:rPr lang="en-US" dirty="0"/>
-              <a:t>Adding a Migration</a:t>
+              <a:t>Migrations in Entity Framework Core</a:t>
             </a:r>
           </a:p>
         </p:txBody>
@@ -7554,127 +8174,168 @@
           <a:lstStyle/>
           <a:p>
             <a:r>
-              <a:rPr lang="en-US" sz="1400" dirty="0"/>
-              <a:t>EF Core includes different migration commands to create or update the database based on the model.</a:t>
-            </a:r>
-          </a:p>
-          <a:p>
-            <a:r>
-              <a:rPr lang="en-US" sz="1400" dirty="0"/>
-              <a:t>we need to create the database from the model (entities and context) by adding a migration.</a:t>
-            </a:r>
-          </a:p>
-          <a:p>
-            <a:r>
-              <a:rPr lang="en-US" sz="1400" dirty="0"/>
-              <a:t>We can execute the migration command using </a:t>
-            </a:r>
-            <a:r>
-              <a:rPr lang="en-US" sz="1400" dirty="0" err="1"/>
-              <a:t>NuGet</a:t>
-            </a:r>
-            <a:r>
-              <a:rPr lang="en-US" sz="1400" dirty="0"/>
-              <a:t> Package Manger Console as well as </a:t>
-            </a:r>
-            <a:r>
-              <a:rPr lang="en-US" sz="1400" dirty="0" err="1"/>
-              <a:t>dotnet</a:t>
-            </a:r>
-            <a:r>
-              <a:rPr lang="en-US" sz="1400" dirty="0"/>
-              <a:t> CLI (command line interface).</a:t>
-            </a:r>
-          </a:p>
-          <a:p>
-            <a:r>
-              <a:rPr lang="en-US" sz="1400" dirty="0"/>
-              <a:t>In Visual Studio, open </a:t>
-            </a:r>
-            <a:r>
-              <a:rPr lang="en-US" sz="1400" dirty="0" err="1"/>
-              <a:t>NuGet</a:t>
-            </a:r>
-            <a:r>
-              <a:rPr lang="en-US" sz="1400" dirty="0"/>
-              <a:t> Package Manager Console from Tools -&gt; </a:t>
-            </a:r>
-            <a:r>
-              <a:rPr lang="en-US" sz="1400" dirty="0" err="1"/>
-              <a:t>NuGet</a:t>
-            </a:r>
-            <a:r>
-              <a:rPr lang="en-US" sz="1400" dirty="0"/>
-              <a:t> Package Manager -&gt; Package Manager Console and enter the following command:</a:t>
-            </a:r>
-          </a:p>
-          <a:p>
-            <a:r>
-              <a:rPr lang="en-US" sz="1400" dirty="0"/>
-              <a:t>PM&gt; add-migration </a:t>
-            </a:r>
-            <a:r>
-              <a:rPr lang="en-US" sz="1400" dirty="0" err="1"/>
-              <a:t>CreateSchoolDB</a:t>
-            </a:r>
-            <a:endParaRPr lang="en-US" sz="1400" dirty="0"/>
-          </a:p>
-          <a:p>
-            <a:r>
-              <a:rPr lang="en-US" sz="1400" dirty="0"/>
-              <a:t>After creating a migration, we still need to create the database using the update-database command in the Package Manager Console, as below.</a:t>
-            </a:r>
-          </a:p>
-          <a:p>
-            <a:r>
-              <a:rPr lang="en-US" sz="1400" dirty="0"/>
-              <a:t>PM</a:t>
-            </a:r>
-            <a:r>
-              <a:rPr lang="en-US" sz="1400"/>
-              <a:t>&gt; update-database</a:t>
-            </a:r>
-            <a:endParaRPr lang="en-US" sz="1400" dirty="0"/>
-          </a:p>
-          <a:p>
+              <a:rPr lang="en-US" sz="1400" dirty="0">
+                <a:latin typeface="Calibri" pitchFamily="34" charset="0"/>
+                <a:cs typeface="Calibri" pitchFamily="34" charset="0"/>
+              </a:rPr>
+              <a:t>Migration is a way to keep the database schema in sync with the EF Core model by preserving data.</a:t>
+            </a:r>
+          </a:p>
+          <a:p>
+            <a:endParaRPr lang="en-US" sz="1400" dirty="0">
+              <a:latin typeface="Calibri" pitchFamily="34" charset="0"/>
+              <a:cs typeface="Calibri" pitchFamily="34" charset="0"/>
+            </a:endParaRPr>
+          </a:p>
+          <a:p>
+            <a:endParaRPr lang="en-US" sz="1400" dirty="0">
+              <a:latin typeface="Calibri" pitchFamily="34" charset="0"/>
+              <a:cs typeface="Calibri" pitchFamily="34" charset="0"/>
+            </a:endParaRPr>
+          </a:p>
+          <a:p>
+            <a:endParaRPr lang="en-US" sz="1400" dirty="0">
+              <a:latin typeface="Calibri" pitchFamily="34" charset="0"/>
+              <a:cs typeface="Calibri" pitchFamily="34" charset="0"/>
+            </a:endParaRPr>
+          </a:p>
+          <a:p>
+            <a:r>
+              <a:rPr lang="en-US" sz="1400" dirty="0">
+                <a:latin typeface="Calibri" pitchFamily="34" charset="0"/>
+                <a:cs typeface="Calibri" pitchFamily="34" charset="0"/>
+              </a:rPr>
+              <a:t>EF Core API builds the EF Core model from the entity classes</a:t>
+            </a:r>
+          </a:p>
+          <a:p>
+            <a:r>
+              <a:rPr lang="en-US" sz="1400" dirty="0">
+                <a:latin typeface="Calibri" pitchFamily="34" charset="0"/>
+                <a:cs typeface="Calibri" pitchFamily="34" charset="0"/>
+              </a:rPr>
+              <a:t>EF Core migrations API will create or update the database schema based on the EF Core model. Whenever you change the domain classes, you need to run migration commands to keep the database schema up to date.</a:t>
+            </a:r>
+          </a:p>
+          <a:p>
+            <a:r>
+              <a:rPr lang="en-US" sz="1400" dirty="0">
+                <a:latin typeface="Calibri" pitchFamily="34" charset="0"/>
+                <a:cs typeface="Calibri" pitchFamily="34" charset="0"/>
+              </a:rPr>
+              <a:t>EF Core migrations are a set of commands which you can execute in Package Manager Console or PowerShell or in .NET Core CLI (Command Line Interface).</a:t>
+            </a:r>
+          </a:p>
+          <a:p>
+            <a:r>
+              <a:rPr lang="en-US" sz="1400" dirty="0">
+                <a:latin typeface="Calibri" pitchFamily="34" charset="0"/>
+                <a:cs typeface="Calibri" pitchFamily="34" charset="0"/>
+              </a:rPr>
+              <a:t>To use EF Core Migrations API, we need to install the NuGet package </a:t>
+            </a:r>
             <a:r>
               <a:rPr lang="en-US" sz="1400" dirty="0" err="1">
                 <a:latin typeface="Calibri" pitchFamily="34" charset="0"/>
                 <a:cs typeface="Calibri" pitchFamily="34" charset="0"/>
               </a:rPr>
-              <a:t>Note:</a:t>
-            </a:r>
-            <a:r>
-              <a:rPr lang="en-US" sz="1400" dirty="0" err="1"/>
-              <a:t>This</a:t>
-            </a:r>
-            <a:r>
-              <a:rPr lang="en-US" sz="1400" dirty="0"/>
-              <a:t> was the first migration to create a database. Now, whenever we add or update domain classes or configurations, we need to sync the database with the model using </a:t>
-            </a:r>
-            <a:r>
-              <a:rPr lang="en-US" sz="1400" b="1" dirty="0"/>
-              <a:t>add-migration</a:t>
-            </a:r>
-            <a:r>
-              <a:rPr lang="en-US" sz="1400" dirty="0"/>
-              <a:t> and </a:t>
-            </a:r>
-            <a:r>
-              <a:rPr lang="en-US" sz="1400" b="1" dirty="0"/>
-              <a:t>update-database</a:t>
-            </a:r>
-            <a:r>
-              <a:rPr lang="en-US" sz="1400" dirty="0"/>
-              <a:t> commands.</a:t>
+              <a:t>Microsoft.EntityFrameworkCore.Tools</a:t>
+            </a:r>
+            <a:r>
+              <a:rPr lang="en-US" sz="1400" dirty="0">
+                <a:latin typeface="Calibri" pitchFamily="34" charset="0"/>
+                <a:cs typeface="Calibri" pitchFamily="34" charset="0"/>
+              </a:rPr>
+              <a:t>.</a:t>
+            </a:r>
+          </a:p>
+          <a:p>
+            <a:r>
+              <a:rPr lang="en-US" sz="1400" dirty="0">
+                <a:latin typeface="Calibri" pitchFamily="34" charset="0"/>
+                <a:cs typeface="Calibri" pitchFamily="34" charset="0"/>
+              </a:rPr>
+              <a:t>Adding a Migration</a:t>
+            </a:r>
+          </a:p>
+          <a:p>
+            <a:r>
+              <a:rPr lang="en-US" sz="1400" dirty="0">
+                <a:latin typeface="Calibri" pitchFamily="34" charset="0"/>
+                <a:cs typeface="Calibri" pitchFamily="34" charset="0"/>
+              </a:rPr>
+              <a:t>add-migration </a:t>
+            </a:r>
+            <a:r>
+              <a:rPr lang="en-US" sz="1400" dirty="0" err="1">
+                <a:latin typeface="Calibri" pitchFamily="34" charset="0"/>
+                <a:cs typeface="Calibri" pitchFamily="34" charset="0"/>
+              </a:rPr>
+              <a:t>InitialSchoolDB</a:t>
             </a:r>
             <a:endParaRPr lang="en-US" sz="1400" dirty="0">
               <a:latin typeface="Calibri" pitchFamily="34" charset="0"/>
               <a:cs typeface="Calibri" pitchFamily="34" charset="0"/>
             </a:endParaRPr>
           </a:p>
-        </p:txBody>
-      </p:sp>
+          <a:p>
+            <a:r>
+              <a:rPr lang="en-US" sz="1400" dirty="0">
+                <a:latin typeface="Calibri" pitchFamily="34" charset="0"/>
+                <a:cs typeface="Calibri" pitchFamily="34" charset="0"/>
+              </a:rPr>
+              <a:t>EF Core provides migrations commands to create, update, or remove tables and other DB objects based on the entities and configurations.</a:t>
+            </a:r>
+          </a:p>
+        </p:txBody>
+      </p:sp>
+      <p:pic>
+        <p:nvPicPr>
+          <p:cNvPr id="4098" name="Picture 2" descr="EF Core Migration">
+            <a:extLst>
+              <a:ext uri="{FF2B5EF4-FFF2-40B4-BE49-F238E27FC236}">
+                <a16:creationId xmlns:a16="http://schemas.microsoft.com/office/drawing/2014/main" id="{AA26CCEA-E367-3535-DCD6-B9709520445D}"/>
+              </a:ext>
+            </a:extLst>
+          </p:cNvPr>
+          <p:cNvPicPr>
+            <a:picLocks noChangeAspect="1" noChangeArrowheads="1"/>
+          </p:cNvPicPr>
+          <p:nvPr/>
+        </p:nvPicPr>
+        <p:blipFill>
+          <a:blip r:embed="rId2">
+            <a:extLst>
+              <a:ext uri="{28A0092B-C50C-407E-A947-70E740481C1C}">
+                <a14:useLocalDpi xmlns:a14="http://schemas.microsoft.com/office/drawing/2010/main" val="0"/>
+              </a:ext>
+            </a:extLst>
+          </a:blip>
+          <a:srcRect/>
+          <a:stretch>
+            <a:fillRect/>
+          </a:stretch>
+        </p:blipFill>
+        <p:spPr bwMode="auto">
+          <a:xfrm>
+            <a:off x="1524000" y="1905000"/>
+            <a:ext cx="5734050" cy="847725"/>
+          </a:xfrm>
+          <a:prstGeom prst="rect">
+            <a:avLst/>
+          </a:prstGeom>
+          <a:noFill/>
+          <a:extLst>
+            <a:ext uri="{909E8E84-426E-40DD-AFC4-6F175D3DCCD1}">
+              <a14:hiddenFill xmlns:a14="http://schemas.microsoft.com/office/drawing/2010/main">
+                <a:solidFill>
+                  <a:srgbClr val="FFFFFF"/>
+                </a:solidFill>
+              </a14:hiddenFill>
+            </a:ext>
+          </a:extLst>
+        </p:spPr>
+      </p:pic>
     </p:spTree>
     <p:extLst>
       <p:ext uri="{BB962C8B-B14F-4D97-AF65-F5344CB8AC3E}">
@@ -7688,7 +8349,374 @@
 </p:sld>
 </file>
 
-<file path=ppt/slides/slide15.xml><?xml version="1.0" encoding="utf-8"?>
+<file path=ppt/slides/slide18.xml><?xml version="1.0" encoding="utf-8"?>
+<p:sld xmlns:a="http://schemas.openxmlformats.org/drawingml/2006/main" xmlns:r="http://schemas.openxmlformats.org/officeDocument/2006/relationships" xmlns:p="http://schemas.openxmlformats.org/presentationml/2006/main">
+  <p:cSld>
+    <p:spTree>
+      <p:nvGrpSpPr>
+        <p:cNvPr id="1" name="">
+          <a:extLst>
+            <a:ext uri="{FF2B5EF4-FFF2-40B4-BE49-F238E27FC236}">
+              <a16:creationId xmlns:a16="http://schemas.microsoft.com/office/drawing/2014/main" id="{ED0A822F-FC59-C98F-FD56-491AAD4C636C}"/>
+            </a:ext>
+          </a:extLst>
+        </p:cNvPr>
+        <p:cNvGrpSpPr/>
+        <p:nvPr/>
+      </p:nvGrpSpPr>
+      <p:grpSpPr>
+        <a:xfrm>
+          <a:off x="0" y="0"/>
+          <a:ext cx="0" cy="0"/>
+          <a:chOff x="0" y="0"/>
+          <a:chExt cx="0" cy="0"/>
+        </a:xfrm>
+      </p:grpSpPr>
+      <p:sp>
+        <p:nvSpPr>
+          <p:cNvPr id="4" name="Title 3">
+            <a:extLst>
+              <a:ext uri="{FF2B5EF4-FFF2-40B4-BE49-F238E27FC236}">
+                <a16:creationId xmlns:a16="http://schemas.microsoft.com/office/drawing/2014/main" id="{80E63F1E-F044-7129-7FF8-9497247F2326}"/>
+              </a:ext>
+            </a:extLst>
+          </p:cNvPr>
+          <p:cNvSpPr>
+            <a:spLocks noGrp="1"/>
+          </p:cNvSpPr>
+          <p:nvPr>
+            <p:ph type="title"/>
+          </p:nvPr>
+        </p:nvSpPr>
+        <p:spPr/>
+        <p:txBody>
+          <a:bodyPr>
+            <a:normAutofit fontScale="90000"/>
+          </a:bodyPr>
+          <a:lstStyle/>
+          <a:p>
+            <a:r>
+              <a:rPr lang="en-US" dirty="0"/>
+              <a:t>Migrations in Entity Framework Core</a:t>
+            </a:r>
+          </a:p>
+        </p:txBody>
+      </p:sp>
+      <p:sp>
+        <p:nvSpPr>
+          <p:cNvPr id="6" name="Content Placeholder 5">
+            <a:extLst>
+              <a:ext uri="{FF2B5EF4-FFF2-40B4-BE49-F238E27FC236}">
+                <a16:creationId xmlns:a16="http://schemas.microsoft.com/office/drawing/2014/main" id="{7591AA0D-54A7-8D8A-3536-D6C30BE72BBA}"/>
+              </a:ext>
+            </a:extLst>
+          </p:cNvPr>
+          <p:cNvSpPr>
+            <a:spLocks noGrp="1"/>
+          </p:cNvSpPr>
+          <p:nvPr>
+            <p:ph sz="quarter" idx="1"/>
+          </p:nvPr>
+        </p:nvSpPr>
+        <p:spPr/>
+        <p:txBody>
+          <a:bodyPr>
+            <a:noAutofit/>
+          </a:bodyPr>
+          <a:lstStyle/>
+          <a:p>
+            <a:r>
+              <a:rPr lang="en-US" sz="1400" dirty="0">
+                <a:latin typeface="Calibri" pitchFamily="34" charset="0"/>
+                <a:cs typeface="Calibri" pitchFamily="34" charset="0"/>
+              </a:rPr>
+              <a:t>The Add-Migration command does not create the database. It just creates the two snapshot files in the Migrations folder.</a:t>
+            </a:r>
+          </a:p>
+          <a:p>
+            <a:r>
+              <a:rPr lang="en-US" sz="1400" b="1" dirty="0">
+                <a:latin typeface="Calibri" pitchFamily="34" charset="0"/>
+                <a:cs typeface="Calibri" pitchFamily="34" charset="0"/>
+              </a:rPr>
+              <a:t>&lt;timestamp&gt;_&lt;Migration Name&gt;.cs: </a:t>
+            </a:r>
+            <a:r>
+              <a:rPr lang="en-US" sz="1400" dirty="0">
+                <a:latin typeface="Calibri" pitchFamily="34" charset="0"/>
+                <a:cs typeface="Calibri" pitchFamily="34" charset="0"/>
+              </a:rPr>
+              <a:t>The main migration file which includes migration operations in the Up() and Down() methods. The Up() method includes the code for creating DB objects and the Down() method includes code for removing DB objects.</a:t>
+            </a:r>
+          </a:p>
+          <a:p>
+            <a:r>
+              <a:rPr lang="en-US" sz="1400" b="1" dirty="0">
+                <a:latin typeface="Calibri" pitchFamily="34" charset="0"/>
+                <a:cs typeface="Calibri" pitchFamily="34" charset="0"/>
+              </a:rPr>
+              <a:t>&lt;</a:t>
+            </a:r>
+            <a:r>
+              <a:rPr lang="en-US" sz="1400" b="1" dirty="0" err="1">
+                <a:latin typeface="Calibri" pitchFamily="34" charset="0"/>
+                <a:cs typeface="Calibri" pitchFamily="34" charset="0"/>
+              </a:rPr>
+              <a:t>contextclassname</a:t>
+            </a:r>
+            <a:r>
+              <a:rPr lang="en-US" sz="1400" b="1" dirty="0">
+                <a:latin typeface="Calibri" pitchFamily="34" charset="0"/>
+                <a:cs typeface="Calibri" pitchFamily="34" charset="0"/>
+              </a:rPr>
+              <a:t>&gt;</a:t>
+            </a:r>
+            <a:r>
+              <a:rPr lang="en-US" sz="1400" b="1" dirty="0" err="1">
+                <a:latin typeface="Calibri" pitchFamily="34" charset="0"/>
+                <a:cs typeface="Calibri" pitchFamily="34" charset="0"/>
+              </a:rPr>
+              <a:t>ModelSnapshot.cs</a:t>
+            </a:r>
+            <a:r>
+              <a:rPr lang="en-US" sz="1400" b="1" dirty="0">
+                <a:latin typeface="Calibri" pitchFamily="34" charset="0"/>
+                <a:cs typeface="Calibri" pitchFamily="34" charset="0"/>
+              </a:rPr>
+              <a:t>: </a:t>
+            </a:r>
+            <a:r>
+              <a:rPr lang="en-US" sz="1400" dirty="0">
+                <a:latin typeface="Calibri" pitchFamily="34" charset="0"/>
+                <a:cs typeface="Calibri" pitchFamily="34" charset="0"/>
+              </a:rPr>
+              <a:t>A snapshot of your current model. This is used to determine what changed when creating the next migration.</a:t>
+            </a:r>
+          </a:p>
+          <a:p>
+            <a:r>
+              <a:rPr lang="en-US" sz="1400" dirty="0">
+                <a:latin typeface="Calibri" pitchFamily="34" charset="0"/>
+                <a:cs typeface="Calibri" pitchFamily="34" charset="0"/>
+              </a:rPr>
+              <a:t>Now, to create a database, use the update-database command in the Package Manager Console</a:t>
+            </a:r>
+          </a:p>
+          <a:p>
+            <a:r>
+              <a:rPr lang="en-US" sz="1400" b="1" dirty="0">
+                <a:latin typeface="Calibri" pitchFamily="34" charset="0"/>
+                <a:cs typeface="Calibri" pitchFamily="34" charset="0"/>
+              </a:rPr>
+              <a:t>update-database</a:t>
+            </a:r>
+          </a:p>
+          <a:p>
+            <a:r>
+              <a:rPr lang="en-US" sz="1400" b="1" dirty="0">
+                <a:latin typeface="Calibri" pitchFamily="34" charset="0"/>
+                <a:cs typeface="Calibri" pitchFamily="34" charset="0"/>
+              </a:rPr>
+              <a:t>Reverting Migration</a:t>
+            </a:r>
+          </a:p>
+          <a:p>
+            <a:r>
+              <a:rPr lang="en-US" sz="1400" dirty="0">
+                <a:latin typeface="Calibri" pitchFamily="34" charset="0"/>
+                <a:cs typeface="Calibri" pitchFamily="34" charset="0"/>
+              </a:rPr>
+              <a:t>For some reason, if you want to revert the database to any of the previous state then you can do it by using the update-database &lt;migration-name&gt; command.</a:t>
+            </a:r>
+          </a:p>
+          <a:p>
+            <a:r>
+              <a:rPr lang="en-US" sz="1400" b="1" dirty="0">
+                <a:latin typeface="Calibri" pitchFamily="34" charset="0"/>
+                <a:cs typeface="Calibri" pitchFamily="34" charset="0"/>
+              </a:rPr>
+              <a:t>Update-database "</a:t>
+            </a:r>
+            <a:r>
+              <a:rPr lang="en-US" sz="1400" b="1" dirty="0" err="1">
+                <a:latin typeface="Calibri" pitchFamily="34" charset="0"/>
+                <a:cs typeface="Calibri" pitchFamily="34" charset="0"/>
+              </a:rPr>
+              <a:t>InitialSchoolDB</a:t>
+            </a:r>
+            <a:r>
+              <a:rPr lang="en-US" sz="1400" b="1" dirty="0">
+                <a:latin typeface="Calibri" pitchFamily="34" charset="0"/>
+                <a:cs typeface="Calibri" pitchFamily="34" charset="0"/>
+              </a:rPr>
+              <a:t>“</a:t>
+            </a:r>
+          </a:p>
+          <a:p>
+            <a:r>
+              <a:rPr lang="en-US" sz="1400" b="1" dirty="0">
+                <a:latin typeface="Calibri" pitchFamily="34" charset="0"/>
+                <a:cs typeface="Calibri" pitchFamily="34" charset="0"/>
+              </a:rPr>
+              <a:t>List All Migrations</a:t>
+            </a:r>
+          </a:p>
+          <a:p>
+            <a:r>
+              <a:rPr lang="en-US" sz="1400" dirty="0">
+                <a:latin typeface="Calibri" pitchFamily="34" charset="0"/>
+                <a:cs typeface="Calibri" pitchFamily="34" charset="0"/>
+              </a:rPr>
+              <a:t>Get-Migration(</a:t>
+            </a:r>
+            <a:r>
+              <a:rPr lang="en-US" sz="1000" b="0" i="0" dirty="0">
+                <a:solidFill>
+                  <a:srgbClr val="181717"/>
+                </a:solidFill>
+                <a:effectLst/>
+                <a:latin typeface="Verdana" panose="020B0604030504040204" pitchFamily="34" charset="0"/>
+              </a:rPr>
+              <a:t>to get the list of all migrations)</a:t>
+            </a:r>
+            <a:endParaRPr lang="en-US" sz="1400" dirty="0">
+              <a:latin typeface="Calibri" pitchFamily="34" charset="0"/>
+              <a:cs typeface="Calibri" pitchFamily="34" charset="0"/>
+            </a:endParaRPr>
+          </a:p>
+        </p:txBody>
+      </p:sp>
+    </p:spTree>
+    <p:extLst>
+      <p:ext uri="{BB962C8B-B14F-4D97-AF65-F5344CB8AC3E}">
+        <p14:creationId xmlns:p14="http://schemas.microsoft.com/office/powerpoint/2010/main" val="3833280242"/>
+      </p:ext>
+    </p:extLst>
+  </p:cSld>
+  <p:clrMapOvr>
+    <a:masterClrMapping/>
+  </p:clrMapOvr>
+</p:sld>
+</file>
+
+<file path=ppt/slides/slide19.xml><?xml version="1.0" encoding="utf-8"?>
+<p:sld xmlns:a="http://schemas.openxmlformats.org/drawingml/2006/main" xmlns:r="http://schemas.openxmlformats.org/officeDocument/2006/relationships" xmlns:p="http://schemas.openxmlformats.org/presentationml/2006/main">
+  <p:cSld>
+    <p:spTree>
+      <p:nvGrpSpPr>
+        <p:cNvPr id="1" name="">
+          <a:extLst>
+            <a:ext uri="{FF2B5EF4-FFF2-40B4-BE49-F238E27FC236}">
+              <a16:creationId xmlns:a16="http://schemas.microsoft.com/office/drawing/2014/main" id="{9C283B5F-F435-E586-5BFE-B64B7109748D}"/>
+            </a:ext>
+          </a:extLst>
+        </p:cNvPr>
+        <p:cNvGrpSpPr/>
+        <p:nvPr/>
+      </p:nvGrpSpPr>
+      <p:grpSpPr>
+        <a:xfrm>
+          <a:off x="0" y="0"/>
+          <a:ext cx="0" cy="0"/>
+          <a:chOff x="0" y="0"/>
+          <a:chExt cx="0" cy="0"/>
+        </a:xfrm>
+      </p:grpSpPr>
+      <p:sp>
+        <p:nvSpPr>
+          <p:cNvPr id="4" name="Title 3">
+            <a:extLst>
+              <a:ext uri="{FF2B5EF4-FFF2-40B4-BE49-F238E27FC236}">
+                <a16:creationId xmlns:a16="http://schemas.microsoft.com/office/drawing/2014/main" id="{DC65CE86-5713-88BA-85C0-3FA692966A21}"/>
+              </a:ext>
+            </a:extLst>
+          </p:cNvPr>
+          <p:cNvSpPr>
+            <a:spLocks noGrp="1"/>
+          </p:cNvSpPr>
+          <p:nvPr>
+            <p:ph type="title"/>
+          </p:nvPr>
+        </p:nvSpPr>
+        <p:spPr/>
+        <p:txBody>
+          <a:bodyPr>
+            <a:normAutofit fontScale="90000"/>
+          </a:bodyPr>
+          <a:lstStyle/>
+          <a:p>
+            <a:r>
+              <a:rPr lang="en-US" dirty="0"/>
+              <a:t>Migrations in Entity Framework Core</a:t>
+            </a:r>
+          </a:p>
+        </p:txBody>
+      </p:sp>
+      <p:sp>
+        <p:nvSpPr>
+          <p:cNvPr id="6" name="Content Placeholder 5">
+            <a:extLst>
+              <a:ext uri="{FF2B5EF4-FFF2-40B4-BE49-F238E27FC236}">
+                <a16:creationId xmlns:a16="http://schemas.microsoft.com/office/drawing/2014/main" id="{F9E53589-EFC8-AC82-0ADF-6FB274CEDBB2}"/>
+              </a:ext>
+            </a:extLst>
+          </p:cNvPr>
+          <p:cNvSpPr>
+            <a:spLocks noGrp="1"/>
+          </p:cNvSpPr>
+          <p:nvPr>
+            <p:ph sz="quarter" idx="1"/>
+          </p:nvPr>
+        </p:nvSpPr>
+        <p:spPr/>
+        <p:txBody>
+          <a:bodyPr>
+            <a:noAutofit/>
+          </a:bodyPr>
+          <a:lstStyle/>
+          <a:p>
+            <a:r>
+              <a:rPr lang="en-US" sz="1400" b="1" dirty="0">
+                <a:latin typeface="Calibri" pitchFamily="34" charset="0"/>
+                <a:cs typeface="Calibri" pitchFamily="34" charset="0"/>
+              </a:rPr>
+              <a:t>Removing a Migration</a:t>
+            </a:r>
+          </a:p>
+          <a:p>
+            <a:r>
+              <a:rPr lang="en-US" sz="1400" dirty="0">
+                <a:latin typeface="Calibri" pitchFamily="34" charset="0"/>
+                <a:cs typeface="Calibri" pitchFamily="34" charset="0"/>
+              </a:rPr>
+              <a:t>We can remove the last migration if it is not applied to the database.</a:t>
+            </a:r>
+          </a:p>
+          <a:p>
+            <a:r>
+              <a:rPr lang="en-US" sz="1400" dirty="0">
+                <a:latin typeface="Calibri" pitchFamily="34" charset="0"/>
+                <a:cs typeface="Calibri" pitchFamily="34" charset="0"/>
+              </a:rPr>
+              <a:t>remove-migration</a:t>
+            </a:r>
+          </a:p>
+        </p:txBody>
+      </p:sp>
+    </p:spTree>
+    <p:extLst>
+      <p:ext uri="{BB962C8B-B14F-4D97-AF65-F5344CB8AC3E}">
+        <p14:creationId xmlns:p14="http://schemas.microsoft.com/office/powerpoint/2010/main" val="238889203"/>
+      </p:ext>
+    </p:extLst>
+  </p:cSld>
+  <p:clrMapOvr>
+    <a:masterClrMapping/>
+  </p:clrMapOvr>
+</p:sld>
+</file>
+
+<file path=ppt/slides/slide2.xml><?xml version="1.0" encoding="utf-8"?>
 <p:sld xmlns:a="http://schemas.openxmlformats.org/drawingml/2006/main" xmlns:r="http://schemas.openxmlformats.org/officeDocument/2006/relationships" xmlns:p="http://schemas.openxmlformats.org/presentationml/2006/main">
   <p:cSld>
     <p:spTree>
@@ -7707,7 +8735,7 @@
       </p:grpSpPr>
       <p:sp>
         <p:nvSpPr>
-          <p:cNvPr id="2" name="Title 1"/>
+          <p:cNvPr id="4" name="Title 3"/>
           <p:cNvSpPr>
             <a:spLocks noGrp="1"/>
           </p:cNvSpPr>
@@ -7724,14 +8752,155 @@
           <a:p>
             <a:r>
               <a:rPr lang="en-US" dirty="0"/>
-              <a:t>Code First Conventions</a:t>
-            </a:r>
-          </a:p>
-        </p:txBody>
-      </p:sp>
-      <p:sp>
-        <p:nvSpPr>
-          <p:cNvPr id="3" name="Content Placeholder 2"/>
+              <a:t>O/RM framework</a:t>
+            </a:r>
+          </a:p>
+        </p:txBody>
+      </p:sp>
+      <p:sp>
+        <p:nvSpPr>
+          <p:cNvPr id="5" name="Content Placeholder 4"/>
+          <p:cNvSpPr>
+            <a:spLocks noGrp="1"/>
+          </p:cNvSpPr>
+          <p:nvPr>
+            <p:ph sz="quarter" idx="1"/>
+          </p:nvPr>
+        </p:nvSpPr>
+        <p:spPr/>
+        <p:txBody>
+          <a:bodyPr>
+            <a:normAutofit/>
+          </a:bodyPr>
+          <a:lstStyle/>
+          <a:p>
+            <a:r>
+              <a:rPr lang="en-US" sz="1800" dirty="0"/>
+              <a:t>ORM is a tool for storing data from domain objects to relational database like MS SQL Server in automated way without much programming.</a:t>
+            </a:r>
+          </a:p>
+          <a:p>
+            <a:r>
+              <a:rPr lang="en-US" sz="1800" dirty="0"/>
+              <a:t>O/RM includes three main parts: Domain class objects, Relational database objects and Mapping information on how domain objects maps to relational database objects (tables, views &amp; stored procedures).</a:t>
+            </a:r>
+          </a:p>
+          <a:p>
+            <a:r>
+              <a:rPr lang="en-US" sz="1800" dirty="0"/>
+              <a:t>ORM helps us to keep our database design separate from our domain class design. This makes application maintainable and extendable</a:t>
+            </a:r>
+          </a:p>
+          <a:p>
+            <a:r>
+              <a:rPr lang="en-US" sz="1800" dirty="0"/>
+              <a:t>It also automates standard CRUD operation (Create, Read, Update &amp; Delete) so developer doesn’t need to write it manually.</a:t>
+            </a:r>
+          </a:p>
+          <a:p>
+            <a:r>
+              <a:rPr lang="en-US" sz="1800" dirty="0"/>
+              <a:t>There are many ORM frameworks for .net in the market like DataObjects.Net, NHibernate, OpenAccess, SubSonic etc . ADO.NET Entity Framework is an open source ORM framework from Microsoft.</a:t>
+            </a:r>
+          </a:p>
+        </p:txBody>
+      </p:sp>
+      <p:pic>
+        <p:nvPicPr>
+          <p:cNvPr id="1026" name="Picture 2" descr="C:\Users\Santu\Desktop\ORM.png"/>
+          <p:cNvPicPr>
+            <a:picLocks noChangeAspect="1" noChangeArrowheads="1"/>
+          </p:cNvPicPr>
+          <p:nvPr/>
+        </p:nvPicPr>
+        <p:blipFill>
+          <a:blip r:embed="rId3"/>
+          <a:srcRect/>
+          <a:stretch>
+            <a:fillRect/>
+          </a:stretch>
+        </p:blipFill>
+        <p:spPr bwMode="auto">
+          <a:xfrm>
+            <a:off x="914400" y="5334000"/>
+            <a:ext cx="6858000" cy="1228725"/>
+          </a:xfrm>
+          <a:prstGeom prst="rect">
+            <a:avLst/>
+          </a:prstGeom>
+          <a:noFill/>
+        </p:spPr>
+      </p:pic>
+    </p:spTree>
+  </p:cSld>
+  <p:clrMapOvr>
+    <a:masterClrMapping/>
+  </p:clrMapOvr>
+</p:sld>
+</file>
+
+<file path=ppt/slides/slide20.xml><?xml version="1.0" encoding="utf-8"?>
+<p:sld xmlns:a="http://schemas.openxmlformats.org/drawingml/2006/main" xmlns:r="http://schemas.openxmlformats.org/officeDocument/2006/relationships" xmlns:p="http://schemas.openxmlformats.org/presentationml/2006/main">
+  <p:cSld>
+    <p:spTree>
+      <p:nvGrpSpPr>
+        <p:cNvPr id="1" name="">
+          <a:extLst>
+            <a:ext uri="{FF2B5EF4-FFF2-40B4-BE49-F238E27FC236}">
+              <a16:creationId xmlns:a16="http://schemas.microsoft.com/office/drawing/2014/main" id="{AB4132A2-3C1B-710F-6F76-7623E93B5447}"/>
+            </a:ext>
+          </a:extLst>
+        </p:cNvPr>
+        <p:cNvGrpSpPr/>
+        <p:nvPr/>
+      </p:nvGrpSpPr>
+      <p:grpSpPr>
+        <a:xfrm>
+          <a:off x="0" y="0"/>
+          <a:ext cx="0" cy="0"/>
+          <a:chOff x="0" y="0"/>
+          <a:chExt cx="0" cy="0"/>
+        </a:xfrm>
+      </p:grpSpPr>
+      <p:sp>
+        <p:nvSpPr>
+          <p:cNvPr id="4" name="Title 3">
+            <a:extLst>
+              <a:ext uri="{FF2B5EF4-FFF2-40B4-BE49-F238E27FC236}">
+                <a16:creationId xmlns:a16="http://schemas.microsoft.com/office/drawing/2014/main" id="{E16A9216-8563-8977-38D9-868F50DF88A8}"/>
+              </a:ext>
+            </a:extLst>
+          </p:cNvPr>
+          <p:cNvSpPr>
+            <a:spLocks noGrp="1"/>
+          </p:cNvSpPr>
+          <p:nvPr>
+            <p:ph type="title"/>
+          </p:nvPr>
+        </p:nvSpPr>
+        <p:spPr/>
+        <p:txBody>
+          <a:bodyPr>
+            <a:normAutofit fontScale="90000"/>
+          </a:bodyPr>
+          <a:lstStyle/>
+          <a:p>
+            <a:r>
+              <a:rPr lang="en-US" dirty="0"/>
+              <a:t>Migrations in Entity Framework Core</a:t>
+            </a:r>
+          </a:p>
+        </p:txBody>
+      </p:sp>
+      <p:sp>
+        <p:nvSpPr>
+          <p:cNvPr id="6" name="Content Placeholder 5">
+            <a:extLst>
+              <a:ext uri="{FF2B5EF4-FFF2-40B4-BE49-F238E27FC236}">
+                <a16:creationId xmlns:a16="http://schemas.microsoft.com/office/drawing/2014/main" id="{DD3B8356-05A8-08AB-FAAB-F468715C6D2D}"/>
+              </a:ext>
+            </a:extLst>
+          </p:cNvPr>
           <p:cNvSpPr>
             <a:spLocks noGrp="1"/>
           </p:cNvSpPr>
@@ -7747,53 +8916,98 @@
           <a:lstStyle/>
           <a:p>
             <a:r>
-              <a:rPr lang="en-US" sz="1800" dirty="0"/>
-              <a:t>Convention is a set of default rules to automatically configure a conceptual model based on domain class definitions when working with Code-First. Code-First conventions are defined in </a:t>
-            </a:r>
-            <a:r>
-              <a:rPr lang="en-US" sz="1800" i="1" dirty="0" err="1">
-                <a:hlinkClick r:id="rId2"/>
+              <a:rPr lang="en-US" sz="1400" dirty="0"/>
+              <a:t>We can execute the migration command using NuGet Package Manger Console as well as dotnet CLI (command line interface).</a:t>
+            </a:r>
+          </a:p>
+          <a:p>
+            <a:r>
+              <a:rPr lang="en-US" sz="1400" dirty="0"/>
+              <a:t>In Visual Studio, open </a:t>
+            </a:r>
+            <a:r>
+              <a:rPr lang="en-US" sz="1400" dirty="0" err="1"/>
+              <a:t>NuGet</a:t>
+            </a:r>
+            <a:r>
+              <a:rPr lang="en-US" sz="1400" dirty="0"/>
+              <a:t> Package Manager Console from Tools -&gt; </a:t>
+            </a:r>
+            <a:r>
+              <a:rPr lang="en-US" sz="1400" dirty="0" err="1"/>
+              <a:t>NuGet</a:t>
+            </a:r>
+            <a:r>
+              <a:rPr lang="en-US" sz="1400" dirty="0"/>
+              <a:t> Package Manager -&gt; Package Manager Console and enter the following command:</a:t>
+            </a:r>
+          </a:p>
+          <a:p>
+            <a:r>
+              <a:rPr lang="en-US" sz="1400" dirty="0"/>
+              <a:t>PM&gt; add-migration </a:t>
+            </a:r>
+            <a:r>
+              <a:rPr lang="en-US" sz="1400" dirty="0" err="1"/>
+              <a:t>CreateSchoolDB</a:t>
+            </a:r>
+            <a:endParaRPr lang="en-US" sz="1400" dirty="0"/>
+          </a:p>
+          <a:p>
+            <a:r>
+              <a:rPr lang="en-US" sz="1400" dirty="0"/>
+              <a:t>After creating a migration, we still need to create the database using the update-database command in the Package Manager Console, as below.</a:t>
+            </a:r>
+          </a:p>
+          <a:p>
+            <a:r>
+              <a:rPr lang="en-US" sz="1400" dirty="0"/>
+              <a:t>PM&gt; update-database</a:t>
+            </a:r>
+          </a:p>
+          <a:p>
+            <a:r>
+              <a:rPr lang="en-US" sz="1400" dirty="0" err="1">
+                <a:latin typeface="Calibri" pitchFamily="34" charset="0"/>
+                <a:cs typeface="Calibri" pitchFamily="34" charset="0"/>
               </a:rPr>
-              <a:t>System.Data.Entity.ModelConfiguration.Conventions</a:t>
-            </a:r>
-            <a:r>
-              <a:rPr lang="en-US" sz="1800" dirty="0"/>
-              <a:t> namespace.</a:t>
-            </a:r>
-          </a:p>
-          <a:p>
-            <a:r>
-              <a:rPr lang="en-US" sz="1800" dirty="0"/>
-              <a:t>Primary Key Convention</a:t>
-            </a:r>
-          </a:p>
-          <a:p>
-            <a:r>
-              <a:rPr lang="en-US" sz="1800" dirty="0"/>
-              <a:t>Code-First automatically creates a Primary Key in each table. The default convention for primary key is that Code-First would create a primary key for a property if the property name is Id or &lt;class name&gt;Id (NOT case sensitive). The data type of a primary key property can be anything, but if the type of the primary key property is numeric or GUID, it will be configured as an identity column.</a:t>
-            </a:r>
-          </a:p>
-          <a:p>
-            <a:r>
-              <a:rPr lang="en-US" sz="1800" dirty="0"/>
-              <a:t>Relationship Convention:</a:t>
-            </a:r>
-          </a:p>
-          <a:p>
-            <a:r>
-              <a:rPr lang="en-US" sz="1800" dirty="0"/>
-              <a:t>Code First infer the relationship between the two entities using navigation property. This navigation property can be simple reference type or collection type.</a:t>
-            </a:r>
-          </a:p>
-          <a:p>
-            <a:endParaRPr lang="en-US" sz="1800" dirty="0"/>
+              <a:t>Note:</a:t>
+            </a:r>
+            <a:r>
+              <a:rPr lang="en-US" sz="1400" dirty="0" err="1"/>
+              <a:t>This</a:t>
+            </a:r>
+            <a:r>
+              <a:rPr lang="en-US" sz="1400" dirty="0"/>
+              <a:t> was the first migration to create a database. Now, whenever we add or update domain classes or configurations, we need to sync the database with the model using </a:t>
+            </a:r>
+            <a:r>
+              <a:rPr lang="en-US" sz="1400" b="1" dirty="0"/>
+              <a:t>add-migration</a:t>
+            </a:r>
+            <a:r>
+              <a:rPr lang="en-US" sz="1400" dirty="0"/>
+              <a:t> and </a:t>
+            </a:r>
+            <a:r>
+              <a:rPr lang="en-US" sz="1400" b="1" dirty="0"/>
+              <a:t>update-database</a:t>
+            </a:r>
+            <a:r>
+              <a:rPr lang="en-US" sz="1400" dirty="0"/>
+              <a:t> commands.</a:t>
+            </a:r>
+            <a:endParaRPr lang="en-US" sz="1400" dirty="0">
+              <a:latin typeface="Calibri" pitchFamily="34" charset="0"/>
+              <a:cs typeface="Calibri" pitchFamily="34" charset="0"/>
+            </a:endParaRPr>
           </a:p>
         </p:txBody>
       </p:sp>
     </p:spTree>
     <p:extLst>
       <p:ext uri="{BB962C8B-B14F-4D97-AF65-F5344CB8AC3E}">
-        <p14:creationId xmlns:p14="http://schemas.microsoft.com/office/powerpoint/2010/main" val="2459392605"/>
+        <p14:creationId xmlns:p14="http://schemas.microsoft.com/office/powerpoint/2010/main" val="294117372"/>
       </p:ext>
     </p:extLst>
   </p:cSld>
@@ -7803,7 +9017,7 @@
 </p:sld>
 </file>
 
-<file path=ppt/slides/slide16.xml><?xml version="1.0" encoding="utf-8"?>
+<file path=ppt/slides/slide21.xml><?xml version="1.0" encoding="utf-8"?>
 <p:sld xmlns:a="http://schemas.openxmlformats.org/drawingml/2006/main" xmlns:r="http://schemas.openxmlformats.org/officeDocument/2006/relationships" xmlns:p="http://schemas.openxmlformats.org/presentationml/2006/main">
   <p:cSld>
     <p:spTree>
@@ -7863,6 +9077,121 @@
           <a:p>
             <a:r>
               <a:rPr lang="en-US" sz="1800" dirty="0"/>
+              <a:t>Convention is a set of default rules to automatically configure a conceptual model based on domain class definitions when working with Code-First. Code-First conventions are defined in </a:t>
+            </a:r>
+            <a:r>
+              <a:rPr lang="en-US" sz="1800" i="1" dirty="0" err="1">
+                <a:hlinkClick r:id="rId2"/>
+              </a:rPr>
+              <a:t>System.Data.Entity.ModelConfiguration.Conventions</a:t>
+            </a:r>
+            <a:r>
+              <a:rPr lang="en-US" sz="1800" dirty="0"/>
+              <a:t> namespace.</a:t>
+            </a:r>
+          </a:p>
+          <a:p>
+            <a:r>
+              <a:rPr lang="en-US" sz="1800" dirty="0"/>
+              <a:t>Primary Key Convention</a:t>
+            </a:r>
+          </a:p>
+          <a:p>
+            <a:r>
+              <a:rPr lang="en-US" sz="1800" dirty="0"/>
+              <a:t>Code-First automatically creates a Primary Key in each table. The default convention for primary key is that Code-First would create a primary key for a property if the property name is Id or &lt;class name&gt;Id (NOT case sensitive). The data type of a primary key property can be anything, but if the type of the primary key property is numeric or GUID, it will be configured as an identity column.</a:t>
+            </a:r>
+          </a:p>
+          <a:p>
+            <a:r>
+              <a:rPr lang="en-US" sz="1800" dirty="0"/>
+              <a:t>Relationship Convention:</a:t>
+            </a:r>
+          </a:p>
+          <a:p>
+            <a:r>
+              <a:rPr lang="en-US" sz="1800" dirty="0"/>
+              <a:t>Code First infer the relationship between the two entities using navigation property. This navigation property can be simple reference type or collection type.</a:t>
+            </a:r>
+          </a:p>
+          <a:p>
+            <a:endParaRPr lang="en-US" sz="1800" dirty="0"/>
+          </a:p>
+        </p:txBody>
+      </p:sp>
+    </p:spTree>
+    <p:extLst>
+      <p:ext uri="{BB962C8B-B14F-4D97-AF65-F5344CB8AC3E}">
+        <p14:creationId xmlns:p14="http://schemas.microsoft.com/office/powerpoint/2010/main" val="2459392605"/>
+      </p:ext>
+    </p:extLst>
+  </p:cSld>
+  <p:clrMapOvr>
+    <a:masterClrMapping/>
+  </p:clrMapOvr>
+</p:sld>
+</file>
+
+<file path=ppt/slides/slide22.xml><?xml version="1.0" encoding="utf-8"?>
+<p:sld xmlns:a="http://schemas.openxmlformats.org/drawingml/2006/main" xmlns:r="http://schemas.openxmlformats.org/officeDocument/2006/relationships" xmlns:p="http://schemas.openxmlformats.org/presentationml/2006/main">
+  <p:cSld>
+    <p:spTree>
+      <p:nvGrpSpPr>
+        <p:cNvPr id="1" name=""/>
+        <p:cNvGrpSpPr/>
+        <p:nvPr/>
+      </p:nvGrpSpPr>
+      <p:grpSpPr>
+        <a:xfrm>
+          <a:off x="0" y="0"/>
+          <a:ext cx="0" cy="0"/>
+          <a:chOff x="0" y="0"/>
+          <a:chExt cx="0" cy="0"/>
+        </a:xfrm>
+      </p:grpSpPr>
+      <p:sp>
+        <p:nvSpPr>
+          <p:cNvPr id="2" name="Title 1"/>
+          <p:cNvSpPr>
+            <a:spLocks noGrp="1"/>
+          </p:cNvSpPr>
+          <p:nvPr>
+            <p:ph type="title"/>
+          </p:nvPr>
+        </p:nvSpPr>
+        <p:spPr/>
+        <p:txBody>
+          <a:bodyPr>
+            <a:normAutofit/>
+          </a:bodyPr>
+          <a:lstStyle/>
+          <a:p>
+            <a:r>
+              <a:rPr lang="en-US" dirty="0"/>
+              <a:t>Code First Conventions</a:t>
+            </a:r>
+          </a:p>
+        </p:txBody>
+      </p:sp>
+      <p:sp>
+        <p:nvSpPr>
+          <p:cNvPr id="3" name="Content Placeholder 2"/>
+          <p:cNvSpPr>
+            <a:spLocks noGrp="1"/>
+          </p:cNvSpPr>
+          <p:nvPr>
+            <p:ph sz="quarter" idx="1"/>
+          </p:nvPr>
+        </p:nvSpPr>
+        <p:spPr/>
+        <p:txBody>
+          <a:bodyPr>
+            <a:noAutofit/>
+          </a:bodyPr>
+          <a:lstStyle/>
+          <a:p>
+            <a:r>
+              <a:rPr lang="en-US" sz="1800" dirty="0"/>
               <a:t>Foreign key Convention</a:t>
             </a:r>
           </a:p>
@@ -7887,7 +9216,7 @@
 </p:sld>
 </file>
 
-<file path=ppt/slides/slide17.xml><?xml version="1.0" encoding="utf-8"?>
+<file path=ppt/slides/slide23.xml><?xml version="1.0" encoding="utf-8"?>
 <p:sld xmlns:a="http://schemas.openxmlformats.org/drawingml/2006/main" xmlns:r="http://schemas.openxmlformats.org/officeDocument/2006/relationships" xmlns:p="http://schemas.openxmlformats.org/presentationml/2006/main">
   <p:cSld>
     <p:spTree>
@@ -8714,7 +10043,7 @@
 </p:sld>
 </file>
 
-<file path=ppt/slides/slide18.xml><?xml version="1.0" encoding="utf-8"?>
+<file path=ppt/slides/slide24.xml><?xml version="1.0" encoding="utf-8"?>
 <p:sld xmlns:a="http://schemas.openxmlformats.org/drawingml/2006/main" xmlns:r="http://schemas.openxmlformats.org/officeDocument/2006/relationships" xmlns:p="http://schemas.openxmlformats.org/presentationml/2006/main">
   <p:cSld>
     <p:spTree>
@@ -8857,7 +10186,7 @@
 </p:sld>
 </file>
 
-<file path=ppt/slides/slide19.xml><?xml version="1.0" encoding="utf-8"?>
+<file path=ppt/slides/slide25.xml><?xml version="1.0" encoding="utf-8"?>
 <p:sld xmlns:a="http://schemas.openxmlformats.org/drawingml/2006/main" xmlns:r="http://schemas.openxmlformats.org/officeDocument/2006/relationships" xmlns:p="http://schemas.openxmlformats.org/presentationml/2006/main">
   <p:cSld>
     <p:spTree>
@@ -8937,7 +10266,7 @@
 </p:sld>
 </file>
 
-<file path=ppt/slides/slide2.xml><?xml version="1.0" encoding="utf-8"?>
+<file path=ppt/slides/slide26.xml><?xml version="1.0" encoding="utf-8"?>
 <p:sld xmlns:a="http://schemas.openxmlformats.org/drawingml/2006/main" xmlns:r="http://schemas.openxmlformats.org/officeDocument/2006/relationships" xmlns:p="http://schemas.openxmlformats.org/presentationml/2006/main">
   <p:cSld>
     <p:spTree>
@@ -8956,7 +10285,7 @@
       </p:grpSpPr>
       <p:sp>
         <p:nvSpPr>
-          <p:cNvPr id="4" name="Title 3"/>
+          <p:cNvPr id="2" name="Title 1"/>
           <p:cNvSpPr>
             <a:spLocks noGrp="1"/>
           </p:cNvSpPr>
@@ -8967,20 +10296,20 @@
         <p:spPr/>
         <p:txBody>
           <a:bodyPr>
-            <a:normAutofit/>
+            <a:normAutofit fontScale="90000"/>
           </a:bodyPr>
           <a:lstStyle/>
           <a:p>
             <a:r>
               <a:rPr lang="en-US" dirty="0"/>
-              <a:t>O/RM framework</a:t>
-            </a:r>
-          </a:p>
-        </p:txBody>
-      </p:sp>
-      <p:sp>
-        <p:nvSpPr>
-          <p:cNvPr id="5" name="Content Placeholder 4"/>
+              <a:t>Configure Domain Classes in Code-First</a:t>
+            </a:r>
+          </a:p>
+        </p:txBody>
+      </p:sp>
+      <p:sp>
+        <p:nvSpPr>
+          <p:cNvPr id="3" name="Content Placeholder 2"/>
           <p:cNvSpPr>
             <a:spLocks noGrp="1"/>
           </p:cNvSpPr>
@@ -8991,68 +10320,75 @@
         <p:spPr/>
         <p:txBody>
           <a:bodyPr>
-            <a:normAutofit/>
+            <a:noAutofit/>
           </a:bodyPr>
           <a:lstStyle/>
           <a:p>
             <a:r>
-              <a:rPr lang="en-US" sz="1800" dirty="0"/>
-              <a:t>ORM is a tool for storing data from domain objects to relational database like MS SQL Server in automated way without much programming.</a:t>
-            </a:r>
-          </a:p>
-          <a:p>
-            <a:r>
-              <a:rPr lang="en-US" sz="1800" dirty="0"/>
-              <a:t>O/RM includes three main parts: Domain class objects, Relational database objects and Mapping information on how domain objects maps to relational database objects (tables, views &amp; stored procedures).</a:t>
-            </a:r>
-          </a:p>
-          <a:p>
-            <a:r>
-              <a:rPr lang="en-US" sz="1800" dirty="0"/>
-              <a:t>ORM helps us to keep our database design separate from our domain class design. This makes application maintainable and extendable</a:t>
-            </a:r>
-          </a:p>
-          <a:p>
-            <a:r>
-              <a:rPr lang="en-US" sz="1800" dirty="0"/>
-              <a:t>It also automates standard CRUD operation (Create, Read, Update &amp; Delete) so developer doesn’t need to write it manually.</a:t>
-            </a:r>
-          </a:p>
-          <a:p>
-            <a:r>
-              <a:rPr lang="en-US" sz="1800" dirty="0"/>
-              <a:t>There are many ORM frameworks for .net in the market like DataObjects.Net, NHibernate, OpenAccess, SubSonic etc . ADO.NET Entity Framework is an open source ORM framework from Microsoft.</a:t>
-            </a:r>
-          </a:p>
-        </p:txBody>
-      </p:sp>
-      <p:pic>
-        <p:nvPicPr>
-          <p:cNvPr id="1026" name="Picture 2" descr="C:\Users\Santu\Desktop\ORM.png"/>
-          <p:cNvPicPr>
-            <a:picLocks noChangeAspect="1" noChangeArrowheads="1"/>
-          </p:cNvPicPr>
-          <p:nvPr/>
-        </p:nvPicPr>
-        <p:blipFill>
-          <a:blip r:embed="rId3"/>
-          <a:srcRect/>
-          <a:stretch>
-            <a:fillRect/>
-          </a:stretch>
-        </p:blipFill>
-        <p:spPr bwMode="auto">
-          <a:xfrm>
-            <a:off x="914400" y="5334000"/>
-            <a:ext cx="6858000" cy="1228725"/>
-          </a:xfrm>
-          <a:prstGeom prst="rect">
-            <a:avLst/>
-          </a:prstGeom>
-          <a:noFill/>
-        </p:spPr>
-      </p:pic>
+              <a:rPr lang="en-US" sz="2000" dirty="0"/>
+              <a:t>Code-First builds conceptual model from your domain classes using default conventions.</a:t>
+            </a:r>
+          </a:p>
+          <a:p>
+            <a:r>
+              <a:rPr lang="en-US" sz="2000" dirty="0"/>
+              <a:t>We can an override these conventions by configuring your domain classes to provide EF with the information it needs. There are two ways to configure your domain classes.</a:t>
+            </a:r>
+          </a:p>
+          <a:p>
+            <a:r>
+              <a:rPr lang="en-US" sz="2000" dirty="0" err="1"/>
+              <a:t>DataAnnotations</a:t>
+            </a:r>
+            <a:endParaRPr lang="en-US" sz="2000" dirty="0"/>
+          </a:p>
+          <a:p>
+            <a:r>
+              <a:rPr lang="en-US" sz="2000" dirty="0"/>
+              <a:t>Fluent API</a:t>
+            </a:r>
+          </a:p>
+          <a:p>
+            <a:r>
+              <a:rPr lang="en-US" sz="2000" dirty="0" err="1"/>
+              <a:t>DataAnnotation</a:t>
+            </a:r>
+            <a:r>
+              <a:rPr lang="en-US" sz="2000" dirty="0"/>
+              <a:t>:</a:t>
+            </a:r>
+          </a:p>
+          <a:p>
+            <a:r>
+              <a:rPr lang="en-US" sz="2000" dirty="0" err="1"/>
+              <a:t>DataAnnotation</a:t>
+            </a:r>
+            <a:r>
+              <a:rPr lang="en-US" sz="2000" dirty="0"/>
+              <a:t> is a simple attribute based configuration, which you can apply to your domain classes and its properties. You can find most of the attributes in the </a:t>
+            </a:r>
+            <a:r>
+              <a:rPr lang="en-US" sz="2000" i="1" dirty="0" err="1">
+                <a:hlinkClick r:id="rId3"/>
+              </a:rPr>
+              <a:t>System.ComponentModel.DataAnnotations</a:t>
+            </a:r>
+            <a:r>
+              <a:rPr lang="en-US" sz="2000" dirty="0"/>
+              <a:t> namespace.</a:t>
+            </a:r>
+          </a:p>
+          <a:p>
+            <a:endParaRPr lang="en-US" sz="1800" dirty="0"/>
+          </a:p>
+        </p:txBody>
+      </p:sp>
     </p:spTree>
+    <p:extLst>
+      <p:ext uri="{BB962C8B-B14F-4D97-AF65-F5344CB8AC3E}">
+        <p14:creationId xmlns:p14="http://schemas.microsoft.com/office/powerpoint/2010/main" val="561477497"/>
+      </p:ext>
+    </p:extLst>
   </p:cSld>
   <p:clrMapOvr>
     <a:masterClrMapping/>
@@ -9060,7 +10396,7 @@
 </p:sld>
 </file>
 
-<file path=ppt/slides/slide20.xml><?xml version="1.0" encoding="utf-8"?>
+<file path=ppt/slides/slide27.xml><?xml version="1.0" encoding="utf-8"?>
 <p:sld xmlns:a="http://schemas.openxmlformats.org/drawingml/2006/main" xmlns:r="http://schemas.openxmlformats.org/officeDocument/2006/relationships" xmlns:p="http://schemas.openxmlformats.org/presentationml/2006/main">
   <p:cSld>
     <p:spTree>
@@ -9090,136 +10426,6 @@
         <p:spPr/>
         <p:txBody>
           <a:bodyPr>
-            <a:normAutofit fontScale="90000"/>
-          </a:bodyPr>
-          <a:lstStyle/>
-          <a:p>
-            <a:r>
-              <a:rPr lang="en-US" dirty="0"/>
-              <a:t>Configure Domain Classes in Code-First</a:t>
-            </a:r>
-          </a:p>
-        </p:txBody>
-      </p:sp>
-      <p:sp>
-        <p:nvSpPr>
-          <p:cNvPr id="3" name="Content Placeholder 2"/>
-          <p:cNvSpPr>
-            <a:spLocks noGrp="1"/>
-          </p:cNvSpPr>
-          <p:nvPr>
-            <p:ph sz="quarter" idx="1"/>
-          </p:nvPr>
-        </p:nvSpPr>
-        <p:spPr/>
-        <p:txBody>
-          <a:bodyPr>
-            <a:noAutofit/>
-          </a:bodyPr>
-          <a:lstStyle/>
-          <a:p>
-            <a:r>
-              <a:rPr lang="en-US" sz="2000" dirty="0"/>
-              <a:t>Code-First builds conceptual model from your domain classes using default conventions.</a:t>
-            </a:r>
-          </a:p>
-          <a:p>
-            <a:r>
-              <a:rPr lang="en-US" sz="2000" dirty="0"/>
-              <a:t>We can an override these conventions by configuring your domain classes to provide EF with the information it needs. There are two ways to configure your domain classes.</a:t>
-            </a:r>
-          </a:p>
-          <a:p>
-            <a:r>
-              <a:rPr lang="en-US" sz="2000" dirty="0" err="1"/>
-              <a:t>DataAnnotations</a:t>
-            </a:r>
-            <a:endParaRPr lang="en-US" sz="2000" dirty="0"/>
-          </a:p>
-          <a:p>
-            <a:r>
-              <a:rPr lang="en-US" sz="2000" dirty="0"/>
-              <a:t>Fluent API</a:t>
-            </a:r>
-          </a:p>
-          <a:p>
-            <a:r>
-              <a:rPr lang="en-US" sz="2000" dirty="0" err="1"/>
-              <a:t>DataAnnotation</a:t>
-            </a:r>
-            <a:r>
-              <a:rPr lang="en-US" sz="2000" dirty="0"/>
-              <a:t>:</a:t>
-            </a:r>
-          </a:p>
-          <a:p>
-            <a:r>
-              <a:rPr lang="en-US" sz="2000" dirty="0" err="1"/>
-              <a:t>DataAnnotation</a:t>
-            </a:r>
-            <a:r>
-              <a:rPr lang="en-US" sz="2000" dirty="0"/>
-              <a:t> is a simple attribute based configuration, which you can apply to your domain classes and its properties. You can find most of the attributes in the </a:t>
-            </a:r>
-            <a:r>
-              <a:rPr lang="en-US" sz="2000" i="1" dirty="0" err="1">
-                <a:hlinkClick r:id="rId3"/>
-              </a:rPr>
-              <a:t>System.ComponentModel.DataAnnotations</a:t>
-            </a:r>
-            <a:r>
-              <a:rPr lang="en-US" sz="2000" dirty="0"/>
-              <a:t> namespace.</a:t>
-            </a:r>
-          </a:p>
-          <a:p>
-            <a:endParaRPr lang="en-US" sz="1800" dirty="0"/>
-          </a:p>
-        </p:txBody>
-      </p:sp>
-    </p:spTree>
-    <p:extLst>
-      <p:ext uri="{BB962C8B-B14F-4D97-AF65-F5344CB8AC3E}">
-        <p14:creationId xmlns:p14="http://schemas.microsoft.com/office/powerpoint/2010/main" val="561477497"/>
-      </p:ext>
-    </p:extLst>
-  </p:cSld>
-  <p:clrMapOvr>
-    <a:masterClrMapping/>
-  </p:clrMapOvr>
-</p:sld>
-</file>
-
-<file path=ppt/slides/slide21.xml><?xml version="1.0" encoding="utf-8"?>
-<p:sld xmlns:a="http://schemas.openxmlformats.org/drawingml/2006/main" xmlns:r="http://schemas.openxmlformats.org/officeDocument/2006/relationships" xmlns:p="http://schemas.openxmlformats.org/presentationml/2006/main">
-  <p:cSld>
-    <p:spTree>
-      <p:nvGrpSpPr>
-        <p:cNvPr id="1" name=""/>
-        <p:cNvGrpSpPr/>
-        <p:nvPr/>
-      </p:nvGrpSpPr>
-      <p:grpSpPr>
-        <a:xfrm>
-          <a:off x="0" y="0"/>
-          <a:ext cx="0" cy="0"/>
-          <a:chOff x="0" y="0"/>
-          <a:chExt cx="0" cy="0"/>
-        </a:xfrm>
-      </p:grpSpPr>
-      <p:sp>
-        <p:nvSpPr>
-          <p:cNvPr id="2" name="Title 1"/>
-          <p:cNvSpPr>
-            <a:spLocks noGrp="1"/>
-          </p:cNvSpPr>
-          <p:nvPr>
-            <p:ph type="title"/>
-          </p:nvPr>
-        </p:nvSpPr>
-        <p:spPr/>
-        <p:txBody>
-          <a:bodyPr>
             <a:normAutofit/>
           </a:bodyPr>
           <a:lstStyle/>
@@ -9317,7 +10523,7 @@
 </p:sld>
 </file>
 
-<file path=ppt/slides/slide22.xml><?xml version="1.0" encoding="utf-8"?>
+<file path=ppt/slides/slide28.xml><?xml version="1.0" encoding="utf-8"?>
 <p:sld xmlns:a="http://schemas.openxmlformats.org/drawingml/2006/main" xmlns:r="http://schemas.openxmlformats.org/officeDocument/2006/relationships" xmlns:p="http://schemas.openxmlformats.org/presentationml/2006/main">
   <p:cSld>
     <p:spTree>
@@ -9397,7 +10603,7 @@
 </p:sld>
 </file>
 
-<file path=ppt/slides/slide23.xml><?xml version="1.0" encoding="utf-8"?>
+<file path=ppt/slides/slide29.xml><?xml version="1.0" encoding="utf-8"?>
 <p:sld xmlns:a="http://schemas.openxmlformats.org/drawingml/2006/main" xmlns:r="http://schemas.openxmlformats.org/officeDocument/2006/relationships" xmlns:p="http://schemas.openxmlformats.org/presentationml/2006/main">
   <p:cSld>
     <p:spTree>
@@ -9773,7 +10979,104 @@
 </p:sld>
 </file>
 
-<file path=ppt/slides/slide24.xml><?xml version="1.0" encoding="utf-8"?>
+<file path=ppt/slides/slide3.xml><?xml version="1.0" encoding="utf-8"?>
+<p:sld xmlns:a="http://schemas.openxmlformats.org/drawingml/2006/main" xmlns:r="http://schemas.openxmlformats.org/officeDocument/2006/relationships" xmlns:p="http://schemas.openxmlformats.org/presentationml/2006/main">
+  <p:cSld>
+    <p:spTree>
+      <p:nvGrpSpPr>
+        <p:cNvPr id="1" name=""/>
+        <p:cNvGrpSpPr/>
+        <p:nvPr/>
+      </p:nvGrpSpPr>
+      <p:grpSpPr>
+        <a:xfrm>
+          <a:off x="0" y="0"/>
+          <a:ext cx="0" cy="0"/>
+          <a:chOff x="0" y="0"/>
+          <a:chExt cx="0" cy="0"/>
+        </a:xfrm>
+      </p:grpSpPr>
+      <p:sp>
+        <p:nvSpPr>
+          <p:cNvPr id="4" name="Title 3"/>
+          <p:cNvSpPr>
+            <a:spLocks noGrp="1"/>
+          </p:cNvSpPr>
+          <p:nvPr>
+            <p:ph type="title"/>
+          </p:nvPr>
+        </p:nvSpPr>
+        <p:spPr/>
+        <p:txBody>
+          <a:bodyPr/>
+          <a:lstStyle/>
+          <a:p>
+            <a:r>
+              <a:rPr lang="en-US" dirty="0"/>
+              <a:t>Entity Framework Core</a:t>
+            </a:r>
+          </a:p>
+        </p:txBody>
+      </p:sp>
+      <p:sp>
+        <p:nvSpPr>
+          <p:cNvPr id="6" name="Content Placeholder 5"/>
+          <p:cNvSpPr>
+            <a:spLocks noGrp="1"/>
+          </p:cNvSpPr>
+          <p:nvPr>
+            <p:ph sz="quarter" idx="1"/>
+          </p:nvPr>
+        </p:nvSpPr>
+        <p:spPr/>
+        <p:txBody>
+          <a:bodyPr>
+            <a:normAutofit/>
+          </a:bodyPr>
+          <a:lstStyle/>
+          <a:p>
+            <a:endParaRPr lang="en-US" sz="1400" dirty="0">
+              <a:latin typeface="Calibri" pitchFamily="34" charset="0"/>
+              <a:cs typeface="Calibri" pitchFamily="34" charset="0"/>
+            </a:endParaRPr>
+          </a:p>
+        </p:txBody>
+      </p:sp>
+      <p:pic>
+        <p:nvPicPr>
+          <p:cNvPr id="1026" name="Picture 2" descr="C:\Users\SANTHOSH\Desktop\ef-core.png"/>
+          <p:cNvPicPr>
+            <a:picLocks noChangeAspect="1" noChangeArrowheads="1"/>
+          </p:cNvPicPr>
+          <p:nvPr/>
+        </p:nvPicPr>
+        <p:blipFill>
+          <a:blip r:embed="rId2"/>
+          <a:srcRect/>
+          <a:stretch>
+            <a:fillRect/>
+          </a:stretch>
+        </p:blipFill>
+        <p:spPr bwMode="auto">
+          <a:xfrm>
+            <a:off x="457200" y="1676400"/>
+            <a:ext cx="8297800" cy="4953000"/>
+          </a:xfrm>
+          <a:prstGeom prst="rect">
+            <a:avLst/>
+          </a:prstGeom>
+          <a:noFill/>
+        </p:spPr>
+      </p:pic>
+    </p:spTree>
+  </p:cSld>
+  <p:clrMapOvr>
+    <a:masterClrMapping/>
+  </p:clrMapOvr>
+</p:sld>
+</file>
+
+<file path=ppt/slides/slide30.xml><?xml version="1.0" encoding="utf-8"?>
 <p:sld xmlns:a="http://schemas.openxmlformats.org/drawingml/2006/main" xmlns:r="http://schemas.openxmlformats.org/officeDocument/2006/relationships" xmlns:p="http://schemas.openxmlformats.org/presentationml/2006/main">
   <p:cSld>
     <p:spTree>
@@ -10109,7 +11412,7 @@
 </p:sld>
 </file>
 
-<file path=ppt/slides/slide25.xml><?xml version="1.0" encoding="utf-8"?>
+<file path=ppt/slides/slide31.xml><?xml version="1.0" encoding="utf-8"?>
 <p:sld xmlns:a="http://schemas.openxmlformats.org/drawingml/2006/main" xmlns:r="http://schemas.openxmlformats.org/officeDocument/2006/relationships" xmlns:p="http://schemas.openxmlformats.org/presentationml/2006/main">
   <p:cSld>
     <p:spTree>
@@ -10214,7 +11517,7 @@
 </p:sld>
 </file>
 
-<file path=ppt/slides/slide26.xml><?xml version="1.0" encoding="utf-8"?>
+<file path=ppt/slides/slide32.xml><?xml version="1.0" encoding="utf-8"?>
 <p:sld xmlns:a="http://schemas.openxmlformats.org/drawingml/2006/main" xmlns:r="http://schemas.openxmlformats.org/officeDocument/2006/relationships" xmlns:p="http://schemas.openxmlformats.org/presentationml/2006/main">
   <p:cSld>
     <p:spTree>
@@ -10294,7 +11597,7 @@
 </p:sld>
 </file>
 
-<file path=ppt/slides/slide27.xml><?xml version="1.0" encoding="utf-8"?>
+<file path=ppt/slides/slide33.xml><?xml version="1.0" encoding="utf-8"?>
 <p:sld xmlns:a="http://schemas.openxmlformats.org/drawingml/2006/main" xmlns:r="http://schemas.openxmlformats.org/officeDocument/2006/relationships" xmlns:p="http://schemas.openxmlformats.org/presentationml/2006/main">
   <p:cSld>
     <p:spTree>
@@ -10374,7 +11677,7 @@
 </p:sld>
 </file>
 
-<file path=ppt/slides/slide28.xml><?xml version="1.0" encoding="utf-8"?>
+<file path=ppt/slides/slide34.xml><?xml version="1.0" encoding="utf-8"?>
 <p:sld xmlns:a="http://schemas.openxmlformats.org/drawingml/2006/main" xmlns:r="http://schemas.openxmlformats.org/officeDocument/2006/relationships" xmlns:p="http://schemas.openxmlformats.org/presentationml/2006/main">
   <p:cSld>
     <p:spTree>
@@ -10550,7 +11853,7 @@
 </p:sld>
 </file>
 
-<file path=ppt/slides/slide29.xml><?xml version="1.0" encoding="utf-8"?>
+<file path=ppt/slides/slide35.xml><?xml version="1.0" encoding="utf-8"?>
 <p:sld xmlns:a="http://schemas.openxmlformats.org/drawingml/2006/main" xmlns:r="http://schemas.openxmlformats.org/officeDocument/2006/relationships" xmlns:p="http://schemas.openxmlformats.org/presentationml/2006/main">
   <p:cSld>
     <p:spTree>
@@ -10713,12 +12016,18 @@
 </p:sld>
 </file>
 
-<file path=ppt/slides/slide3.xml><?xml version="1.0" encoding="utf-8"?>
+<file path=ppt/slides/slide36.xml><?xml version="1.0" encoding="utf-8"?>
 <p:sld xmlns:a="http://schemas.openxmlformats.org/drawingml/2006/main" xmlns:r="http://schemas.openxmlformats.org/officeDocument/2006/relationships" xmlns:p="http://schemas.openxmlformats.org/presentationml/2006/main">
   <p:cSld>
     <p:spTree>
       <p:nvGrpSpPr>
-        <p:cNvPr id="1" name=""/>
+        <p:cNvPr id="1" name="">
+          <a:extLst>
+            <a:ext uri="{FF2B5EF4-FFF2-40B4-BE49-F238E27FC236}">
+              <a16:creationId xmlns:a16="http://schemas.microsoft.com/office/drawing/2014/main" id="{2CD6C415-1E97-94FE-79BE-4F7C7EBC7A66}"/>
+            </a:ext>
+          </a:extLst>
+        </p:cNvPr>
         <p:cNvGrpSpPr/>
         <p:nvPr/>
       </p:nvGrpSpPr>
@@ -10732,7 +12041,13 @@
       </p:grpSpPr>
       <p:sp>
         <p:nvSpPr>
-          <p:cNvPr id="4" name="Title 3"/>
+          <p:cNvPr id="4" name="Title 3">
+            <a:extLst>
+              <a:ext uri="{FF2B5EF4-FFF2-40B4-BE49-F238E27FC236}">
+                <a16:creationId xmlns:a16="http://schemas.microsoft.com/office/drawing/2014/main" id="{6A68422F-B200-4014-110D-DE8D99B25DE0}"/>
+              </a:ext>
+            </a:extLst>
+          </p:cNvPr>
           <p:cNvSpPr>
             <a:spLocks noGrp="1"/>
           </p:cNvSpPr>
@@ -10742,67 +12057,187 @@
         </p:nvSpPr>
         <p:spPr/>
         <p:txBody>
-          <a:bodyPr/>
-          <a:lstStyle/>
-          <a:p>
-            <a:r>
-              <a:rPr lang="en-US" dirty="0"/>
-              <a:t>Entity Framework Core</a:t>
-            </a:r>
-          </a:p>
-        </p:txBody>
-      </p:sp>
-      <p:sp>
-        <p:nvSpPr>
-          <p:cNvPr id="6" name="Content Placeholder 5"/>
-          <p:cNvSpPr>
-            <a:spLocks noGrp="1"/>
-          </p:cNvSpPr>
-          <p:nvPr>
-            <p:ph sz="quarter" idx="1"/>
-          </p:nvPr>
-        </p:nvSpPr>
-        <p:spPr/>
-        <p:txBody>
           <a:bodyPr>
-            <a:normAutofit/>
+            <a:normAutofit fontScale="90000"/>
           </a:bodyPr>
           <a:lstStyle/>
           <a:p>
-            <a:endParaRPr lang="en-US" sz="1400" dirty="0">
-              <a:latin typeface="Calibri" pitchFamily="34" charset="0"/>
-              <a:cs typeface="Calibri" pitchFamily="34" charset="0"/>
-            </a:endParaRPr>
-          </a:p>
-        </p:txBody>
-      </p:sp>
-      <p:pic>
-        <p:nvPicPr>
-          <p:cNvPr id="1026" name="Picture 2" descr="C:\Users\SANTHOSH\Desktop\ef-core.png"/>
-          <p:cNvPicPr>
-            <a:picLocks noChangeAspect="1" noChangeArrowheads="1"/>
-          </p:cNvPicPr>
-          <p:nvPr/>
-        </p:nvPicPr>
-        <p:blipFill>
-          <a:blip r:embed="rId2"/>
-          <a:srcRect/>
-          <a:stretch>
-            <a:fillRect/>
-          </a:stretch>
-        </p:blipFill>
-        <p:spPr bwMode="auto">
+            <a:r>
+              <a:rPr lang="en-US" dirty="0"/>
+              <a:t>Tracking Changes of Entities in EF Core</a:t>
+            </a:r>
+          </a:p>
+        </p:txBody>
+      </p:sp>
+      <p:sp>
+        <p:nvSpPr>
+          <p:cNvPr id="6" name="Content Placeholder 5">
+            <a:extLst>
+              <a:ext uri="{FF2B5EF4-FFF2-40B4-BE49-F238E27FC236}">
+                <a16:creationId xmlns:a16="http://schemas.microsoft.com/office/drawing/2014/main" id="{E9199A7A-2CBC-C5DC-D0D2-806179050282}"/>
+              </a:ext>
+            </a:extLst>
+          </p:cNvPr>
+          <p:cNvSpPr>
+            <a:spLocks noGrp="1"/>
+          </p:cNvSpPr>
+          <p:nvPr>
+            <p:ph sz="quarter" idx="1"/>
+          </p:nvPr>
+        </p:nvSpPr>
+        <p:spPr>
           <a:xfrm>
-            <a:off x="457200" y="1676400"/>
-            <a:ext cx="8297800" cy="4953000"/>
+            <a:off x="460248" y="1828800"/>
+            <a:ext cx="8153400" cy="4495800"/>
           </a:xfrm>
-          <a:prstGeom prst="rect">
-            <a:avLst/>
-          </a:prstGeom>
-          <a:noFill/>
         </p:spPr>
-      </p:pic>
+        <p:txBody>
+          <a:bodyPr>
+            <a:noAutofit/>
+          </a:bodyPr>
+          <a:lstStyle/>
+          <a:p>
+            <a:r>
+              <a:rPr lang="en-US" sz="1400" dirty="0" err="1"/>
+              <a:t>DbContext</a:t>
+            </a:r>
+            <a:r>
+              <a:rPr lang="en-US" sz="1400" dirty="0"/>
+              <a:t> tracks the changes of entities and modify their state.</a:t>
+            </a:r>
+          </a:p>
+          <a:p>
+            <a:r>
+              <a:rPr lang="en-US" sz="1400" dirty="0"/>
+              <a:t>This will allow it to perform insert, update or delete operation based on the states.</a:t>
+            </a:r>
+          </a:p>
+          <a:p>
+            <a:r>
+              <a:rPr lang="en-US" sz="1400" dirty="0"/>
+              <a:t>The </a:t>
+            </a:r>
+            <a:r>
+              <a:rPr lang="en-US" sz="1400" dirty="0" err="1"/>
+              <a:t>DbContext</a:t>
+            </a:r>
+            <a:r>
+              <a:rPr lang="en-US" sz="1400" dirty="0"/>
+              <a:t> in Entity Framework Core includes the </a:t>
+            </a:r>
+            <a:r>
+              <a:rPr lang="en-US" sz="1400" dirty="0" err="1"/>
+              <a:t>ChangeTracker</a:t>
+            </a:r>
+            <a:r>
+              <a:rPr lang="en-US" sz="1400" dirty="0"/>
+              <a:t> property of type </a:t>
+            </a:r>
+            <a:r>
+              <a:rPr lang="en-US" sz="1400" dirty="0" err="1"/>
+              <a:t>ChangeTracker</a:t>
+            </a:r>
+            <a:r>
+              <a:rPr lang="en-US" sz="1400" dirty="0"/>
+              <a:t> class which is responsible of tracking the state of each entity retrieved using the </a:t>
+            </a:r>
+            <a:r>
+              <a:rPr lang="en-US" sz="1400" dirty="0" err="1"/>
+              <a:t>DbContext</a:t>
+            </a:r>
+            <a:r>
+              <a:rPr lang="en-US" sz="1400" dirty="0"/>
+              <a:t> instance.</a:t>
+            </a:r>
+          </a:p>
+          <a:p>
+            <a:r>
+              <a:rPr lang="en-US" sz="1400" dirty="0"/>
+              <a:t>The </a:t>
+            </a:r>
+            <a:r>
+              <a:rPr lang="en-US" sz="1400" dirty="0" err="1"/>
+              <a:t>ChangeTracker</a:t>
+            </a:r>
+            <a:r>
+              <a:rPr lang="en-US" sz="1400" dirty="0"/>
+              <a:t> starts tracking of all the entities as soon as it is retrieved using the object of the </a:t>
+            </a:r>
+            <a:r>
+              <a:rPr lang="en-US" sz="1400" dirty="0" err="1"/>
+              <a:t>DbContext</a:t>
+            </a:r>
+            <a:r>
+              <a:rPr lang="en-US" sz="1400" dirty="0"/>
+              <a:t> class, until they go out of its scope. </a:t>
+            </a:r>
+          </a:p>
+          <a:p>
+            <a:r>
+              <a:rPr lang="en-US" sz="1400" dirty="0"/>
+              <a:t>EF keeps track of all the changes applied to all the entities and their properties, so that it can build and execute appropriate DML statements to the underlying data source.</a:t>
+            </a:r>
+          </a:p>
+          <a:p>
+            <a:r>
+              <a:rPr lang="en-US" sz="1400" dirty="0"/>
+              <a:t>An entity at any point of time has one of the following states which are represented by the </a:t>
+            </a:r>
+            <a:r>
+              <a:rPr lang="en-US" sz="1400" dirty="0" err="1"/>
+              <a:t>enum</a:t>
+            </a:r>
+            <a:r>
+              <a:rPr lang="en-US" sz="1400" dirty="0"/>
+              <a:t> </a:t>
+            </a:r>
+            <a:r>
+              <a:rPr lang="en-US" sz="1400" dirty="0" err="1"/>
+              <a:t>Microsoft.EntityFrameworkCore.EntityState</a:t>
+            </a:r>
+            <a:r>
+              <a:rPr lang="en-US" sz="1400" dirty="0"/>
+              <a:t> in EF Core.</a:t>
+            </a:r>
+          </a:p>
+          <a:p>
+            <a:r>
+              <a:rPr lang="en-US" sz="1400" dirty="0"/>
+              <a:t>Added</a:t>
+            </a:r>
+          </a:p>
+          <a:p>
+            <a:r>
+              <a:rPr lang="en-US" sz="1400" dirty="0"/>
+              <a:t>Modified</a:t>
+            </a:r>
+          </a:p>
+          <a:p>
+            <a:r>
+              <a:rPr lang="en-US" sz="1400" dirty="0"/>
+              <a:t>Deleted</a:t>
+            </a:r>
+          </a:p>
+          <a:p>
+            <a:r>
+              <a:rPr lang="en-US" sz="1400" dirty="0"/>
+              <a:t>Unchanged</a:t>
+            </a:r>
+          </a:p>
+          <a:p>
+            <a:r>
+              <a:rPr lang="en-US" sz="1400" dirty="0"/>
+              <a:t>Detached</a:t>
+            </a:r>
+          </a:p>
+        </p:txBody>
+      </p:sp>
     </p:spTree>
+    <p:extLst>
+      <p:ext uri="{BB962C8B-B14F-4D97-AF65-F5344CB8AC3E}">
+        <p14:creationId xmlns:p14="http://schemas.microsoft.com/office/powerpoint/2010/main" val="1357531044"/>
+      </p:ext>
+    </p:extLst>
   </p:cSld>
   <p:clrMapOvr>
     <a:masterClrMapping/>
@@ -10851,7 +12286,13 @@
       </p:sp>
       <p:graphicFrame>
         <p:nvGraphicFramePr>
-          <p:cNvPr id="5" name="Content Placeholder 4"/>
+          <p:cNvPr id="6" name="Content Placeholder 5">
+            <a:extLst>
+              <a:ext uri="{FF2B5EF4-FFF2-40B4-BE49-F238E27FC236}">
+                <a16:creationId xmlns:a16="http://schemas.microsoft.com/office/drawing/2014/main" id="{31359186-BC16-EA39-89C7-2A35D07438B6}"/>
+              </a:ext>
+            </a:extLst>
+          </p:cNvPr>
           <p:cNvGraphicFramePr>
             <a:graphicFrameLocks noGrp="1"/>
           </p:cNvGraphicFramePr>
@@ -10859,38 +12300,43 @@
             <p:ph sz="quarter" idx="1"/>
             <p:extLst>
               <p:ext uri="{D42A27DB-BD31-4B8C-83A1-F6EECF244321}">
-                <p14:modId xmlns:p14="http://schemas.microsoft.com/office/powerpoint/2010/main" val="4116825123"/>
+                <p14:modId xmlns:p14="http://schemas.microsoft.com/office/powerpoint/2010/main" val="2822949907"/>
               </p:ext>
             </p:extLst>
           </p:nvPr>
         </p:nvGraphicFramePr>
         <p:xfrm>
-          <a:off x="612775" y="1600200"/>
-          <a:ext cx="8153400" cy="1513840"/>
+          <a:off x="533400" y="1600201"/>
+          <a:ext cx="8001000" cy="3415794"/>
         </p:xfrm>
         <a:graphic>
           <a:graphicData uri="http://schemas.openxmlformats.org/drawingml/2006/table">
             <a:tbl>
-              <a:tblPr firstRow="1" bandRow="1">
-                <a:tableStyleId>{5C22544A-7EE6-4342-B048-85BDC9FD1C3A}</a:tableStyleId>
-              </a:tblPr>
+              <a:tblPr/>
               <a:tblGrid>
-                <a:gridCol w="4035425">
+                <a:gridCol w="2667000">
                   <a:extLst>
                     <a:ext uri="{9D8B030D-6E8A-4147-A177-3AD203B41FA5}">
-                      <a16:colId xmlns:a16="http://schemas.microsoft.com/office/drawing/2014/main" val="20000"/>
+                      <a16:colId xmlns:a16="http://schemas.microsoft.com/office/drawing/2014/main" val="776948371"/>
                     </a:ext>
                   </a:extLst>
                 </a:gridCol>
-                <a:gridCol w="4117975">
+                <a:gridCol w="2667000">
                   <a:extLst>
                     <a:ext uri="{9D8B030D-6E8A-4147-A177-3AD203B41FA5}">
-                      <a16:colId xmlns:a16="http://schemas.microsoft.com/office/drawing/2014/main" val="20001"/>
+                      <a16:colId xmlns:a16="http://schemas.microsoft.com/office/drawing/2014/main" val="732455116"/>
+                    </a:ext>
+                  </a:extLst>
+                </a:gridCol>
+                <a:gridCol w="2667000">
+                  <a:extLst>
+                    <a:ext uri="{9D8B030D-6E8A-4147-A177-3AD203B41FA5}">
+                      <a16:colId xmlns:a16="http://schemas.microsoft.com/office/drawing/2014/main" val="1548057785"/>
                     </a:ext>
                   </a:extLst>
                 </a:gridCol>
               </a:tblGrid>
-              <a:tr h="370840">
+              <a:tr h="411754">
                 <a:tc>
                   <a:txBody>
                     <a:bodyPr/>
@@ -10898,16 +12344,57 @@
                     <a:p>
                       <a:pPr algn="l" fontAlgn="b"/>
                       <a:r>
-                        <a:rPr lang="en-US" b="0" dirty="0">
+                        <a:rPr lang="en-US" sz="1600" b="0">
                           <a:solidFill>
                             <a:srgbClr val="FFFFFF"/>
                           </a:solidFill>
+                          <a:effectLst/>
                         </a:rPr>
                         <a:t>EF Core Version</a:t>
                       </a:r>
                     </a:p>
                   </a:txBody>
-                  <a:tcPr anchor="b"/>
+                  <a:tcPr marL="81742" marR="81742" marT="40871" marB="40871" anchor="b">
+                    <a:lnL w="6350" cap="flat" cmpd="sng" algn="ctr">
+                      <a:solidFill>
+                        <a:srgbClr val="DFDFDF"/>
+                      </a:solidFill>
+                      <a:prstDash val="solid"/>
+                      <a:round/>
+                      <a:headEnd type="none" w="med" len="med"/>
+                      <a:tailEnd type="none" w="med" len="med"/>
+                    </a:lnL>
+                    <a:lnR w="6350" cap="flat" cmpd="sng" algn="ctr">
+                      <a:solidFill>
+                        <a:srgbClr val="DFDFDF"/>
+                      </a:solidFill>
+                      <a:prstDash val="solid"/>
+                      <a:round/>
+                      <a:headEnd type="none" w="med" len="med"/>
+                      <a:tailEnd type="none" w="med" len="med"/>
+                    </a:lnR>
+                    <a:lnT w="6350" cap="flat" cmpd="sng" algn="ctr">
+                      <a:solidFill>
+                        <a:srgbClr val="DFDFDF"/>
+                      </a:solidFill>
+                      <a:prstDash val="solid"/>
+                      <a:round/>
+                      <a:headEnd type="none" w="med" len="med"/>
+                      <a:tailEnd type="none" w="med" len="med"/>
+                    </a:lnT>
+                    <a:lnB w="6350" cap="flat" cmpd="sng" algn="ctr">
+                      <a:solidFill>
+                        <a:srgbClr val="DFDFDF"/>
+                      </a:solidFill>
+                      <a:prstDash val="solid"/>
+                      <a:round/>
+                      <a:headEnd type="none" w="med" len="med"/>
+                      <a:tailEnd type="none" w="med" len="med"/>
+                    </a:lnB>
+                    <a:solidFill>
+                      <a:srgbClr val="63A9E0"/>
+                    </a:solidFill>
+                  </a:tcPr>
                 </a:tc>
                 <a:tc>
                   <a:txBody>
@@ -10916,24 +12403,124 @@
                     <a:p>
                       <a:pPr algn="l" fontAlgn="b"/>
                       <a:r>
-                        <a:rPr lang="en-US" b="0" dirty="0">
+                        <a:rPr lang="en-US" sz="1600" b="0">
                           <a:solidFill>
                             <a:srgbClr val="FFFFFF"/>
                           </a:solidFill>
+                          <a:effectLst/>
                         </a:rPr>
-                        <a:t>Dotnet Core Version</a:t>
+                        <a:t>Release Date</a:t>
                       </a:r>
                     </a:p>
                   </a:txBody>
-                  <a:tcPr anchor="b"/>
+                  <a:tcPr marL="81742" marR="81742" marT="40871" marB="40871" anchor="b">
+                    <a:lnL w="6350" cap="flat" cmpd="sng" algn="ctr">
+                      <a:solidFill>
+                        <a:srgbClr val="DFDFDF"/>
+                      </a:solidFill>
+                      <a:prstDash val="solid"/>
+                      <a:round/>
+                      <a:headEnd type="none" w="med" len="med"/>
+                      <a:tailEnd type="none" w="med" len="med"/>
+                    </a:lnL>
+                    <a:lnR w="6350" cap="flat" cmpd="sng" algn="ctr">
+                      <a:solidFill>
+                        <a:srgbClr val="DFDFDF"/>
+                      </a:solidFill>
+                      <a:prstDash val="solid"/>
+                      <a:round/>
+                      <a:headEnd type="none" w="med" len="med"/>
+                      <a:tailEnd type="none" w="med" len="med"/>
+                    </a:lnR>
+                    <a:lnT w="6350" cap="flat" cmpd="sng" algn="ctr">
+                      <a:solidFill>
+                        <a:srgbClr val="DFDFDF"/>
+                      </a:solidFill>
+                      <a:prstDash val="solid"/>
+                      <a:round/>
+                      <a:headEnd type="none" w="med" len="med"/>
+                      <a:tailEnd type="none" w="med" len="med"/>
+                    </a:lnT>
+                    <a:lnB w="6350" cap="flat" cmpd="sng" algn="ctr">
+                      <a:solidFill>
+                        <a:srgbClr val="DFDFDF"/>
+                      </a:solidFill>
+                      <a:prstDash val="solid"/>
+                      <a:round/>
+                      <a:headEnd type="none" w="med" len="med"/>
+                      <a:tailEnd type="none" w="med" len="med"/>
+                    </a:lnB>
+                    <a:solidFill>
+                      <a:srgbClr val="63A9E0"/>
+                    </a:solidFill>
+                  </a:tcPr>
+                </a:tc>
+                <a:tc>
+                  <a:txBody>
+                    <a:bodyPr/>
+                    <a:lstStyle/>
+                    <a:p>
+                      <a:pPr algn="l" fontAlgn="b"/>
+                      <a:r>
+                        <a:rPr lang="en-US" sz="1600" b="0">
+                          <a:solidFill>
+                            <a:srgbClr val="FFFFFF"/>
+                          </a:solidFill>
+                          <a:effectLst/>
+                        </a:rPr>
+                        <a:t>Target Framework</a:t>
+                      </a:r>
+                    </a:p>
+                  </a:txBody>
+                  <a:tcPr marL="81742" marR="81742" marT="40871" marB="40871" anchor="b">
+                    <a:lnL w="6350" cap="flat" cmpd="sng" algn="ctr">
+                      <a:solidFill>
+                        <a:srgbClr val="DFDFDF"/>
+                      </a:solidFill>
+                      <a:prstDash val="solid"/>
+                      <a:round/>
+                      <a:headEnd type="none" w="med" len="med"/>
+                      <a:tailEnd type="none" w="med" len="med"/>
+                    </a:lnL>
+                    <a:lnR w="6350" cap="flat" cmpd="sng" algn="ctr">
+                      <a:solidFill>
+                        <a:srgbClr val="DFDFDF"/>
+                      </a:solidFill>
+                      <a:prstDash val="solid"/>
+                      <a:round/>
+                      <a:headEnd type="none" w="med" len="med"/>
+                      <a:tailEnd type="none" w="med" len="med"/>
+                    </a:lnR>
+                    <a:lnT w="6350" cap="flat" cmpd="sng" algn="ctr">
+                      <a:solidFill>
+                        <a:srgbClr val="DFDFDF"/>
+                      </a:solidFill>
+                      <a:prstDash val="solid"/>
+                      <a:round/>
+                      <a:headEnd type="none" w="med" len="med"/>
+                      <a:tailEnd type="none" w="med" len="med"/>
+                    </a:lnT>
+                    <a:lnB w="6350" cap="flat" cmpd="sng" algn="ctr">
+                      <a:solidFill>
+                        <a:srgbClr val="DFDFDF"/>
+                      </a:solidFill>
+                      <a:prstDash val="solid"/>
+                      <a:round/>
+                      <a:headEnd type="none" w="med" len="med"/>
+                      <a:tailEnd type="none" w="med" len="med"/>
+                    </a:lnB>
+                    <a:solidFill>
+                      <a:srgbClr val="63A9E0"/>
+                    </a:solidFill>
+                  </a:tcPr>
                 </a:tc>
                 <a:extLst>
                   <a:ext uri="{0D108BD9-81ED-4DB2-BD59-A6C34878D82A}">
-                    <a16:rowId xmlns:a16="http://schemas.microsoft.com/office/drawing/2014/main" val="10000"/>
+                    <a16:rowId xmlns:a16="http://schemas.microsoft.com/office/drawing/2014/main" val="645786131"/>
                   </a:ext>
                 </a:extLst>
               </a:tr>
-              <a:tr h="370840">
+              <a:tr h="255985">
                 <a:tc>
                   <a:txBody>
                     <a:bodyPr/>
@@ -10941,16 +12528,57 @@
                     <a:p>
                       <a:pPr fontAlgn="t"/>
                       <a:r>
-                        <a:rPr lang="en-US" dirty="0">
+                        <a:rPr lang="en-US" sz="1600">
                           <a:solidFill>
                             <a:srgbClr val="414141"/>
                           </a:solidFill>
+                          <a:effectLst/>
                         </a:rPr>
                         <a:t>EF Core 7.0</a:t>
                       </a:r>
                     </a:p>
                   </a:txBody>
-                  <a:tcPr/>
+                  <a:tcPr marL="81742" marR="81742" marT="40871" marB="40871">
+                    <a:lnL w="6350" cap="flat" cmpd="sng" algn="ctr">
+                      <a:solidFill>
+                        <a:srgbClr val="DFDFDF"/>
+                      </a:solidFill>
+                      <a:prstDash val="solid"/>
+                      <a:round/>
+                      <a:headEnd type="none" w="med" len="med"/>
+                      <a:tailEnd type="none" w="med" len="med"/>
+                    </a:lnL>
+                    <a:lnR w="6350" cap="flat" cmpd="sng" algn="ctr">
+                      <a:solidFill>
+                        <a:srgbClr val="DFDFDF"/>
+                      </a:solidFill>
+                      <a:prstDash val="solid"/>
+                      <a:round/>
+                      <a:headEnd type="none" w="med" len="med"/>
+                      <a:tailEnd type="none" w="med" len="med"/>
+                    </a:lnR>
+                    <a:lnT w="6350" cap="flat" cmpd="sng" algn="ctr">
+                      <a:solidFill>
+                        <a:srgbClr val="DFDFDF"/>
+                      </a:solidFill>
+                      <a:prstDash val="solid"/>
+                      <a:round/>
+                      <a:headEnd type="none" w="med" len="med"/>
+                      <a:tailEnd type="none" w="med" len="med"/>
+                    </a:lnT>
+                    <a:lnB w="6350" cap="flat" cmpd="sng" algn="ctr">
+                      <a:solidFill>
+                        <a:srgbClr val="DFDFDF"/>
+                      </a:solidFill>
+                      <a:prstDash val="solid"/>
+                      <a:round/>
+                      <a:headEnd type="none" w="med" len="med"/>
+                      <a:tailEnd type="none" w="med" len="med"/>
+                    </a:lnB>
+                    <a:solidFill>
+                      <a:srgbClr val="FFFFFF"/>
+                    </a:solidFill>
+                  </a:tcPr>
                 </a:tc>
                 <a:tc>
                   <a:txBody>
@@ -10959,41 +12587,57 @@
                     <a:p>
                       <a:pPr fontAlgn="t"/>
                       <a:r>
-                        <a:rPr lang="en-US" dirty="0">
+                        <a:rPr lang="en-US" sz="1600">
                           <a:solidFill>
                             <a:srgbClr val="414141"/>
                           </a:solidFill>
+                          <a:effectLst/>
                         </a:rPr>
-                        <a:t>.NET 7.0</a:t>
+                        <a:t>Nov 2022</a:t>
                       </a:r>
                     </a:p>
                   </a:txBody>
-                  <a:tcPr/>
-                </a:tc>
-                <a:extLst>
-                  <a:ext uri="{0D108BD9-81ED-4DB2-BD59-A6C34878D82A}">
-                    <a16:rowId xmlns:a16="http://schemas.microsoft.com/office/drawing/2014/main" val="10001"/>
-                  </a:ext>
-                </a:extLst>
-              </a:tr>
-              <a:tr h="401320">
-                <a:tc>
-                  <a:txBody>
-                    <a:bodyPr/>
-                    <a:lstStyle/>
-                    <a:p>
-                      <a:pPr fontAlgn="t"/>
-                      <a:r>
-                        <a:rPr lang="en-US" dirty="0">
-                          <a:solidFill>
-                            <a:srgbClr val="414141"/>
-                          </a:solidFill>
-                        </a:rPr>
-                        <a:t>EF Core 6.0</a:t>
-                      </a:r>
-                    </a:p>
-                  </a:txBody>
-                  <a:tcPr/>
+                  <a:tcPr marL="81742" marR="81742" marT="40871" marB="40871">
+                    <a:lnL w="6350" cap="flat" cmpd="sng" algn="ctr">
+                      <a:solidFill>
+                        <a:srgbClr val="DFDFDF"/>
+                      </a:solidFill>
+                      <a:prstDash val="solid"/>
+                      <a:round/>
+                      <a:headEnd type="none" w="med" len="med"/>
+                      <a:tailEnd type="none" w="med" len="med"/>
+                    </a:lnL>
+                    <a:lnR w="6350" cap="flat" cmpd="sng" algn="ctr">
+                      <a:solidFill>
+                        <a:srgbClr val="DFDFDF"/>
+                      </a:solidFill>
+                      <a:prstDash val="solid"/>
+                      <a:round/>
+                      <a:headEnd type="none" w="med" len="med"/>
+                      <a:tailEnd type="none" w="med" len="med"/>
+                    </a:lnR>
+                    <a:lnT w="6350" cap="flat" cmpd="sng" algn="ctr">
+                      <a:solidFill>
+                        <a:srgbClr val="DFDFDF"/>
+                      </a:solidFill>
+                      <a:prstDash val="solid"/>
+                      <a:round/>
+                      <a:headEnd type="none" w="med" len="med"/>
+                      <a:tailEnd type="none" w="med" len="med"/>
+                    </a:lnT>
+                    <a:lnB w="6350" cap="flat" cmpd="sng" algn="ctr">
+                      <a:solidFill>
+                        <a:srgbClr val="DFDFDF"/>
+                      </a:solidFill>
+                      <a:prstDash val="solid"/>
+                      <a:round/>
+                      <a:headEnd type="none" w="med" len="med"/>
+                      <a:tailEnd type="none" w="med" len="med"/>
+                    </a:lnB>
+                    <a:solidFill>
+                      <a:srgbClr val="FFFFFF"/>
+                    </a:solidFill>
+                  </a:tcPr>
                 </a:tc>
                 <a:tc>
                   <a:txBody>
@@ -11002,24 +12646,65 @@
                     <a:p>
                       <a:pPr fontAlgn="t"/>
                       <a:r>
-                        <a:rPr lang="en-US" dirty="0">
+                        <a:rPr lang="en-US" sz="1600">
                           <a:solidFill>
                             <a:srgbClr val="414141"/>
                           </a:solidFill>
+                          <a:effectLst/>
                         </a:rPr>
-                        <a:t>.NET 6.0</a:t>
+                        <a:t>.NET 6</a:t>
                       </a:r>
                     </a:p>
                   </a:txBody>
-                  <a:tcPr/>
+                  <a:tcPr marL="81742" marR="81742" marT="40871" marB="40871">
+                    <a:lnL w="6350" cap="flat" cmpd="sng" algn="ctr">
+                      <a:solidFill>
+                        <a:srgbClr val="DFDFDF"/>
+                      </a:solidFill>
+                      <a:prstDash val="solid"/>
+                      <a:round/>
+                      <a:headEnd type="none" w="med" len="med"/>
+                      <a:tailEnd type="none" w="med" len="med"/>
+                    </a:lnL>
+                    <a:lnR w="6350" cap="flat" cmpd="sng" algn="ctr">
+                      <a:solidFill>
+                        <a:srgbClr val="DFDFDF"/>
+                      </a:solidFill>
+                      <a:prstDash val="solid"/>
+                      <a:round/>
+                      <a:headEnd type="none" w="med" len="med"/>
+                      <a:tailEnd type="none" w="med" len="med"/>
+                    </a:lnR>
+                    <a:lnT w="6350" cap="flat" cmpd="sng" algn="ctr">
+                      <a:solidFill>
+                        <a:srgbClr val="DFDFDF"/>
+                      </a:solidFill>
+                      <a:prstDash val="solid"/>
+                      <a:round/>
+                      <a:headEnd type="none" w="med" len="med"/>
+                      <a:tailEnd type="none" w="med" len="med"/>
+                    </a:lnT>
+                    <a:lnB w="6350" cap="flat" cmpd="sng" algn="ctr">
+                      <a:solidFill>
+                        <a:srgbClr val="DFDFDF"/>
+                      </a:solidFill>
+                      <a:prstDash val="solid"/>
+                      <a:round/>
+                      <a:headEnd type="none" w="med" len="med"/>
+                      <a:tailEnd type="none" w="med" len="med"/>
+                    </a:lnB>
+                    <a:solidFill>
+                      <a:srgbClr val="FFFFFF"/>
+                    </a:solidFill>
+                  </a:tcPr>
                 </a:tc>
                 <a:extLst>
                   <a:ext uri="{0D108BD9-81ED-4DB2-BD59-A6C34878D82A}">
-                    <a16:rowId xmlns:a16="http://schemas.microsoft.com/office/drawing/2014/main" val="10002"/>
+                    <a16:rowId xmlns:a16="http://schemas.microsoft.com/office/drawing/2014/main" val="713203578"/>
                   </a:ext>
                 </a:extLst>
               </a:tr>
-              <a:tr h="370840">
+              <a:tr h="255985">
                 <a:tc>
                   <a:txBody>
                     <a:bodyPr/>
@@ -11027,16 +12712,57 @@
                     <a:p>
                       <a:pPr fontAlgn="t"/>
                       <a:r>
-                        <a:rPr lang="en-US" dirty="0">
+                        <a:rPr lang="en-US" sz="1600">
                           <a:solidFill>
                             <a:srgbClr val="414141"/>
                           </a:solidFill>
+                          <a:effectLst/>
                         </a:rPr>
-                        <a:t>EF Core 5.0</a:t>
+                        <a:t>EF Core 6.0</a:t>
                       </a:r>
                     </a:p>
                   </a:txBody>
-                  <a:tcPr/>
+                  <a:tcPr marL="81742" marR="81742" marT="40871" marB="40871">
+                    <a:lnL w="6350" cap="flat" cmpd="sng" algn="ctr">
+                      <a:solidFill>
+                        <a:srgbClr val="DFDFDF"/>
+                      </a:solidFill>
+                      <a:prstDash val="solid"/>
+                      <a:round/>
+                      <a:headEnd type="none" w="med" len="med"/>
+                      <a:tailEnd type="none" w="med" len="med"/>
+                    </a:lnL>
+                    <a:lnR w="6350" cap="flat" cmpd="sng" algn="ctr">
+                      <a:solidFill>
+                        <a:srgbClr val="DFDFDF"/>
+                      </a:solidFill>
+                      <a:prstDash val="solid"/>
+                      <a:round/>
+                      <a:headEnd type="none" w="med" len="med"/>
+                      <a:tailEnd type="none" w="med" len="med"/>
+                    </a:lnR>
+                    <a:lnT w="6350" cap="flat" cmpd="sng" algn="ctr">
+                      <a:solidFill>
+                        <a:srgbClr val="DFDFDF"/>
+                      </a:solidFill>
+                      <a:prstDash val="solid"/>
+                      <a:round/>
+                      <a:headEnd type="none" w="med" len="med"/>
+                      <a:tailEnd type="none" w="med" len="med"/>
+                    </a:lnT>
+                    <a:lnB w="6350" cap="flat" cmpd="sng" algn="ctr">
+                      <a:solidFill>
+                        <a:srgbClr val="DFDFDF"/>
+                      </a:solidFill>
+                      <a:prstDash val="solid"/>
+                      <a:round/>
+                      <a:headEnd type="none" w="med" len="med"/>
+                      <a:tailEnd type="none" w="med" len="med"/>
+                    </a:lnB>
+                    <a:solidFill>
+                      <a:srgbClr val="F9F9F9"/>
+                    </a:solidFill>
+                  </a:tcPr>
                 </a:tc>
                 <a:tc>
                   <a:txBody>
@@ -11045,20 +12771,856 @@
                     <a:p>
                       <a:pPr fontAlgn="t"/>
                       <a:r>
-                        <a:rPr lang="en-US" dirty="0">
+                        <a:rPr lang="en-US" sz="1600">
                           <a:solidFill>
                             <a:srgbClr val="414141"/>
                           </a:solidFill>
+                          <a:effectLst/>
                         </a:rPr>
-                        <a:t>.NET 5.0</a:t>
+                        <a:t>Nov 2021</a:t>
                       </a:r>
                     </a:p>
                   </a:txBody>
-                  <a:tcPr/>
+                  <a:tcPr marL="81742" marR="81742" marT="40871" marB="40871">
+                    <a:lnL w="6350" cap="flat" cmpd="sng" algn="ctr">
+                      <a:solidFill>
+                        <a:srgbClr val="DFDFDF"/>
+                      </a:solidFill>
+                      <a:prstDash val="solid"/>
+                      <a:round/>
+                      <a:headEnd type="none" w="med" len="med"/>
+                      <a:tailEnd type="none" w="med" len="med"/>
+                    </a:lnL>
+                    <a:lnR w="6350" cap="flat" cmpd="sng" algn="ctr">
+                      <a:solidFill>
+                        <a:srgbClr val="DFDFDF"/>
+                      </a:solidFill>
+                      <a:prstDash val="solid"/>
+                      <a:round/>
+                      <a:headEnd type="none" w="med" len="med"/>
+                      <a:tailEnd type="none" w="med" len="med"/>
+                    </a:lnR>
+                    <a:lnT w="6350" cap="flat" cmpd="sng" algn="ctr">
+                      <a:solidFill>
+                        <a:srgbClr val="DFDFDF"/>
+                      </a:solidFill>
+                      <a:prstDash val="solid"/>
+                      <a:round/>
+                      <a:headEnd type="none" w="med" len="med"/>
+                      <a:tailEnd type="none" w="med" len="med"/>
+                    </a:lnT>
+                    <a:lnB w="6350" cap="flat" cmpd="sng" algn="ctr">
+                      <a:solidFill>
+                        <a:srgbClr val="DFDFDF"/>
+                      </a:solidFill>
+                      <a:prstDash val="solid"/>
+                      <a:round/>
+                      <a:headEnd type="none" w="med" len="med"/>
+                      <a:tailEnd type="none" w="med" len="med"/>
+                    </a:lnB>
+                    <a:solidFill>
+                      <a:srgbClr val="F9F9F9"/>
+                    </a:solidFill>
+                  </a:tcPr>
+                </a:tc>
+                <a:tc>
+                  <a:txBody>
+                    <a:bodyPr/>
+                    <a:lstStyle/>
+                    <a:p>
+                      <a:pPr fontAlgn="t"/>
+                      <a:r>
+                        <a:rPr lang="en-US" sz="1600">
+                          <a:solidFill>
+                            <a:srgbClr val="414141"/>
+                          </a:solidFill>
+                          <a:effectLst/>
+                        </a:rPr>
+                        <a:t>.NET 6</a:t>
+                      </a:r>
+                    </a:p>
+                  </a:txBody>
+                  <a:tcPr marL="81742" marR="81742" marT="40871" marB="40871">
+                    <a:lnL w="6350" cap="flat" cmpd="sng" algn="ctr">
+                      <a:solidFill>
+                        <a:srgbClr val="DFDFDF"/>
+                      </a:solidFill>
+                      <a:prstDash val="solid"/>
+                      <a:round/>
+                      <a:headEnd type="none" w="med" len="med"/>
+                      <a:tailEnd type="none" w="med" len="med"/>
+                    </a:lnL>
+                    <a:lnR w="6350" cap="flat" cmpd="sng" algn="ctr">
+                      <a:solidFill>
+                        <a:srgbClr val="DFDFDF"/>
+                      </a:solidFill>
+                      <a:prstDash val="solid"/>
+                      <a:round/>
+                      <a:headEnd type="none" w="med" len="med"/>
+                      <a:tailEnd type="none" w="med" len="med"/>
+                    </a:lnR>
+                    <a:lnT w="6350" cap="flat" cmpd="sng" algn="ctr">
+                      <a:solidFill>
+                        <a:srgbClr val="DFDFDF"/>
+                      </a:solidFill>
+                      <a:prstDash val="solid"/>
+                      <a:round/>
+                      <a:headEnd type="none" w="med" len="med"/>
+                      <a:tailEnd type="none" w="med" len="med"/>
+                    </a:lnT>
+                    <a:lnB w="6350" cap="flat" cmpd="sng" algn="ctr">
+                      <a:solidFill>
+                        <a:srgbClr val="DFDFDF"/>
+                      </a:solidFill>
+                      <a:prstDash val="solid"/>
+                      <a:round/>
+                      <a:headEnd type="none" w="med" len="med"/>
+                      <a:tailEnd type="none" w="med" len="med"/>
+                    </a:lnB>
+                    <a:solidFill>
+                      <a:srgbClr val="F9F9F9"/>
+                    </a:solidFill>
+                  </a:tcPr>
                 </a:tc>
                 <a:extLst>
                   <a:ext uri="{0D108BD9-81ED-4DB2-BD59-A6C34878D82A}">
-                    <a16:rowId xmlns:a16="http://schemas.microsoft.com/office/drawing/2014/main" val="10003"/>
+                    <a16:rowId xmlns:a16="http://schemas.microsoft.com/office/drawing/2014/main" val="3530352794"/>
+                  </a:ext>
+                </a:extLst>
+              </a:tr>
+              <a:tr h="588219">
+                <a:tc>
+                  <a:txBody>
+                    <a:bodyPr/>
+                    <a:lstStyle/>
+                    <a:p>
+                      <a:pPr fontAlgn="t"/>
+                      <a:r>
+                        <a:rPr lang="en-US" sz="1600">
+                          <a:solidFill>
+                            <a:srgbClr val="414141"/>
+                          </a:solidFill>
+                          <a:effectLst/>
+                        </a:rPr>
+                        <a:t>EF Core 5.0</a:t>
+                      </a:r>
+                    </a:p>
+                  </a:txBody>
+                  <a:tcPr marL="81742" marR="81742" marT="40871" marB="40871">
+                    <a:lnL w="6350" cap="flat" cmpd="sng" algn="ctr">
+                      <a:solidFill>
+                        <a:srgbClr val="DFDFDF"/>
+                      </a:solidFill>
+                      <a:prstDash val="solid"/>
+                      <a:round/>
+                      <a:headEnd type="none" w="med" len="med"/>
+                      <a:tailEnd type="none" w="med" len="med"/>
+                    </a:lnL>
+                    <a:lnR w="6350" cap="flat" cmpd="sng" algn="ctr">
+                      <a:solidFill>
+                        <a:srgbClr val="DFDFDF"/>
+                      </a:solidFill>
+                      <a:prstDash val="solid"/>
+                      <a:round/>
+                      <a:headEnd type="none" w="med" len="med"/>
+                      <a:tailEnd type="none" w="med" len="med"/>
+                    </a:lnR>
+                    <a:lnT w="6350" cap="flat" cmpd="sng" algn="ctr">
+                      <a:solidFill>
+                        <a:srgbClr val="DFDFDF"/>
+                      </a:solidFill>
+                      <a:prstDash val="solid"/>
+                      <a:round/>
+                      <a:headEnd type="none" w="med" len="med"/>
+                      <a:tailEnd type="none" w="med" len="med"/>
+                    </a:lnT>
+                    <a:lnB w="6350" cap="flat" cmpd="sng" algn="ctr">
+                      <a:solidFill>
+                        <a:srgbClr val="DFDFDF"/>
+                      </a:solidFill>
+                      <a:prstDash val="solid"/>
+                      <a:round/>
+                      <a:headEnd type="none" w="med" len="med"/>
+                      <a:tailEnd type="none" w="med" len="med"/>
+                    </a:lnB>
+                    <a:solidFill>
+                      <a:srgbClr val="FFFFFF"/>
+                    </a:solidFill>
+                  </a:tcPr>
+                </a:tc>
+                <a:tc>
+                  <a:txBody>
+                    <a:bodyPr/>
+                    <a:lstStyle/>
+                    <a:p>
+                      <a:pPr fontAlgn="t"/>
+                      <a:r>
+                        <a:rPr lang="en-US" sz="1600">
+                          <a:solidFill>
+                            <a:srgbClr val="414141"/>
+                          </a:solidFill>
+                          <a:effectLst/>
+                        </a:rPr>
+                        <a:t>Nov 2020</a:t>
+                      </a:r>
+                    </a:p>
+                  </a:txBody>
+                  <a:tcPr marL="81742" marR="81742" marT="40871" marB="40871">
+                    <a:lnL w="6350" cap="flat" cmpd="sng" algn="ctr">
+                      <a:solidFill>
+                        <a:srgbClr val="DFDFDF"/>
+                      </a:solidFill>
+                      <a:prstDash val="solid"/>
+                      <a:round/>
+                      <a:headEnd type="none" w="med" len="med"/>
+                      <a:tailEnd type="none" w="med" len="med"/>
+                    </a:lnL>
+                    <a:lnR w="6350" cap="flat" cmpd="sng" algn="ctr">
+                      <a:solidFill>
+                        <a:srgbClr val="DFDFDF"/>
+                      </a:solidFill>
+                      <a:prstDash val="solid"/>
+                      <a:round/>
+                      <a:headEnd type="none" w="med" len="med"/>
+                      <a:tailEnd type="none" w="med" len="med"/>
+                    </a:lnR>
+                    <a:lnT w="6350" cap="flat" cmpd="sng" algn="ctr">
+                      <a:solidFill>
+                        <a:srgbClr val="DFDFDF"/>
+                      </a:solidFill>
+                      <a:prstDash val="solid"/>
+                      <a:round/>
+                      <a:headEnd type="none" w="med" len="med"/>
+                      <a:tailEnd type="none" w="med" len="med"/>
+                    </a:lnT>
+                    <a:lnB w="6350" cap="flat" cmpd="sng" algn="ctr">
+                      <a:solidFill>
+                        <a:srgbClr val="DFDFDF"/>
+                      </a:solidFill>
+                      <a:prstDash val="solid"/>
+                      <a:round/>
+                      <a:headEnd type="none" w="med" len="med"/>
+                      <a:tailEnd type="none" w="med" len="med"/>
+                    </a:lnB>
+                    <a:solidFill>
+                      <a:srgbClr val="FFFFFF"/>
+                    </a:solidFill>
+                  </a:tcPr>
+                </a:tc>
+                <a:tc>
+                  <a:txBody>
+                    <a:bodyPr/>
+                    <a:lstStyle/>
+                    <a:p>
+                      <a:pPr fontAlgn="t"/>
+                      <a:r>
+                        <a:rPr lang="en-US" sz="1600">
+                          <a:solidFill>
+                            <a:srgbClr val="414141"/>
+                          </a:solidFill>
+                          <a:effectLst/>
+                        </a:rPr>
+                        <a:t>.NET Standard 2.1</a:t>
+                      </a:r>
+                    </a:p>
+                  </a:txBody>
+                  <a:tcPr marL="81742" marR="81742" marT="40871" marB="40871">
+                    <a:lnL w="6350" cap="flat" cmpd="sng" algn="ctr">
+                      <a:solidFill>
+                        <a:srgbClr val="DFDFDF"/>
+                      </a:solidFill>
+                      <a:prstDash val="solid"/>
+                      <a:round/>
+                      <a:headEnd type="none" w="med" len="med"/>
+                      <a:tailEnd type="none" w="med" len="med"/>
+                    </a:lnL>
+                    <a:lnR w="6350" cap="flat" cmpd="sng" algn="ctr">
+                      <a:solidFill>
+                        <a:srgbClr val="DFDFDF"/>
+                      </a:solidFill>
+                      <a:prstDash val="solid"/>
+                      <a:round/>
+                      <a:headEnd type="none" w="med" len="med"/>
+                      <a:tailEnd type="none" w="med" len="med"/>
+                    </a:lnR>
+                    <a:lnT w="6350" cap="flat" cmpd="sng" algn="ctr">
+                      <a:solidFill>
+                        <a:srgbClr val="DFDFDF"/>
+                      </a:solidFill>
+                      <a:prstDash val="solid"/>
+                      <a:round/>
+                      <a:headEnd type="none" w="med" len="med"/>
+                      <a:tailEnd type="none" w="med" len="med"/>
+                    </a:lnT>
+                    <a:lnB w="6350" cap="flat" cmpd="sng" algn="ctr">
+                      <a:solidFill>
+                        <a:srgbClr val="DFDFDF"/>
+                      </a:solidFill>
+                      <a:prstDash val="solid"/>
+                      <a:round/>
+                      <a:headEnd type="none" w="med" len="med"/>
+                      <a:tailEnd type="none" w="med" len="med"/>
+                    </a:lnB>
+                    <a:solidFill>
+                      <a:srgbClr val="FFFFFF"/>
+                    </a:solidFill>
+                  </a:tcPr>
+                </a:tc>
+                <a:extLst>
+                  <a:ext uri="{0D108BD9-81ED-4DB2-BD59-A6C34878D82A}">
+                    <a16:rowId xmlns:a16="http://schemas.microsoft.com/office/drawing/2014/main" val="4220027593"/>
+                  </a:ext>
+                </a:extLst>
+              </a:tr>
+              <a:tr h="588219">
+                <a:tc>
+                  <a:txBody>
+                    <a:bodyPr/>
+                    <a:lstStyle/>
+                    <a:p>
+                      <a:pPr fontAlgn="t"/>
+                      <a:r>
+                        <a:rPr lang="en-US" sz="1600" dirty="0">
+                          <a:solidFill>
+                            <a:srgbClr val="414141"/>
+                          </a:solidFill>
+                          <a:effectLst/>
+                        </a:rPr>
+                        <a:t>EF Core 3.0</a:t>
+                      </a:r>
+                    </a:p>
+                  </a:txBody>
+                  <a:tcPr marL="81742" marR="81742" marT="40871" marB="40871">
+                    <a:lnL w="6350" cap="flat" cmpd="sng" algn="ctr">
+                      <a:solidFill>
+                        <a:srgbClr val="DFDFDF"/>
+                      </a:solidFill>
+                      <a:prstDash val="solid"/>
+                      <a:round/>
+                      <a:headEnd type="none" w="med" len="med"/>
+                      <a:tailEnd type="none" w="med" len="med"/>
+                    </a:lnL>
+                    <a:lnR w="6350" cap="flat" cmpd="sng" algn="ctr">
+                      <a:solidFill>
+                        <a:srgbClr val="DFDFDF"/>
+                      </a:solidFill>
+                      <a:prstDash val="solid"/>
+                      <a:round/>
+                      <a:headEnd type="none" w="med" len="med"/>
+                      <a:tailEnd type="none" w="med" len="med"/>
+                    </a:lnR>
+                    <a:lnT w="6350" cap="flat" cmpd="sng" algn="ctr">
+                      <a:solidFill>
+                        <a:srgbClr val="DFDFDF"/>
+                      </a:solidFill>
+                      <a:prstDash val="solid"/>
+                      <a:round/>
+                      <a:headEnd type="none" w="med" len="med"/>
+                      <a:tailEnd type="none" w="med" len="med"/>
+                    </a:lnT>
+                    <a:lnB w="6350" cap="flat" cmpd="sng" algn="ctr">
+                      <a:solidFill>
+                        <a:srgbClr val="DFDFDF"/>
+                      </a:solidFill>
+                      <a:prstDash val="solid"/>
+                      <a:round/>
+                      <a:headEnd type="none" w="med" len="med"/>
+                      <a:tailEnd type="none" w="med" len="med"/>
+                    </a:lnB>
+                    <a:solidFill>
+                      <a:srgbClr val="F9F9F9"/>
+                    </a:solidFill>
+                  </a:tcPr>
+                </a:tc>
+                <a:tc>
+                  <a:txBody>
+                    <a:bodyPr/>
+                    <a:lstStyle/>
+                    <a:p>
+                      <a:pPr fontAlgn="t"/>
+                      <a:r>
+                        <a:rPr lang="en-US" sz="1600">
+                          <a:solidFill>
+                            <a:srgbClr val="414141"/>
+                          </a:solidFill>
+                          <a:effectLst/>
+                        </a:rPr>
+                        <a:t>Sept 2019</a:t>
+                      </a:r>
+                    </a:p>
+                  </a:txBody>
+                  <a:tcPr marL="81742" marR="81742" marT="40871" marB="40871">
+                    <a:lnL w="6350" cap="flat" cmpd="sng" algn="ctr">
+                      <a:solidFill>
+                        <a:srgbClr val="DFDFDF"/>
+                      </a:solidFill>
+                      <a:prstDash val="solid"/>
+                      <a:round/>
+                      <a:headEnd type="none" w="med" len="med"/>
+                      <a:tailEnd type="none" w="med" len="med"/>
+                    </a:lnL>
+                    <a:lnR w="6350" cap="flat" cmpd="sng" algn="ctr">
+                      <a:solidFill>
+                        <a:srgbClr val="DFDFDF"/>
+                      </a:solidFill>
+                      <a:prstDash val="solid"/>
+                      <a:round/>
+                      <a:headEnd type="none" w="med" len="med"/>
+                      <a:tailEnd type="none" w="med" len="med"/>
+                    </a:lnR>
+                    <a:lnT w="6350" cap="flat" cmpd="sng" algn="ctr">
+                      <a:solidFill>
+                        <a:srgbClr val="DFDFDF"/>
+                      </a:solidFill>
+                      <a:prstDash val="solid"/>
+                      <a:round/>
+                      <a:headEnd type="none" w="med" len="med"/>
+                      <a:tailEnd type="none" w="med" len="med"/>
+                    </a:lnT>
+                    <a:lnB w="6350" cap="flat" cmpd="sng" algn="ctr">
+                      <a:solidFill>
+                        <a:srgbClr val="DFDFDF"/>
+                      </a:solidFill>
+                      <a:prstDash val="solid"/>
+                      <a:round/>
+                      <a:headEnd type="none" w="med" len="med"/>
+                      <a:tailEnd type="none" w="med" len="med"/>
+                    </a:lnB>
+                    <a:solidFill>
+                      <a:srgbClr val="F9F9F9"/>
+                    </a:solidFill>
+                  </a:tcPr>
+                </a:tc>
+                <a:tc>
+                  <a:txBody>
+                    <a:bodyPr/>
+                    <a:lstStyle/>
+                    <a:p>
+                      <a:pPr fontAlgn="t"/>
+                      <a:r>
+                        <a:rPr lang="en-US" sz="1600">
+                          <a:solidFill>
+                            <a:srgbClr val="414141"/>
+                          </a:solidFill>
+                          <a:effectLst/>
+                        </a:rPr>
+                        <a:t>.NET Standard 2.1</a:t>
+                      </a:r>
+                    </a:p>
+                  </a:txBody>
+                  <a:tcPr marL="81742" marR="81742" marT="40871" marB="40871">
+                    <a:lnL w="6350" cap="flat" cmpd="sng" algn="ctr">
+                      <a:solidFill>
+                        <a:srgbClr val="DFDFDF"/>
+                      </a:solidFill>
+                      <a:prstDash val="solid"/>
+                      <a:round/>
+                      <a:headEnd type="none" w="med" len="med"/>
+                      <a:tailEnd type="none" w="med" len="med"/>
+                    </a:lnL>
+                    <a:lnR w="6350" cap="flat" cmpd="sng" algn="ctr">
+                      <a:solidFill>
+                        <a:srgbClr val="DFDFDF"/>
+                      </a:solidFill>
+                      <a:prstDash val="solid"/>
+                      <a:round/>
+                      <a:headEnd type="none" w="med" len="med"/>
+                      <a:tailEnd type="none" w="med" len="med"/>
+                    </a:lnR>
+                    <a:lnT w="6350" cap="flat" cmpd="sng" algn="ctr">
+                      <a:solidFill>
+                        <a:srgbClr val="DFDFDF"/>
+                      </a:solidFill>
+                      <a:prstDash val="solid"/>
+                      <a:round/>
+                      <a:headEnd type="none" w="med" len="med"/>
+                      <a:tailEnd type="none" w="med" len="med"/>
+                    </a:lnT>
+                    <a:lnB w="6350" cap="flat" cmpd="sng" algn="ctr">
+                      <a:solidFill>
+                        <a:srgbClr val="DFDFDF"/>
+                      </a:solidFill>
+                      <a:prstDash val="solid"/>
+                      <a:round/>
+                      <a:headEnd type="none" w="med" len="med"/>
+                      <a:tailEnd type="none" w="med" len="med"/>
+                    </a:lnB>
+                    <a:solidFill>
+                      <a:srgbClr val="F9F9F9"/>
+                    </a:solidFill>
+                  </a:tcPr>
+                </a:tc>
+                <a:extLst>
+                  <a:ext uri="{0D108BD9-81ED-4DB2-BD59-A6C34878D82A}">
+                    <a16:rowId xmlns:a16="http://schemas.microsoft.com/office/drawing/2014/main" val="215869012"/>
+                  </a:ext>
+                </a:extLst>
+              </a:tr>
+              <a:tr h="588219">
+                <a:tc>
+                  <a:txBody>
+                    <a:bodyPr/>
+                    <a:lstStyle/>
+                    <a:p>
+                      <a:pPr fontAlgn="t"/>
+                      <a:r>
+                        <a:rPr lang="en-US" sz="1600">
+                          <a:solidFill>
+                            <a:srgbClr val="414141"/>
+                          </a:solidFill>
+                          <a:effectLst/>
+                        </a:rPr>
+                        <a:t>EF Core 2.0</a:t>
+                      </a:r>
+                    </a:p>
+                  </a:txBody>
+                  <a:tcPr marL="81742" marR="81742" marT="40871" marB="40871">
+                    <a:lnL w="6350" cap="flat" cmpd="sng" algn="ctr">
+                      <a:solidFill>
+                        <a:srgbClr val="DFDFDF"/>
+                      </a:solidFill>
+                      <a:prstDash val="solid"/>
+                      <a:round/>
+                      <a:headEnd type="none" w="med" len="med"/>
+                      <a:tailEnd type="none" w="med" len="med"/>
+                    </a:lnL>
+                    <a:lnR w="6350" cap="flat" cmpd="sng" algn="ctr">
+                      <a:solidFill>
+                        <a:srgbClr val="DFDFDF"/>
+                      </a:solidFill>
+                      <a:prstDash val="solid"/>
+                      <a:round/>
+                      <a:headEnd type="none" w="med" len="med"/>
+                      <a:tailEnd type="none" w="med" len="med"/>
+                    </a:lnR>
+                    <a:lnT w="6350" cap="flat" cmpd="sng" algn="ctr">
+                      <a:solidFill>
+                        <a:srgbClr val="DFDFDF"/>
+                      </a:solidFill>
+                      <a:prstDash val="solid"/>
+                      <a:round/>
+                      <a:headEnd type="none" w="med" len="med"/>
+                      <a:tailEnd type="none" w="med" len="med"/>
+                    </a:lnT>
+                    <a:lnB w="6350" cap="flat" cmpd="sng" algn="ctr">
+                      <a:solidFill>
+                        <a:srgbClr val="DFDFDF"/>
+                      </a:solidFill>
+                      <a:prstDash val="solid"/>
+                      <a:round/>
+                      <a:headEnd type="none" w="med" len="med"/>
+                      <a:tailEnd type="none" w="med" len="med"/>
+                    </a:lnB>
+                    <a:solidFill>
+                      <a:srgbClr val="FFFFFF"/>
+                    </a:solidFill>
+                  </a:tcPr>
+                </a:tc>
+                <a:tc>
+                  <a:txBody>
+                    <a:bodyPr/>
+                    <a:lstStyle/>
+                    <a:p>
+                      <a:pPr fontAlgn="t"/>
+                      <a:r>
+                        <a:rPr lang="en-US" sz="1600">
+                          <a:solidFill>
+                            <a:srgbClr val="414141"/>
+                          </a:solidFill>
+                          <a:effectLst/>
+                        </a:rPr>
+                        <a:t>August 2017</a:t>
+                      </a:r>
+                    </a:p>
+                  </a:txBody>
+                  <a:tcPr marL="81742" marR="81742" marT="40871" marB="40871">
+                    <a:lnL w="6350" cap="flat" cmpd="sng" algn="ctr">
+                      <a:solidFill>
+                        <a:srgbClr val="DFDFDF"/>
+                      </a:solidFill>
+                      <a:prstDash val="solid"/>
+                      <a:round/>
+                      <a:headEnd type="none" w="med" len="med"/>
+                      <a:tailEnd type="none" w="med" len="med"/>
+                    </a:lnL>
+                    <a:lnR w="6350" cap="flat" cmpd="sng" algn="ctr">
+                      <a:solidFill>
+                        <a:srgbClr val="DFDFDF"/>
+                      </a:solidFill>
+                      <a:prstDash val="solid"/>
+                      <a:round/>
+                      <a:headEnd type="none" w="med" len="med"/>
+                      <a:tailEnd type="none" w="med" len="med"/>
+                    </a:lnR>
+                    <a:lnT w="6350" cap="flat" cmpd="sng" algn="ctr">
+                      <a:solidFill>
+                        <a:srgbClr val="DFDFDF"/>
+                      </a:solidFill>
+                      <a:prstDash val="solid"/>
+                      <a:round/>
+                      <a:headEnd type="none" w="med" len="med"/>
+                      <a:tailEnd type="none" w="med" len="med"/>
+                    </a:lnT>
+                    <a:lnB w="6350" cap="flat" cmpd="sng" algn="ctr">
+                      <a:solidFill>
+                        <a:srgbClr val="DFDFDF"/>
+                      </a:solidFill>
+                      <a:prstDash val="solid"/>
+                      <a:round/>
+                      <a:headEnd type="none" w="med" len="med"/>
+                      <a:tailEnd type="none" w="med" len="med"/>
+                    </a:lnB>
+                    <a:solidFill>
+                      <a:srgbClr val="FFFFFF"/>
+                    </a:solidFill>
+                  </a:tcPr>
+                </a:tc>
+                <a:tc>
+                  <a:txBody>
+                    <a:bodyPr/>
+                    <a:lstStyle/>
+                    <a:p>
+                      <a:pPr fontAlgn="t"/>
+                      <a:r>
+                        <a:rPr lang="en-US" sz="1600">
+                          <a:solidFill>
+                            <a:srgbClr val="414141"/>
+                          </a:solidFill>
+                          <a:effectLst/>
+                        </a:rPr>
+                        <a:t>.NET Standard 2.0</a:t>
+                      </a:r>
+                    </a:p>
+                  </a:txBody>
+                  <a:tcPr marL="81742" marR="81742" marT="40871" marB="40871">
+                    <a:lnL w="6350" cap="flat" cmpd="sng" algn="ctr">
+                      <a:solidFill>
+                        <a:srgbClr val="DFDFDF"/>
+                      </a:solidFill>
+                      <a:prstDash val="solid"/>
+                      <a:round/>
+                      <a:headEnd type="none" w="med" len="med"/>
+                      <a:tailEnd type="none" w="med" len="med"/>
+                    </a:lnL>
+                    <a:lnR w="6350" cap="flat" cmpd="sng" algn="ctr">
+                      <a:solidFill>
+                        <a:srgbClr val="DFDFDF"/>
+                      </a:solidFill>
+                      <a:prstDash val="solid"/>
+                      <a:round/>
+                      <a:headEnd type="none" w="med" len="med"/>
+                      <a:tailEnd type="none" w="med" len="med"/>
+                    </a:lnR>
+                    <a:lnT w="6350" cap="flat" cmpd="sng" algn="ctr">
+                      <a:solidFill>
+                        <a:srgbClr val="DFDFDF"/>
+                      </a:solidFill>
+                      <a:prstDash val="solid"/>
+                      <a:round/>
+                      <a:headEnd type="none" w="med" len="med"/>
+                      <a:tailEnd type="none" w="med" len="med"/>
+                    </a:lnT>
+                    <a:lnB w="6350" cap="flat" cmpd="sng" algn="ctr">
+                      <a:solidFill>
+                        <a:srgbClr val="DFDFDF"/>
+                      </a:solidFill>
+                      <a:prstDash val="solid"/>
+                      <a:round/>
+                      <a:headEnd type="none" w="med" len="med"/>
+                      <a:tailEnd type="none" w="med" len="med"/>
+                    </a:lnB>
+                    <a:solidFill>
+                      <a:srgbClr val="FFFFFF"/>
+                    </a:solidFill>
+                  </a:tcPr>
+                </a:tc>
+                <a:extLst>
+                  <a:ext uri="{0D108BD9-81ED-4DB2-BD59-A6C34878D82A}">
+                    <a16:rowId xmlns:a16="http://schemas.microsoft.com/office/drawing/2014/main" val="4281927267"/>
+                  </a:ext>
+                </a:extLst>
+              </a:tr>
+              <a:tr h="588219">
+                <a:tc>
+                  <a:txBody>
+                    <a:bodyPr/>
+                    <a:lstStyle/>
+                    <a:p>
+                      <a:pPr fontAlgn="t"/>
+                      <a:r>
+                        <a:rPr lang="en-US" sz="1600">
+                          <a:solidFill>
+                            <a:srgbClr val="414141"/>
+                          </a:solidFill>
+                          <a:effectLst/>
+                        </a:rPr>
+                        <a:t>EF Core 1.0</a:t>
+                      </a:r>
+                    </a:p>
+                  </a:txBody>
+                  <a:tcPr marL="81742" marR="81742" marT="40871" marB="40871">
+                    <a:lnL w="6350" cap="flat" cmpd="sng" algn="ctr">
+                      <a:solidFill>
+                        <a:srgbClr val="DFDFDF"/>
+                      </a:solidFill>
+                      <a:prstDash val="solid"/>
+                      <a:round/>
+                      <a:headEnd type="none" w="med" len="med"/>
+                      <a:tailEnd type="none" w="med" len="med"/>
+                    </a:lnL>
+                    <a:lnR w="6350" cap="flat" cmpd="sng" algn="ctr">
+                      <a:solidFill>
+                        <a:srgbClr val="DFDFDF"/>
+                      </a:solidFill>
+                      <a:prstDash val="solid"/>
+                      <a:round/>
+                      <a:headEnd type="none" w="med" len="med"/>
+                      <a:tailEnd type="none" w="med" len="med"/>
+                    </a:lnR>
+                    <a:lnT w="6350" cap="flat" cmpd="sng" algn="ctr">
+                      <a:solidFill>
+                        <a:srgbClr val="DFDFDF"/>
+                      </a:solidFill>
+                      <a:prstDash val="solid"/>
+                      <a:round/>
+                      <a:headEnd type="none" w="med" len="med"/>
+                      <a:tailEnd type="none" w="med" len="med"/>
+                    </a:lnT>
+                    <a:lnB w="6350" cap="flat" cmpd="sng" algn="ctr">
+                      <a:solidFill>
+                        <a:srgbClr val="DFDFDF"/>
+                      </a:solidFill>
+                      <a:prstDash val="solid"/>
+                      <a:round/>
+                      <a:headEnd type="none" w="med" len="med"/>
+                      <a:tailEnd type="none" w="med" len="med"/>
+                    </a:lnB>
+                    <a:solidFill>
+                      <a:srgbClr val="F9F9F9"/>
+                    </a:solidFill>
+                  </a:tcPr>
+                </a:tc>
+                <a:tc>
+                  <a:txBody>
+                    <a:bodyPr/>
+                    <a:lstStyle/>
+                    <a:p>
+                      <a:pPr fontAlgn="t"/>
+                      <a:r>
+                        <a:rPr lang="en-US" sz="1600">
+                          <a:solidFill>
+                            <a:srgbClr val="414141"/>
+                          </a:solidFill>
+                          <a:effectLst/>
+                        </a:rPr>
+                        <a:t>June 2016</a:t>
+                      </a:r>
+                    </a:p>
+                  </a:txBody>
+                  <a:tcPr marL="81742" marR="81742" marT="40871" marB="40871">
+                    <a:lnL w="6350" cap="flat" cmpd="sng" algn="ctr">
+                      <a:solidFill>
+                        <a:srgbClr val="DFDFDF"/>
+                      </a:solidFill>
+                      <a:prstDash val="solid"/>
+                      <a:round/>
+                      <a:headEnd type="none" w="med" len="med"/>
+                      <a:tailEnd type="none" w="med" len="med"/>
+                    </a:lnL>
+                    <a:lnR w="6350" cap="flat" cmpd="sng" algn="ctr">
+                      <a:solidFill>
+                        <a:srgbClr val="DFDFDF"/>
+                      </a:solidFill>
+                      <a:prstDash val="solid"/>
+                      <a:round/>
+                      <a:headEnd type="none" w="med" len="med"/>
+                      <a:tailEnd type="none" w="med" len="med"/>
+                    </a:lnR>
+                    <a:lnT w="6350" cap="flat" cmpd="sng" algn="ctr">
+                      <a:solidFill>
+                        <a:srgbClr val="DFDFDF"/>
+                      </a:solidFill>
+                      <a:prstDash val="solid"/>
+                      <a:round/>
+                      <a:headEnd type="none" w="med" len="med"/>
+                      <a:tailEnd type="none" w="med" len="med"/>
+                    </a:lnT>
+                    <a:lnB w="6350" cap="flat" cmpd="sng" algn="ctr">
+                      <a:solidFill>
+                        <a:srgbClr val="DFDFDF"/>
+                      </a:solidFill>
+                      <a:prstDash val="solid"/>
+                      <a:round/>
+                      <a:headEnd type="none" w="med" len="med"/>
+                      <a:tailEnd type="none" w="med" len="med"/>
+                    </a:lnB>
+                    <a:solidFill>
+                      <a:srgbClr val="F9F9F9"/>
+                    </a:solidFill>
+                  </a:tcPr>
+                </a:tc>
+                <a:tc>
+                  <a:txBody>
+                    <a:bodyPr/>
+                    <a:lstStyle/>
+                    <a:p>
+                      <a:pPr fontAlgn="t"/>
+                      <a:r>
+                        <a:rPr lang="en-US" sz="1600" dirty="0">
+                          <a:solidFill>
+                            <a:srgbClr val="414141"/>
+                          </a:solidFill>
+                          <a:effectLst/>
+                        </a:rPr>
+                        <a:t>.NET Standard 2.1</a:t>
+                      </a:r>
+                    </a:p>
+                  </a:txBody>
+                  <a:tcPr marL="81742" marR="81742" marT="40871" marB="40871">
+                    <a:lnL w="6350" cap="flat" cmpd="sng" algn="ctr">
+                      <a:solidFill>
+                        <a:srgbClr val="DFDFDF"/>
+                      </a:solidFill>
+                      <a:prstDash val="solid"/>
+                      <a:round/>
+                      <a:headEnd type="none" w="med" len="med"/>
+                      <a:tailEnd type="none" w="med" len="med"/>
+                    </a:lnL>
+                    <a:lnR w="6350" cap="flat" cmpd="sng" algn="ctr">
+                      <a:solidFill>
+                        <a:srgbClr val="DFDFDF"/>
+                      </a:solidFill>
+                      <a:prstDash val="solid"/>
+                      <a:round/>
+                      <a:headEnd type="none" w="med" len="med"/>
+                      <a:tailEnd type="none" w="med" len="med"/>
+                    </a:lnR>
+                    <a:lnT w="6350" cap="flat" cmpd="sng" algn="ctr">
+                      <a:solidFill>
+                        <a:srgbClr val="DFDFDF"/>
+                      </a:solidFill>
+                      <a:prstDash val="solid"/>
+                      <a:round/>
+                      <a:headEnd type="none" w="med" len="med"/>
+                      <a:tailEnd type="none" w="med" len="med"/>
+                    </a:lnT>
+                    <a:lnB w="6350" cap="flat" cmpd="sng" algn="ctr">
+                      <a:solidFill>
+                        <a:srgbClr val="DFDFDF"/>
+                      </a:solidFill>
+                      <a:prstDash val="solid"/>
+                      <a:round/>
+                      <a:headEnd type="none" w="med" len="med"/>
+                      <a:tailEnd type="none" w="med" len="med"/>
+                    </a:lnB>
+                    <a:solidFill>
+                      <a:srgbClr val="F9F9F9"/>
+                    </a:solidFill>
+                  </a:tcPr>
+                </a:tc>
+                <a:extLst>
+                  <a:ext uri="{0D108BD9-81ED-4DB2-BD59-A6C34878D82A}">
+                    <a16:rowId xmlns:a16="http://schemas.microsoft.com/office/drawing/2014/main" val="4099998719"/>
                   </a:ext>
                 </a:extLst>
               </a:tr>
@@ -11068,18 +13630,25 @@
       </p:graphicFrame>
       <p:sp>
         <p:nvSpPr>
-          <p:cNvPr id="7" name="Rectangle 6"/>
-          <p:cNvSpPr/>
+          <p:cNvPr id="13" name="TextBox 12">
+            <a:extLst>
+              <a:ext uri="{FF2B5EF4-FFF2-40B4-BE49-F238E27FC236}">
+                <a16:creationId xmlns:a16="http://schemas.microsoft.com/office/drawing/2014/main" id="{55B8D93D-1209-8DB4-BD84-802AD00DE6A2}"/>
+              </a:ext>
+            </a:extLst>
+          </p:cNvPr>
+          <p:cNvSpPr txBox="1"/>
           <p:nvPr/>
         </p:nvSpPr>
         <p:spPr>
           <a:xfrm>
-            <a:off x="685800" y="3200400"/>
-            <a:ext cx="8229600" cy="369332"/>
+            <a:off x="502920" y="5182552"/>
+            <a:ext cx="8153400" cy="923330"/>
           </a:xfrm>
           <a:prstGeom prst="rect">
             <a:avLst/>
           </a:prstGeom>
+          <a:noFill/>
         </p:spPr>
         <p:txBody>
           <a:bodyPr wrap="square">
@@ -11089,105 +13658,17 @@
           <a:p>
             <a:r>
               <a:rPr lang="en-US" dirty="0"/>
-              <a:t>EF Core on </a:t>
-            </a:r>
-            <a:r>
-              <a:rPr lang="en-US" dirty="0" err="1"/>
-              <a:t>GitHub</a:t>
-            </a:r>
+              <a:t>EF Core Official Documentation: https://learn.microsoft.com/en-us/ef/core/</a:t>
+            </a:r>
+          </a:p>
+          <a:p>
+            <a:endParaRPr lang="en-US" dirty="0"/>
+          </a:p>
+          <a:p>
             <a:r>
               <a:rPr lang="en-US" dirty="0"/>
-              <a:t>: </a:t>
-            </a:r>
-            <a:r>
-              <a:rPr lang="en-US" dirty="0">
-                <a:hlinkClick r:id="rId2"/>
-              </a:rPr>
-              <a:t>https://github.com/aspnet/EntityFrameworkCore</a:t>
-            </a:r>
-            <a:endParaRPr lang="en-US" dirty="0"/>
-          </a:p>
-        </p:txBody>
-      </p:sp>
-      <p:sp>
-        <p:nvSpPr>
-          <p:cNvPr id="8" name="Rectangle 7"/>
-          <p:cNvSpPr/>
-          <p:nvPr/>
-        </p:nvSpPr>
-        <p:spPr>
-          <a:xfrm>
-            <a:off x="685800" y="3581400"/>
-            <a:ext cx="8229600" cy="369332"/>
-          </a:xfrm>
-          <a:prstGeom prst="rect">
-            <a:avLst/>
-          </a:prstGeom>
-        </p:spPr>
-        <p:txBody>
-          <a:bodyPr wrap="square">
-            <a:spAutoFit/>
-          </a:bodyPr>
-          <a:lstStyle/>
-          <a:p>
-            <a:r>
-              <a:rPr lang="en-US" dirty="0"/>
-              <a:t>EF Core Roadmap: </a:t>
-            </a:r>
-            <a:r>
-              <a:rPr lang="en-US" dirty="0">
-                <a:hlinkClick r:id="rId3"/>
-              </a:rPr>
-              <a:t>docs.microsoft.com/en-us/</a:t>
-            </a:r>
-            <a:r>
-              <a:rPr lang="en-US" dirty="0" err="1">
-                <a:hlinkClick r:id="rId3"/>
-              </a:rPr>
-              <a:t>ef</a:t>
-            </a:r>
-            <a:r>
-              <a:rPr lang="en-US" dirty="0">
-                <a:hlinkClick r:id="rId3"/>
-              </a:rPr>
-              <a:t>/core/what-is-new/roadmap</a:t>
-            </a:r>
-            <a:endParaRPr lang="en-US" dirty="0"/>
-          </a:p>
-        </p:txBody>
-      </p:sp>
-      <p:sp>
-        <p:nvSpPr>
-          <p:cNvPr id="9" name="Rectangle 8"/>
-          <p:cNvSpPr/>
-          <p:nvPr/>
-        </p:nvSpPr>
-        <p:spPr>
-          <a:xfrm>
-            <a:off x="685800" y="3886200"/>
-            <a:ext cx="8077200" cy="369332"/>
-          </a:xfrm>
-          <a:prstGeom prst="rect">
-            <a:avLst/>
-          </a:prstGeom>
-        </p:spPr>
-        <p:txBody>
-          <a:bodyPr wrap="square">
-            <a:spAutoFit/>
-          </a:bodyPr>
-          <a:lstStyle/>
-          <a:p>
-            <a:r>
-              <a:rPr lang="en-US" dirty="0"/>
-              <a:t>EF Core Official Documentation: </a:t>
-            </a:r>
-            <a:r>
-              <a:rPr lang="en-US" dirty="0">
-                <a:hlinkClick r:id="rId4"/>
-              </a:rPr>
-              <a:t>https://docs.microsoft.com/ef/core</a:t>
-            </a:r>
-            <a:endParaRPr lang="en-US" dirty="0"/>
+              <a:t>EF Core on GitHub: https://github.com/dotnet/efcore</a:t>
+            </a:r>
           </a:p>
         </p:txBody>
       </p:sp>
@@ -11289,6 +13770,24 @@
           </a:p>
           <a:p>
             <a:r>
+              <a:rPr lang="en-US" sz="900" b="0" i="0" dirty="0">
+                <a:solidFill>
+                  <a:srgbClr val="181717"/>
+                </a:solidFill>
+                <a:effectLst/>
+                <a:latin typeface="Verdana" panose="020B0604030504040204" pitchFamily="34" charset="0"/>
+              </a:rPr>
+              <a:t>EF Core mainly targets the code-first approach and provides little support for the database-first approach because the visual designer or wizard for DB model is not supported as of EF Core.</a:t>
+            </a:r>
+            <a:endParaRPr lang="en-US" sz="1200" dirty="0">
+              <a:solidFill>
+                <a:srgbClr val="181717"/>
+              </a:solidFill>
+              <a:latin typeface="Verdana"/>
+            </a:endParaRPr>
+          </a:p>
+          <a:p>
+            <a:r>
               <a:rPr lang="en-US" sz="900" b="1" i="0" dirty="0">
                 <a:solidFill>
                   <a:srgbClr val="000000"/>
@@ -11307,34 +13806,15 @@
           </a:p>
           <a:p>
             <a:r>
-              <a:rPr lang="en-US" sz="1200" dirty="0">
+              <a:rPr lang="en-US" sz="900" b="0" i="0" dirty="0">
                 <a:solidFill>
                   <a:srgbClr val="181717"/>
                 </a:solidFill>
-                <a:latin typeface="Verdana"/>
+                <a:effectLst/>
+                <a:latin typeface="Verdana" panose="020B0604030504040204" pitchFamily="34" charset="0"/>
               </a:rPr>
-              <a:t>In the EF Core Code First Approach, first, we need to create our application domain classes and a context class that derives from Entity Framework </a:t>
-            </a:r>
-            <a:r>
-              <a:rPr lang="en-US" sz="1200" dirty="0" err="1">
-                <a:solidFill>
-                  <a:srgbClr val="181717"/>
-                </a:solidFill>
-                <a:latin typeface="Verdana"/>
-              </a:rPr>
-              <a:t>DbContext</a:t>
-            </a:r>
-            <a:r>
-              <a:rPr lang="en-US" sz="1200" dirty="0">
-                <a:solidFill>
-                  <a:srgbClr val="181717"/>
-                </a:solidFill>
-                <a:latin typeface="Verdana"/>
-              </a:rPr>
-              <a:t> class. Then based on the application domain classes and DBContext class, the EF Core creates the database and related tables.</a:t>
-            </a:r>
-          </a:p>
-          <a:p>
+              <a:t>In the code-first approach, EF Core API creates the database and tables using migration based on the conventions and configuration provided in your domain classes.</a:t>
+            </a:r>
             <a:endParaRPr lang="en-US" sz="1200" dirty="0">
               <a:latin typeface="Calibri" pitchFamily="34" charset="0"/>
               <a:cs typeface="Calibri" pitchFamily="34" charset="0"/>
@@ -11482,16 +13962,8 @@
                 </a:solidFill>
                 <a:latin typeface="Verdana"/>
               </a:rPr>
-              <a:t>In the database-first approach, EF Core API creates the domain and context classes based on your existing database using EF Core commands. </a:t>
-            </a:r>
-          </a:p>
-          <a:p>
-            <a:endParaRPr lang="en-US" sz="1200" dirty="0">
-              <a:solidFill>
-                <a:srgbClr val="181717"/>
-              </a:solidFill>
-              <a:latin typeface="Verdana"/>
-            </a:endParaRPr>
+              <a:t>In the database-first approach, EF Core API creates the domain and context classes based on your existing database using EF Core commands. This has limited support in EF Core as it does not support visual designer or wizard.</a:t>
+            </a:r>
           </a:p>
           <a:p>
             <a:endParaRPr lang="en-US" sz="1200" dirty="0">
@@ -11681,6 +14153,242 @@
   <p:cSld>
     <p:spTree>
       <p:nvGrpSpPr>
+        <p:cNvPr id="1" name="">
+          <a:extLst>
+            <a:ext uri="{FF2B5EF4-FFF2-40B4-BE49-F238E27FC236}">
+              <a16:creationId xmlns:a16="http://schemas.microsoft.com/office/drawing/2014/main" id="{3105F975-65CF-4066-0C0F-13CBE998BFE4}"/>
+            </a:ext>
+          </a:extLst>
+        </p:cNvPr>
+        <p:cNvGrpSpPr/>
+        <p:nvPr/>
+      </p:nvGrpSpPr>
+      <p:grpSpPr>
+        <a:xfrm>
+          <a:off x="0" y="0"/>
+          <a:ext cx="0" cy="0"/>
+          <a:chOff x="0" y="0"/>
+          <a:chExt cx="0" cy="0"/>
+        </a:xfrm>
+      </p:grpSpPr>
+      <p:sp>
+        <p:nvSpPr>
+          <p:cNvPr id="4" name="Title 3">
+            <a:extLst>
+              <a:ext uri="{FF2B5EF4-FFF2-40B4-BE49-F238E27FC236}">
+                <a16:creationId xmlns:a16="http://schemas.microsoft.com/office/drawing/2014/main" id="{072510B7-323E-B088-EE1F-3A1868EAB977}"/>
+              </a:ext>
+            </a:extLst>
+          </p:cNvPr>
+          <p:cNvSpPr>
+            <a:spLocks noGrp="1"/>
+          </p:cNvSpPr>
+          <p:nvPr>
+            <p:ph type="title"/>
+          </p:nvPr>
+        </p:nvSpPr>
+        <p:spPr/>
+        <p:txBody>
+          <a:bodyPr/>
+          <a:lstStyle/>
+          <a:p>
+            <a:r>
+              <a:rPr lang="en-US" dirty="0"/>
+              <a:t>EF Core vs EF 6</a:t>
+            </a:r>
+          </a:p>
+        </p:txBody>
+      </p:sp>
+      <p:sp>
+        <p:nvSpPr>
+          <p:cNvPr id="6" name="Content Placeholder 5">
+            <a:extLst>
+              <a:ext uri="{FF2B5EF4-FFF2-40B4-BE49-F238E27FC236}">
+                <a16:creationId xmlns:a16="http://schemas.microsoft.com/office/drawing/2014/main" id="{DA39527F-80BF-09F0-B564-8522B886A23F}"/>
+              </a:ext>
+            </a:extLst>
+          </p:cNvPr>
+          <p:cNvSpPr>
+            <a:spLocks noGrp="1"/>
+          </p:cNvSpPr>
+          <p:nvPr>
+            <p:ph sz="quarter" idx="1"/>
+          </p:nvPr>
+        </p:nvSpPr>
+        <p:spPr/>
+        <p:txBody>
+          <a:bodyPr>
+            <a:normAutofit/>
+          </a:bodyPr>
+          <a:lstStyle/>
+          <a:p>
+            <a:r>
+              <a:rPr lang="en-US" sz="1200" dirty="0">
+                <a:solidFill>
+                  <a:srgbClr val="181717"/>
+                </a:solidFill>
+                <a:latin typeface="Verdana"/>
+              </a:rPr>
+              <a:t>Entity Framework Core is the new and improved version of Entity Framework for .NET Core applications.</a:t>
+            </a:r>
+          </a:p>
+          <a:p>
+            <a:r>
+              <a:rPr lang="en-US" sz="1200" dirty="0">
+                <a:solidFill>
+                  <a:srgbClr val="181717"/>
+                </a:solidFill>
+                <a:latin typeface="Verdana"/>
+              </a:rPr>
+              <a:t>EF Core continues to support the following features and concepts, same as EF 6.</a:t>
+            </a:r>
+          </a:p>
+          <a:p>
+            <a:pPr lvl="1"/>
+            <a:r>
+              <a:rPr lang="en-US" sz="1200" dirty="0" err="1">
+                <a:solidFill>
+                  <a:srgbClr val="181717"/>
+                </a:solidFill>
+                <a:latin typeface="Verdana"/>
+              </a:rPr>
+              <a:t>DbContext</a:t>
+            </a:r>
+            <a:r>
+              <a:rPr lang="en-US" sz="1200" dirty="0">
+                <a:solidFill>
+                  <a:srgbClr val="181717"/>
+                </a:solidFill>
+                <a:latin typeface="Verdana"/>
+              </a:rPr>
+              <a:t> &amp; </a:t>
+            </a:r>
+            <a:r>
+              <a:rPr lang="en-US" sz="1200" dirty="0" err="1">
+                <a:solidFill>
+                  <a:srgbClr val="181717"/>
+                </a:solidFill>
+                <a:latin typeface="Verdana"/>
+              </a:rPr>
+              <a:t>DbSet</a:t>
+            </a:r>
+            <a:endParaRPr lang="en-US" sz="1200" dirty="0">
+              <a:solidFill>
+                <a:srgbClr val="181717"/>
+              </a:solidFill>
+              <a:latin typeface="Verdana"/>
+            </a:endParaRPr>
+          </a:p>
+          <a:p>
+            <a:pPr lvl="1"/>
+            <a:r>
+              <a:rPr lang="en-US" sz="1200" dirty="0">
+                <a:solidFill>
+                  <a:srgbClr val="181717"/>
+                </a:solidFill>
+                <a:latin typeface="Verdana"/>
+              </a:rPr>
+              <a:t>Data Model</a:t>
+            </a:r>
+          </a:p>
+          <a:p>
+            <a:pPr lvl="1"/>
+            <a:r>
+              <a:rPr lang="en-US" sz="1200" dirty="0">
+                <a:solidFill>
+                  <a:srgbClr val="181717"/>
+                </a:solidFill>
+                <a:latin typeface="Verdana"/>
+              </a:rPr>
+              <a:t>Querying using </a:t>
+            </a:r>
+            <a:r>
+              <a:rPr lang="en-US" sz="1200" dirty="0" err="1">
+                <a:solidFill>
+                  <a:srgbClr val="181717"/>
+                </a:solidFill>
+                <a:latin typeface="Verdana"/>
+              </a:rPr>
+              <a:t>Linq</a:t>
+            </a:r>
+            <a:r>
+              <a:rPr lang="en-US" sz="1200" dirty="0">
+                <a:solidFill>
+                  <a:srgbClr val="181717"/>
+                </a:solidFill>
+                <a:latin typeface="Verdana"/>
+              </a:rPr>
+              <a:t>-to-Entities</a:t>
+            </a:r>
+          </a:p>
+          <a:p>
+            <a:pPr lvl="1"/>
+            <a:r>
+              <a:rPr lang="en-US" sz="1200" dirty="0">
+                <a:solidFill>
+                  <a:srgbClr val="181717"/>
+                </a:solidFill>
+                <a:latin typeface="Verdana"/>
+              </a:rPr>
+              <a:t>Change Tracking</a:t>
+            </a:r>
+          </a:p>
+          <a:p>
+            <a:pPr lvl="1"/>
+            <a:r>
+              <a:rPr lang="en-US" sz="1200" dirty="0" err="1">
+                <a:solidFill>
+                  <a:srgbClr val="181717"/>
+                </a:solidFill>
+                <a:latin typeface="Verdana"/>
+              </a:rPr>
+              <a:t>SaveChanges</a:t>
+            </a:r>
+            <a:endParaRPr lang="en-US" sz="1200" dirty="0">
+              <a:solidFill>
+                <a:srgbClr val="181717"/>
+              </a:solidFill>
+              <a:latin typeface="Verdana"/>
+            </a:endParaRPr>
+          </a:p>
+          <a:p>
+            <a:pPr lvl="1"/>
+            <a:r>
+              <a:rPr lang="en-US" sz="1200" dirty="0">
+                <a:solidFill>
+                  <a:srgbClr val="181717"/>
+                </a:solidFill>
+                <a:latin typeface="Verdana"/>
+              </a:rPr>
+              <a:t>Migrations</a:t>
+            </a:r>
+          </a:p>
+          <a:p>
+            <a:endParaRPr lang="en-US" sz="1200" dirty="0">
+              <a:latin typeface="Calibri" pitchFamily="34" charset="0"/>
+              <a:cs typeface="Calibri" pitchFamily="34" charset="0"/>
+            </a:endParaRPr>
+          </a:p>
+        </p:txBody>
+      </p:sp>
+    </p:spTree>
+    <p:extLst>
+      <p:ext uri="{BB962C8B-B14F-4D97-AF65-F5344CB8AC3E}">
+        <p14:creationId xmlns:p14="http://schemas.microsoft.com/office/powerpoint/2010/main" val="4155670544"/>
+      </p:ext>
+    </p:extLst>
+  </p:cSld>
+  <p:clrMapOvr>
+    <a:masterClrMapping/>
+  </p:clrMapOvr>
+</p:sld>
+</file>
+
+<file path=ppt/slides/slide9.xml><?xml version="1.0" encoding="utf-8"?>
+<p:sld xmlns:a="http://schemas.openxmlformats.org/drawingml/2006/main" xmlns:r="http://schemas.openxmlformats.org/officeDocument/2006/relationships" xmlns:p="http://schemas.openxmlformats.org/presentationml/2006/main">
+  <p:cSld>
+    <p:spTree>
+      <p:nvGrpSpPr>
         <p:cNvPr id="1" name=""/>
         <p:cNvGrpSpPr/>
         <p:nvPr/>
@@ -11763,6 +14471,18 @@
                 </a:solidFill>
                 <a:latin typeface="Verdana"/>
               </a:rPr>
+              <a:t>Entity Framework Core uses a provider model to access many different databases. EF Core includes providers as NuGet packages which you need to install.</a:t>
+            </a:r>
+          </a:p>
+          <a:p>
+            <a:pPr algn="just"/>
+            <a:r>
+              <a:rPr lang="en-US" sz="1400" dirty="0">
+                <a:solidFill>
+                  <a:srgbClr val="181717"/>
+                </a:solidFill>
+                <a:latin typeface="Verdana"/>
+              </a:rPr>
               <a:t>The database providers are available as NuGet packages. The Database Provider sits between the EF Core and the database it supports.</a:t>
             </a:r>
           </a:p>
@@ -11784,14 +14504,14 @@
           <p:nvPr>
             <p:extLst>
               <p:ext uri="{D42A27DB-BD31-4B8C-83A1-F6EECF244321}">
-                <p14:modId xmlns:p14="http://schemas.microsoft.com/office/powerpoint/2010/main" val="2789132641"/>
+                <p14:modId xmlns:p14="http://schemas.microsoft.com/office/powerpoint/2010/main" val="1090424168"/>
               </p:ext>
             </p:extLst>
           </p:nvPr>
         </p:nvGraphicFramePr>
         <p:xfrm>
-          <a:off x="685800" y="4069080"/>
-          <a:ext cx="8229600" cy="2757173"/>
+          <a:off x="495300" y="4281195"/>
+          <a:ext cx="8388096" cy="2576805"/>
         </p:xfrm>
         <a:graphic>
           <a:graphicData uri="http://schemas.openxmlformats.org/drawingml/2006/table">
@@ -11800,14 +14520,14 @@
                 <a:tableStyleId>{5C22544A-7EE6-4342-B048-85BDC9FD1C3A}</a:tableStyleId>
               </a:tblPr>
               <a:tblGrid>
-                <a:gridCol w="4114800">
+                <a:gridCol w="4194048">
                   <a:extLst>
                     <a:ext uri="{9D8B030D-6E8A-4147-A177-3AD203B41FA5}">
                       <a16:colId xmlns:a16="http://schemas.microsoft.com/office/drawing/2014/main" val="20000"/>
                     </a:ext>
                   </a:extLst>
                 </a:gridCol>
-                <a:gridCol w="4114800">
+                <a:gridCol w="4194048">
                   <a:extLst>
                     <a:ext uri="{9D8B030D-6E8A-4147-A177-3AD203B41FA5}">
                       <a16:colId xmlns:a16="http://schemas.microsoft.com/office/drawing/2014/main" val="20001"/>
@@ -11815,7 +14535,7 @@
                   </a:extLst>
                 </a:gridCol>
               </a:tblGrid>
-              <a:tr h="321493">
+              <a:tr h="248501">
                 <a:tc>
                   <a:txBody>
                     <a:bodyPr/>
@@ -11858,7 +14578,7 @@
                   </a:ext>
                 </a:extLst>
               </a:tr>
-              <a:tr h="321493">
+              <a:tr h="248501">
                 <a:tc>
                   <a:txBody>
                     <a:bodyPr/>
@@ -11907,7 +14627,7 @@
                   </a:ext>
                 </a:extLst>
               </a:tr>
-              <a:tr h="321493">
+              <a:tr h="248501">
                 <a:tc>
                   <a:txBody>
                     <a:bodyPr/>
@@ -11956,7 +14676,7 @@
                   </a:ext>
                 </a:extLst>
               </a:tr>
-              <a:tr h="321493">
+              <a:tr h="248501">
                 <a:tc>
                   <a:txBody>
                     <a:bodyPr/>
@@ -12005,7 +14725,7 @@
                   </a:ext>
                 </a:extLst>
               </a:tr>
-              <a:tr h="321493">
+              <a:tr h="248501">
                 <a:tc>
                   <a:txBody>
                     <a:bodyPr/>
@@ -12054,7 +14774,7 @@
                   </a:ext>
                 </a:extLst>
               </a:tr>
-              <a:tr h="562613">
+              <a:tr h="382245">
                 <a:tc>
                   <a:txBody>
                     <a:bodyPr/>
@@ -12103,7 +14823,7 @@
                   </a:ext>
                 </a:extLst>
               </a:tr>
-              <a:tr h="321493">
+              <a:tr h="248501">
                 <a:tc>
                   <a:txBody>
                     <a:bodyPr/>
@@ -12185,8 +14905,8 @@
         </p:blipFill>
         <p:spPr bwMode="auto">
           <a:xfrm>
-            <a:off x="1714500" y="2670810"/>
-            <a:ext cx="5715000" cy="1398270"/>
+            <a:off x="1714500" y="3118485"/>
+            <a:ext cx="5715000" cy="1139190"/>
           </a:xfrm>
           <a:prstGeom prst="rect">
             <a:avLst/>
@@ -12203,226 +14923,6 @@
           </a:extLst>
         </p:spPr>
       </p:pic>
-    </p:spTree>
-  </p:cSld>
-  <p:clrMapOvr>
-    <a:masterClrMapping/>
-  </p:clrMapOvr>
-</p:sld>
-</file>
-
-<file path=ppt/slides/slide9.xml><?xml version="1.0" encoding="utf-8"?>
-<p:sld xmlns:a="http://schemas.openxmlformats.org/drawingml/2006/main" xmlns:r="http://schemas.openxmlformats.org/officeDocument/2006/relationships" xmlns:p="http://schemas.openxmlformats.org/presentationml/2006/main">
-  <p:cSld>
-    <p:spTree>
-      <p:nvGrpSpPr>
-        <p:cNvPr id="1" name=""/>
-        <p:cNvGrpSpPr/>
-        <p:nvPr/>
-      </p:nvGrpSpPr>
-      <p:grpSpPr>
-        <a:xfrm>
-          <a:off x="0" y="0"/>
-          <a:ext cx="0" cy="0"/>
-          <a:chOff x="0" y="0"/>
-          <a:chExt cx="0" cy="0"/>
-        </a:xfrm>
-      </p:grpSpPr>
-      <p:sp>
-        <p:nvSpPr>
-          <p:cNvPr id="4" name="Title 3"/>
-          <p:cNvSpPr>
-            <a:spLocks noGrp="1"/>
-          </p:cNvSpPr>
-          <p:nvPr>
-            <p:ph type="title"/>
-          </p:nvPr>
-        </p:nvSpPr>
-        <p:spPr/>
-        <p:txBody>
-          <a:bodyPr/>
-          <a:lstStyle/>
-          <a:p>
-            <a:r>
-              <a:rPr lang="en-US" dirty="0"/>
-              <a:t>Install Entity Framework Core</a:t>
-            </a:r>
-          </a:p>
-        </p:txBody>
-      </p:sp>
-      <p:sp>
-        <p:nvSpPr>
-          <p:cNvPr id="6" name="Content Placeholder 5"/>
-          <p:cNvSpPr>
-            <a:spLocks noGrp="1"/>
-          </p:cNvSpPr>
-          <p:nvPr>
-            <p:ph sz="quarter" idx="1"/>
-          </p:nvPr>
-        </p:nvSpPr>
-        <p:spPr/>
-        <p:txBody>
-          <a:bodyPr>
-            <a:normAutofit/>
-          </a:bodyPr>
-          <a:lstStyle/>
-          <a:p>
-            <a:r>
-              <a:rPr lang="en-US" sz="1400" dirty="0">
-                <a:solidFill>
-                  <a:srgbClr val="181717"/>
-                </a:solidFill>
-                <a:latin typeface="Verdana"/>
-              </a:rPr>
-              <a:t>Entity Framework Core can be used with .NET Core or .NET 4.6 based applications.</a:t>
-            </a:r>
-          </a:p>
-          <a:p>
-            <a:pPr algn="just"/>
-            <a:r>
-              <a:rPr lang="en-US" sz="1400" dirty="0">
-                <a:solidFill>
-                  <a:srgbClr val="181717"/>
-                </a:solidFill>
-                <a:latin typeface="Verdana"/>
-              </a:rPr>
-              <a:t>EF Core is not a part of .NET Core and standard .NET framework. It is available as a </a:t>
-            </a:r>
-            <a:r>
-              <a:rPr lang="en-US" sz="1400" dirty="0" err="1">
-                <a:solidFill>
-                  <a:srgbClr val="181717"/>
-                </a:solidFill>
-                <a:latin typeface="Verdana"/>
-              </a:rPr>
-              <a:t>NuGet</a:t>
-            </a:r>
-            <a:r>
-              <a:rPr lang="en-US" sz="1400" dirty="0">
-                <a:solidFill>
-                  <a:srgbClr val="181717"/>
-                </a:solidFill>
-                <a:latin typeface="Verdana"/>
-              </a:rPr>
-              <a:t> package. You need to install </a:t>
-            </a:r>
-            <a:r>
-              <a:rPr lang="en-US" sz="1400" dirty="0" err="1">
-                <a:solidFill>
-                  <a:srgbClr val="181717"/>
-                </a:solidFill>
-                <a:latin typeface="Verdana"/>
-              </a:rPr>
-              <a:t>NuGet</a:t>
-            </a:r>
-            <a:r>
-              <a:rPr lang="en-US" sz="1400" dirty="0">
-                <a:solidFill>
-                  <a:srgbClr val="181717"/>
-                </a:solidFill>
-                <a:latin typeface="Verdana"/>
-              </a:rPr>
-              <a:t> packages for the following two things to use EF Core in your application:</a:t>
-            </a:r>
-          </a:p>
-          <a:p>
-            <a:pPr algn="just">
-              <a:buFont typeface="+mj-lt"/>
-              <a:buAutoNum type="arabicPeriod"/>
-            </a:pPr>
-            <a:r>
-              <a:rPr lang="en-US" sz="1400" dirty="0">
-                <a:solidFill>
-                  <a:srgbClr val="181717"/>
-                </a:solidFill>
-                <a:latin typeface="Verdana"/>
-              </a:rPr>
-              <a:t>EF Core DB provider</a:t>
-            </a:r>
-          </a:p>
-          <a:p>
-            <a:pPr algn="just">
-              <a:buFont typeface="+mj-lt"/>
-              <a:buAutoNum type="arabicPeriod"/>
-            </a:pPr>
-            <a:r>
-              <a:rPr lang="en-US" sz="1400" dirty="0">
-                <a:solidFill>
-                  <a:srgbClr val="181717"/>
-                </a:solidFill>
-                <a:latin typeface="Verdana"/>
-              </a:rPr>
-              <a:t>EF Core tools</a:t>
-            </a:r>
-          </a:p>
-          <a:p>
-            <a:r>
-              <a:rPr lang="en-US" sz="1400" dirty="0">
-                <a:solidFill>
-                  <a:srgbClr val="181717"/>
-                </a:solidFill>
-                <a:latin typeface="Verdana"/>
-              </a:rPr>
-              <a:t>PM&gt; Install-Package </a:t>
-            </a:r>
-            <a:r>
-              <a:rPr lang="en-US" sz="1400" dirty="0" err="1">
-                <a:solidFill>
-                  <a:srgbClr val="181717"/>
-                </a:solidFill>
-                <a:latin typeface="Verdana"/>
-              </a:rPr>
-              <a:t>Microsoft.EntityFrameworkCore.SqlServer</a:t>
-            </a:r>
-            <a:endParaRPr lang="en-US" sz="1400" dirty="0">
-              <a:solidFill>
-                <a:srgbClr val="181717"/>
-              </a:solidFill>
-              <a:latin typeface="Verdana"/>
-            </a:endParaRPr>
-          </a:p>
-          <a:p>
-            <a:r>
-              <a:rPr lang="en-US" sz="1400" dirty="0">
-                <a:solidFill>
-                  <a:srgbClr val="181717"/>
-                </a:solidFill>
-                <a:latin typeface="Verdana"/>
-              </a:rPr>
-              <a:t>PM&gt; Install-Package </a:t>
-            </a:r>
-            <a:r>
-              <a:rPr lang="en-US" sz="1400" dirty="0" err="1">
-                <a:solidFill>
-                  <a:srgbClr val="000000"/>
-                </a:solidFill>
-                <a:latin typeface="SFMono-Regular"/>
-              </a:rPr>
-              <a:t>Microsoft.EntityFrameworkCore.Tools</a:t>
-            </a:r>
-            <a:endParaRPr lang="en-US" sz="1400" dirty="0">
-              <a:solidFill>
-                <a:srgbClr val="181717"/>
-              </a:solidFill>
-              <a:latin typeface="Verdana"/>
-            </a:endParaRPr>
-          </a:p>
-          <a:p>
-            <a:endParaRPr lang="en-US" sz="1400" dirty="0">
-              <a:solidFill>
-                <a:srgbClr val="181717"/>
-              </a:solidFill>
-              <a:latin typeface="Verdana"/>
-            </a:endParaRPr>
-          </a:p>
-          <a:p>
-            <a:endParaRPr lang="en-US" sz="1200" dirty="0">
-              <a:latin typeface="Calibri" pitchFamily="34" charset="0"/>
-              <a:cs typeface="Calibri" pitchFamily="34" charset="0"/>
-            </a:endParaRPr>
-          </a:p>
-        </p:txBody>
-      </p:sp>
     </p:spTree>
   </p:cSld>
   <p:clrMapOvr>
